--- a/fuentes/contenidos/grado09/guion11/mapa tema 11.pptx
+++ b/fuentes/contenidos/grado09/guion11/mapa tema 11.pptx
@@ -406,7 +406,7 @@
             <a:fld id="{5001C876-01F7-4317-94B9-1AE222133113}" type="datetimeFigureOut">
               <a:rPr lang="es-ES" smtClean="0"/>
               <a:pPr/>
-              <a:t>30/01/2016</a:t>
+              <a:t>30/03/2016</a:t>
             </a:fld>
             <a:endParaRPr lang="es-ES"/>
           </a:p>
@@ -995,7 +995,16 @@
                 </a:solidFill>
                 <a:cs typeface="Arial" pitchFamily="34" charset="0"/>
               </a:rPr>
-              <a:t>Cuerpos geométricos   </a:t>
+              <a:t>Los cuerpos </a:t>
+            </a:r>
+            <a:r>
+              <a:rPr lang="es-CO" sz="1900" b="1" dirty="0" smtClean="0">
+                <a:solidFill>
+                  <a:schemeClr val="tx1"/>
+                </a:solidFill>
+                <a:cs typeface="Arial" pitchFamily="34" charset="0"/>
+              </a:rPr>
+              <a:t>geométricos   </a:t>
             </a:r>
             <a:endParaRPr lang="es-CO" sz="1900" b="1" dirty="0">
               <a:solidFill>
@@ -1044,13 +1053,22 @@
           <a:p>
             <a:pPr algn="ctr"/>
             <a:r>
+              <a:rPr lang="es-CO" sz="1400" b="1" dirty="0">
+                <a:solidFill>
+                  <a:schemeClr val="tx1"/>
+                </a:solidFill>
+                <a:cs typeface="Arial" pitchFamily="34" charset="0"/>
+              </a:rPr>
+              <a:t>T</a:t>
+            </a:r>
+            <a:r>
               <a:rPr lang="es-CO" sz="1400" b="1" dirty="0" smtClean="0">
                 <a:solidFill>
                   <a:schemeClr val="tx1"/>
                 </a:solidFill>
                 <a:cs typeface="Arial" pitchFamily="34" charset="0"/>
               </a:rPr>
-              <a:t>Figuras geométricas con 3 dimensiones      </a:t>
+              <a:t>ridimensionales</a:t>
             </a:r>
             <a:endParaRPr lang="es-CO" sz="1400" b="1" dirty="0">
               <a:solidFill>
@@ -1170,7 +1188,15 @@
                   <a:schemeClr val="bg1"/>
                 </a:solidFill>
               </a:rPr>
-              <a:t>Cuerpos redondos </a:t>
+              <a:t>Cuerpos </a:t>
+            </a:r>
+            <a:r>
+              <a:rPr lang="es-ES_tradnl" sz="1050" dirty="0" smtClean="0">
+                <a:solidFill>
+                  <a:schemeClr val="bg1"/>
+                </a:solidFill>
+              </a:rPr>
+              <a:t>redondos </a:t>
             </a:r>
             <a:endParaRPr lang="es-CO" sz="1050" i="1" dirty="0">
               <a:solidFill>
@@ -1356,31 +1382,13 @@
           <a:p>
             <a:pPr algn="ctr"/>
             <a:r>
-              <a:rPr lang="es-CO" sz="900" dirty="0">
-                <a:solidFill>
-                  <a:schemeClr val="tx1"/>
-                </a:solidFill>
-                <a:cs typeface="Arial" pitchFamily="34" charset="0"/>
-              </a:rPr>
-              <a:t>q</a:t>
-            </a:r>
-            <a:r>
-              <a:rPr lang="es-CO" sz="900" dirty="0" smtClean="0">
-                <a:solidFill>
-                  <a:schemeClr val="tx1"/>
-                </a:solidFill>
-                <a:cs typeface="Arial" pitchFamily="34" charset="0"/>
-              </a:rPr>
-              <a:t>ue es </a:t>
-            </a:r>
-            <a:r>
-              <a:rPr lang="es-CO" sz="900" dirty="0" smtClean="0">
-                <a:solidFill>
-                  <a:schemeClr val="tx1"/>
-                </a:solidFill>
-                <a:cs typeface="Arial" pitchFamily="34" charset="0"/>
-              </a:rPr>
-              <a:t>   </a:t>
+              <a:rPr lang="es-CO" sz="900" dirty="0" smtClean="0">
+                <a:solidFill>
+                  <a:schemeClr val="tx1"/>
+                </a:solidFill>
+                <a:cs typeface="Arial" pitchFamily="34" charset="0"/>
+              </a:rPr>
+              <a:t>se define como</a:t>
             </a:r>
             <a:endParaRPr lang="es-CO" sz="900" dirty="0">
               <a:solidFill>
@@ -1507,22 +1515,22 @@
           <a:p>
             <a:pPr algn="ctr"/>
             <a:r>
-              <a:rPr lang="es-CO" sz="900" dirty="0">
-                <a:solidFill>
-                  <a:schemeClr val="tx1"/>
-                </a:solidFill>
-                <a:cs typeface="Arial" pitchFamily="34" charset="0"/>
-              </a:rPr>
-              <a:t>a</a:t>
-            </a:r>
-            <a:r>
-              <a:rPr lang="es-CO" sz="900" dirty="0" smtClean="0">
-                <a:solidFill>
-                  <a:schemeClr val="tx1"/>
-                </a:solidFill>
-                <a:cs typeface="Arial" pitchFamily="34" charset="0"/>
-              </a:rPr>
-              <a:t>lmenas una de sus caras es de forma curva  </a:t>
+              <a:rPr lang="es-CO" sz="900" dirty="0" smtClean="0">
+                <a:solidFill>
+                  <a:schemeClr val="tx1"/>
+                </a:solidFill>
+                <a:cs typeface="Arial" pitchFamily="34" charset="0"/>
+              </a:rPr>
+              <a:t>Al menos </a:t>
+            </a:r>
+            <a:r>
+              <a:rPr lang="es-CO" sz="900" dirty="0" smtClean="0">
+                <a:solidFill>
+                  <a:schemeClr val="tx1"/>
+                </a:solidFill>
+                <a:cs typeface="Arial" pitchFamily="34" charset="0"/>
+              </a:rPr>
+              <a:t>una de sus caras es de forma curva  </a:t>
             </a:r>
             <a:endParaRPr lang="es-CO" sz="900" b="1" dirty="0">
               <a:solidFill>
@@ -1679,7 +1687,16 @@
                 </a:solidFill>
                 <a:cs typeface="Arial" pitchFamily="34" charset="0"/>
               </a:rPr>
-              <a:t> ejemplos   </a:t>
+              <a:t> </a:t>
+            </a:r>
+            <a:r>
+              <a:rPr lang="es-CO" sz="900" dirty="0" smtClean="0">
+                <a:solidFill>
+                  <a:schemeClr val="tx1"/>
+                </a:solidFill>
+                <a:cs typeface="Arial" pitchFamily="34" charset="0"/>
+              </a:rPr>
+              <a:t>se destacan   </a:t>
             </a:r>
             <a:endParaRPr lang="es-CO" sz="900" dirty="0">
               <a:solidFill>
@@ -1833,13 +1850,31 @@
           <a:p>
             <a:pPr algn="ctr"/>
             <a:r>
-              <a:rPr lang="es-CO" sz="900" dirty="0" smtClean="0">
-                <a:solidFill>
-                  <a:schemeClr val="tx1"/>
-                </a:solidFill>
-                <a:cs typeface="Arial" pitchFamily="34" charset="0"/>
-              </a:rPr>
-              <a:t>Delimitado por  2 circunferencias congruentes y una superficie curva  cerrada  </a:t>
+              <a:rPr lang="es-CO" sz="900" dirty="0">
+                <a:solidFill>
+                  <a:schemeClr val="tx1"/>
+                </a:solidFill>
+                <a:cs typeface="Arial" pitchFamily="34" charset="0"/>
+              </a:rPr>
+              <a:t>d</a:t>
+            </a:r>
+            <a:r>
+              <a:rPr lang="es-CO" sz="900" dirty="0" smtClean="0">
+                <a:solidFill>
+                  <a:schemeClr val="tx1"/>
+                </a:solidFill>
+                <a:cs typeface="Arial" pitchFamily="34" charset="0"/>
+              </a:rPr>
+              <a:t>elimitado </a:t>
+            </a:r>
+            <a:r>
+              <a:rPr lang="es-CO" sz="900" dirty="0" smtClean="0">
+                <a:solidFill>
+                  <a:schemeClr val="tx1"/>
+                </a:solidFill>
+                <a:cs typeface="Arial" pitchFamily="34" charset="0"/>
+              </a:rPr>
+              <a:t>por  2 circunferencias congruentes y una superficie curva  cerrada  </a:t>
             </a:r>
           </a:p>
         </p:txBody>
@@ -1882,146 +1917,6 @@
           </a:fontRef>
         </p:style>
       </p:cxnSp>
-      <p:cxnSp>
-        <p:nvCxnSpPr>
-          <p:cNvPr id="248" name="247 Conector recto"/>
-          <p:cNvCxnSpPr>
-            <a:stCxn id="252" idx="2"/>
-            <a:endCxn id="384" idx="0"/>
-          </p:cNvCxnSpPr>
-          <p:nvPr/>
-        </p:nvCxnSpPr>
-        <p:spPr>
-          <a:xfrm flipH="1">
-            <a:off x="607068" y="8323577"/>
-            <a:ext cx="3" cy="136218"/>
-          </a:xfrm>
-          <a:prstGeom prst="line">
-            <a:avLst/>
-          </a:prstGeom>
-          <a:ln w="12700">
-            <a:solidFill>
-              <a:schemeClr val="tx1"/>
-            </a:solidFill>
-          </a:ln>
-        </p:spPr>
-        <p:style>
-          <a:lnRef idx="1">
-            <a:schemeClr val="accent1"/>
-          </a:lnRef>
-          <a:fillRef idx="0">
-            <a:schemeClr val="accent1"/>
-          </a:fillRef>
-          <a:effectRef idx="0">
-            <a:schemeClr val="accent1"/>
-          </a:effectRef>
-          <a:fontRef idx="minor">
-            <a:schemeClr val="tx1"/>
-          </a:fontRef>
-        </p:style>
-      </p:cxnSp>
-      <p:sp>
-        <p:nvSpPr>
-          <p:cNvPr id="252" name="Rectángulo 35"/>
-          <p:cNvSpPr/>
-          <p:nvPr/>
-        </p:nvSpPr>
-        <p:spPr>
-          <a:xfrm>
-            <a:off x="166392" y="8092894"/>
-            <a:ext cx="881358" cy="230683"/>
-          </a:xfrm>
-          <a:prstGeom prst="rect">
-            <a:avLst/>
-          </a:prstGeom>
-          <a:ln>
-            <a:noFill/>
-          </a:ln>
-        </p:spPr>
-        <p:style>
-          <a:lnRef idx="2">
-            <a:schemeClr val="dk1"/>
-          </a:lnRef>
-          <a:fillRef idx="1">
-            <a:schemeClr val="lt1"/>
-          </a:fillRef>
-          <a:effectRef idx="0">
-            <a:schemeClr val="dk1"/>
-          </a:effectRef>
-          <a:fontRef idx="minor">
-            <a:schemeClr val="dk1"/>
-          </a:fontRef>
-        </p:style>
-        <p:txBody>
-          <a:bodyPr lIns="105683" tIns="52841" rIns="105683" bIns="52841" rtlCol="0" anchor="ctr"/>
-          <a:lstStyle/>
-          <a:p>
-            <a:pPr algn="ctr"/>
-            <a:r>
-              <a:rPr lang="es-CO" sz="900" dirty="0">
-                <a:solidFill>
-                  <a:schemeClr val="tx1"/>
-                </a:solidFill>
-                <a:cs typeface="Arial" pitchFamily="34" charset="0"/>
-              </a:rPr>
-              <a:t>e</a:t>
-            </a:r>
-            <a:r>
-              <a:rPr lang="es-CO" sz="900" dirty="0" smtClean="0">
-                <a:solidFill>
-                  <a:schemeClr val="tx1"/>
-                </a:solidFill>
-                <a:cs typeface="Arial" pitchFamily="34" charset="0"/>
-              </a:rPr>
-              <a:t>jemplo      </a:t>
-            </a:r>
-            <a:endParaRPr lang="es-CO" sz="900" dirty="0">
-              <a:solidFill>
-                <a:schemeClr val="tx1"/>
-              </a:solidFill>
-              <a:cs typeface="Arial" pitchFamily="34" charset="0"/>
-            </a:endParaRPr>
-          </a:p>
-        </p:txBody>
-      </p:sp>
-      <p:cxnSp>
-        <p:nvCxnSpPr>
-          <p:cNvPr id="115" name="114 Conector recto"/>
-          <p:cNvCxnSpPr>
-            <a:stCxn id="243" idx="2"/>
-            <a:endCxn id="252" idx="0"/>
-          </p:cNvCxnSpPr>
-          <p:nvPr/>
-        </p:nvCxnSpPr>
-        <p:spPr>
-          <a:xfrm flipH="1">
-            <a:off x="607071" y="7966067"/>
-            <a:ext cx="4590" cy="126827"/>
-          </a:xfrm>
-          <a:prstGeom prst="line">
-            <a:avLst/>
-          </a:prstGeom>
-          <a:ln w="12700">
-            <a:solidFill>
-              <a:schemeClr val="tx1"/>
-            </a:solidFill>
-          </a:ln>
-        </p:spPr>
-        <p:style>
-          <a:lnRef idx="1">
-            <a:schemeClr val="accent1"/>
-          </a:lnRef>
-          <a:fillRef idx="0">
-            <a:schemeClr val="accent1"/>
-          </a:fillRef>
-          <a:effectRef idx="0">
-            <a:schemeClr val="accent1"/>
-          </a:effectRef>
-          <a:fontRef idx="minor">
-            <a:schemeClr val="tx1"/>
-          </a:fontRef>
-        </p:style>
-      </p:cxnSp>
       <p:sp>
         <p:nvSpPr>
           <p:cNvPr id="135" name="Rectángulo 33"/>
@@ -2126,13 +2021,31 @@
           <a:p>
             <a:pPr algn="ctr"/>
             <a:r>
-              <a:rPr lang="es-CO" sz="900" dirty="0" smtClean="0">
-                <a:solidFill>
-                  <a:schemeClr val="tx1"/>
-                </a:solidFill>
-                <a:cs typeface="Arial" pitchFamily="34" charset="0"/>
-              </a:rPr>
-              <a:t>Por medio de las  </a:t>
+              <a:rPr lang="es-CO" sz="900" dirty="0">
+                <a:solidFill>
+                  <a:schemeClr val="tx1"/>
+                </a:solidFill>
+                <a:cs typeface="Arial" pitchFamily="34" charset="0"/>
+              </a:rPr>
+              <a:t>p</a:t>
+            </a:r>
+            <a:r>
+              <a:rPr lang="es-CO" sz="900" dirty="0" smtClean="0">
+                <a:solidFill>
+                  <a:schemeClr val="tx1"/>
+                </a:solidFill>
+                <a:cs typeface="Arial" pitchFamily="34" charset="0"/>
+              </a:rPr>
+              <a:t>or </a:t>
+            </a:r>
+            <a:r>
+              <a:rPr lang="es-CO" sz="900" dirty="0" smtClean="0">
+                <a:solidFill>
+                  <a:schemeClr val="tx1"/>
+                </a:solidFill>
+                <a:cs typeface="Arial" pitchFamily="34" charset="0"/>
+              </a:rPr>
+              <a:t>medio de las  </a:t>
             </a:r>
             <a:endParaRPr lang="es-CO" sz="900" dirty="0">
               <a:solidFill>
@@ -2291,16 +2204,7 @@
                 </a:solidFill>
                 <a:cs typeface="Arial" pitchFamily="34" charset="0"/>
               </a:rPr>
-              <a:t>ntendidas como </a:t>
-            </a:r>
-            <a:r>
-              <a:rPr lang="es-CO" sz="900" dirty="0" smtClean="0">
-                <a:solidFill>
-                  <a:schemeClr val="tx1"/>
-                </a:solidFill>
-                <a:cs typeface="Arial" pitchFamily="34" charset="0"/>
-              </a:rPr>
-              <a:t>    </a:t>
+              <a:t>ntendidas como     </a:t>
             </a:r>
             <a:endParaRPr lang="es-CO" sz="900" dirty="0">
               <a:solidFill>
@@ -2353,7 +2257,15 @@
             </a:r>
             <a:r>
               <a:rPr lang="es-ES_tradnl" sz="900" dirty="0"/>
-              <a:t>técnicas que permite representar la superficie </a:t>
+              <a:t>técnicas que </a:t>
+            </a:r>
+            <a:r>
+              <a:rPr lang="es-ES_tradnl" sz="900" dirty="0" smtClean="0"/>
+              <a:t>permiten </a:t>
+            </a:r>
+            <a:r>
+              <a:rPr lang="es-ES_tradnl" sz="900" dirty="0"/>
+              <a:t>representar la superficie </a:t>
             </a:r>
             <a:r>
               <a:rPr lang="es-ES_tradnl" sz="900" dirty="0" smtClean="0"/>
@@ -2365,11 +2277,7 @@
             </a:r>
             <a:r>
               <a:rPr lang="es-ES_tradnl" sz="900" dirty="0" smtClean="0"/>
-              <a:t>tierra o parte de ella en  mapas </a:t>
-            </a:r>
-            <a:r>
-              <a:rPr lang="es-ES_tradnl" sz="900" dirty="0" smtClean="0"/>
-              <a:t>.</a:t>
+              <a:t>tierra o parte de ella en  mapas .</a:t>
             </a:r>
             <a:endParaRPr lang="es-CO" sz="900" dirty="0">
               <a:solidFill>
@@ -2683,25 +2591,7 @@
                 </a:solidFill>
                 <a:cs typeface="Arial" pitchFamily="34" charset="0"/>
               </a:rPr>
-              <a:t>Se clasifican </a:t>
-            </a:r>
-            <a:endParaRPr lang="es-CO" sz="900" dirty="0" smtClean="0">
-              <a:solidFill>
-                <a:schemeClr val="tx1"/>
-              </a:solidFill>
-              <a:cs typeface="Arial" pitchFamily="34" charset="0"/>
-            </a:endParaRPr>
-          </a:p>
-          <a:p>
-            <a:pPr algn="ctr"/>
-            <a:r>
-              <a:rPr lang="es-CO" sz="900" dirty="0" smtClean="0">
-                <a:solidFill>
-                  <a:schemeClr val="tx1"/>
-                </a:solidFill>
-                <a:cs typeface="Arial" pitchFamily="34" charset="0"/>
-              </a:rPr>
-              <a:t>en  </a:t>
+              <a:t>Estas técnicas son</a:t>
             </a:r>
             <a:endParaRPr lang="es-CO" sz="900" dirty="0" smtClean="0">
               <a:solidFill>
@@ -3016,7 +2906,16 @@
                 </a:solidFill>
                 <a:cs typeface="Arial" pitchFamily="34" charset="0"/>
               </a:rPr>
-              <a:t>e dividen en     </a:t>
+              <a:t>e </a:t>
+            </a:r>
+            <a:r>
+              <a:rPr lang="es-CO" sz="900" dirty="0" smtClean="0">
+                <a:solidFill>
+                  <a:schemeClr val="tx1"/>
+                </a:solidFill>
+                <a:cs typeface="Arial" pitchFamily="34" charset="0"/>
+              </a:rPr>
+              <a:t>clasifican en     </a:t>
             </a:r>
             <a:endParaRPr lang="es-CO" sz="900" dirty="0">
               <a:solidFill>
@@ -3161,12 +3060,28 @@
           <a:p>
             <a:pPr algn="ctr"/>
             <a:r>
+              <a:rPr lang="es-ES_tradnl" sz="1050" dirty="0">
+                <a:solidFill>
+                  <a:schemeClr val="bg1"/>
+                </a:solidFill>
+              </a:rPr>
+              <a:t>o</a:t>
+            </a:r>
+            <a:r>
               <a:rPr lang="es-ES_tradnl" sz="1050" dirty="0" smtClean="0">
                 <a:solidFill>
                   <a:schemeClr val="bg1"/>
                 </a:solidFill>
               </a:rPr>
-              <a:t>Otros cuerpos geométricos  </a:t>
+              <a:t>tros </a:t>
+            </a:r>
+            <a:r>
+              <a:rPr lang="es-ES_tradnl" sz="1050" dirty="0" smtClean="0">
+                <a:solidFill>
+                  <a:schemeClr val="bg1"/>
+                </a:solidFill>
+              </a:rPr>
+              <a:t>cuerpos geométricos  </a:t>
             </a:r>
             <a:endParaRPr lang="es-CO" sz="1050" i="1" dirty="0">
               <a:solidFill>
@@ -3295,13 +3210,49 @@
           <a:p>
             <a:pPr algn="ctr"/>
             <a:r>
-              <a:rPr lang="es-CO" sz="900" dirty="0" smtClean="0">
-                <a:solidFill>
-                  <a:schemeClr val="tx1"/>
-                </a:solidFill>
-                <a:cs typeface="Arial" pitchFamily="34" charset="0"/>
-              </a:rPr>
-              <a:t>Son aquellos donde      </a:t>
+              <a:rPr lang="es-CO" sz="900" dirty="0">
+                <a:solidFill>
+                  <a:schemeClr val="tx1"/>
+                </a:solidFill>
+                <a:cs typeface="Arial" pitchFamily="34" charset="0"/>
+              </a:rPr>
+              <a:t>s</a:t>
+            </a:r>
+            <a:r>
+              <a:rPr lang="es-CO" sz="900" dirty="0" smtClean="0">
+                <a:solidFill>
+                  <a:schemeClr val="tx1"/>
+                </a:solidFill>
+                <a:cs typeface="Arial" pitchFamily="34" charset="0"/>
+              </a:rPr>
+              <a:t>on </a:t>
+            </a:r>
+            <a:r>
+              <a:rPr lang="es-CO" sz="900" dirty="0" smtClean="0">
+                <a:solidFill>
+                  <a:schemeClr val="tx1"/>
+                </a:solidFill>
+                <a:cs typeface="Arial" pitchFamily="34" charset="0"/>
+              </a:rPr>
+              <a:t>aquellos </a:t>
+            </a:r>
+            <a:r>
+              <a:rPr lang="es-CO" sz="900" dirty="0" smtClean="0">
+                <a:solidFill>
+                  <a:schemeClr val="tx1"/>
+                </a:solidFill>
+                <a:cs typeface="Arial" pitchFamily="34" charset="0"/>
+              </a:rPr>
+              <a:t>que</a:t>
+            </a:r>
+            <a:r>
+              <a:rPr lang="es-CO" sz="900" dirty="0" smtClean="0">
+                <a:solidFill>
+                  <a:schemeClr val="tx1"/>
+                </a:solidFill>
+                <a:cs typeface="Arial" pitchFamily="34" charset="0"/>
+              </a:rPr>
+              <a:t>     </a:t>
             </a:r>
             <a:endParaRPr lang="es-CO" sz="900" dirty="0">
               <a:solidFill>
@@ -3557,13 +3508,49 @@
           <a:p>
             <a:pPr algn="ctr"/>
             <a:r>
-              <a:rPr lang="es-CO" sz="900" dirty="0" smtClean="0">
-                <a:solidFill>
-                  <a:schemeClr val="tx1"/>
-                </a:solidFill>
-                <a:cs typeface="Arial" pitchFamily="34" charset="0"/>
-              </a:rPr>
-              <a:t>Son aquellos donde      </a:t>
+              <a:rPr lang="es-CO" sz="900" dirty="0">
+                <a:solidFill>
+                  <a:schemeClr val="tx1"/>
+                </a:solidFill>
+                <a:cs typeface="Arial" pitchFamily="34" charset="0"/>
+              </a:rPr>
+              <a:t>s</a:t>
+            </a:r>
+            <a:r>
+              <a:rPr lang="es-CO" sz="900" dirty="0" smtClean="0">
+                <a:solidFill>
+                  <a:schemeClr val="tx1"/>
+                </a:solidFill>
+                <a:cs typeface="Arial" pitchFamily="34" charset="0"/>
+              </a:rPr>
+              <a:t>on </a:t>
+            </a:r>
+            <a:r>
+              <a:rPr lang="es-CO" sz="900" dirty="0" smtClean="0">
+                <a:solidFill>
+                  <a:schemeClr val="tx1"/>
+                </a:solidFill>
+                <a:cs typeface="Arial" pitchFamily="34" charset="0"/>
+              </a:rPr>
+              <a:t>aquellos </a:t>
+            </a:r>
+            <a:r>
+              <a:rPr lang="es-CO" sz="900" dirty="0" smtClean="0">
+                <a:solidFill>
+                  <a:schemeClr val="tx1"/>
+                </a:solidFill>
+                <a:cs typeface="Arial" pitchFamily="34" charset="0"/>
+              </a:rPr>
+              <a:t>que</a:t>
+            </a:r>
+            <a:r>
+              <a:rPr lang="es-CO" sz="900" dirty="0" smtClean="0">
+                <a:solidFill>
+                  <a:schemeClr val="tx1"/>
+                </a:solidFill>
+                <a:cs typeface="Arial" pitchFamily="34" charset="0"/>
+              </a:rPr>
+              <a:t>      </a:t>
             </a:r>
             <a:endParaRPr lang="es-CO" sz="900" dirty="0">
               <a:solidFill>
@@ -3850,7 +3837,7 @@
                   <a:schemeClr val="tx1"/>
                 </a:solidFill>
               </a:rPr>
-              <a:t>e</a:t>
+              <a:t>E</a:t>
             </a:r>
             <a:r>
               <a:rPr lang="es-ES" sz="900" dirty="0" smtClean="0">
@@ -3860,6 +3847,11 @@
               </a:rPr>
               <a:t>sfera   </a:t>
             </a:r>
+            <a:endParaRPr lang="es-ES" sz="900" dirty="0" smtClean="0">
+              <a:solidFill>
+                <a:schemeClr val="tx1"/>
+              </a:solidFill>
+            </a:endParaRPr>
           </a:p>
           <a:p>
             <a:pPr algn="ctr"/>
@@ -4005,8 +3997,13 @@
                   <a:schemeClr val="tx1"/>
                 </a:solidFill>
               </a:rPr>
-              <a:t>Prismas   </a:t>
-            </a:r>
+              <a:t>Prisma   </a:t>
+            </a:r>
+            <a:endParaRPr lang="es-ES" sz="900" dirty="0" smtClean="0">
+              <a:solidFill>
+                <a:schemeClr val="tx1"/>
+              </a:solidFill>
+            </a:endParaRPr>
           </a:p>
           <a:p>
             <a:pPr algn="ctr"/>
@@ -4170,7 +4167,16 @@
                 </a:solidFill>
                 <a:cs typeface="Arial" pitchFamily="34" charset="0"/>
               </a:rPr>
-              <a:t> ejemplos   </a:t>
+              <a:t> </a:t>
+            </a:r>
+            <a:r>
+              <a:rPr lang="es-CO" sz="900" dirty="0" smtClean="0">
+                <a:solidFill>
+                  <a:schemeClr val="tx1"/>
+                </a:solidFill>
+                <a:cs typeface="Arial" pitchFamily="34" charset="0"/>
+              </a:rPr>
+              <a:t>se destacan</a:t>
             </a:r>
             <a:endParaRPr lang="es-CO" sz="900" dirty="0">
               <a:solidFill>
@@ -4303,7 +4309,16 @@
                 </a:solidFill>
                 <a:cs typeface="Arial" pitchFamily="34" charset="0"/>
               </a:rPr>
-              <a:t> ejemplos   </a:t>
+              <a:t> </a:t>
+            </a:r>
+            <a:r>
+              <a:rPr lang="es-CO" sz="900" dirty="0" smtClean="0">
+                <a:solidFill>
+                  <a:schemeClr val="tx1"/>
+                </a:solidFill>
+                <a:cs typeface="Arial" pitchFamily="34" charset="0"/>
+              </a:rPr>
+              <a:t>se destacan</a:t>
             </a:r>
             <a:endParaRPr lang="es-CO" sz="900" dirty="0">
               <a:solidFill>
@@ -4400,12 +4415,28 @@
           <a:p>
             <a:pPr algn="ctr"/>
             <a:r>
+              <a:rPr lang="es-ES" sz="900" dirty="0">
+                <a:solidFill>
+                  <a:schemeClr val="tx1"/>
+                </a:solidFill>
+              </a:rPr>
+              <a:t>t</a:t>
+            </a:r>
+            <a:r>
               <a:rPr lang="es-ES" sz="900" dirty="0" smtClean="0">
                 <a:solidFill>
                   <a:schemeClr val="tx1"/>
                 </a:solidFill>
               </a:rPr>
-              <a:t>Tronco de cono  </a:t>
+              <a:t>ronco </a:t>
+            </a:r>
+            <a:r>
+              <a:rPr lang="es-ES" sz="900" dirty="0" smtClean="0">
+                <a:solidFill>
+                  <a:schemeClr val="tx1"/>
+                </a:solidFill>
+              </a:rPr>
+              <a:t>de cono  </a:t>
             </a:r>
           </a:p>
           <a:p>
@@ -4764,13 +4795,49 @@
           <a:p>
             <a:pPr algn="ctr"/>
             <a:r>
-              <a:rPr lang="es-CO" sz="900" dirty="0" smtClean="0">
-                <a:solidFill>
-                  <a:schemeClr val="tx1"/>
-                </a:solidFill>
-                <a:cs typeface="Arial" pitchFamily="34" charset="0"/>
-              </a:rPr>
-              <a:t>Delimitado por  1 circunferencia , un punto  y una superficie curva  cerrada   </a:t>
+              <a:rPr lang="es-CO" sz="900" dirty="0">
+                <a:solidFill>
+                  <a:schemeClr val="tx1"/>
+                </a:solidFill>
+                <a:cs typeface="Arial" pitchFamily="34" charset="0"/>
+              </a:rPr>
+              <a:t>d</a:t>
+            </a:r>
+            <a:r>
+              <a:rPr lang="es-CO" sz="900" dirty="0" smtClean="0">
+                <a:solidFill>
+                  <a:schemeClr val="tx1"/>
+                </a:solidFill>
+                <a:cs typeface="Arial" pitchFamily="34" charset="0"/>
+              </a:rPr>
+              <a:t>elimitado </a:t>
+            </a:r>
+            <a:r>
+              <a:rPr lang="es-CO" sz="900" dirty="0" smtClean="0">
+                <a:solidFill>
+                  <a:schemeClr val="tx1"/>
+                </a:solidFill>
+                <a:cs typeface="Arial" pitchFamily="34" charset="0"/>
+              </a:rPr>
+              <a:t>por </a:t>
+            </a:r>
+            <a:r>
+              <a:rPr lang="es-CO" sz="900" dirty="0" smtClean="0">
+                <a:solidFill>
+                  <a:schemeClr val="tx1"/>
+                </a:solidFill>
+                <a:cs typeface="Arial" pitchFamily="34" charset="0"/>
+              </a:rPr>
+              <a:t>una circunferencia, </a:t>
+            </a:r>
+            <a:r>
+              <a:rPr lang="es-CO" sz="900" dirty="0" smtClean="0">
+                <a:solidFill>
+                  <a:schemeClr val="tx1"/>
+                </a:solidFill>
+                <a:cs typeface="Arial" pitchFamily="34" charset="0"/>
+              </a:rPr>
+              <a:t>un punto  y una superficie curva  cerrada   </a:t>
             </a:r>
           </a:p>
         </p:txBody>
@@ -4988,13 +5055,49 @@
           <a:p>
             <a:pPr algn="ctr"/>
             <a:r>
-              <a:rPr lang="es-CO" sz="900" dirty="0" smtClean="0">
-                <a:solidFill>
-                  <a:schemeClr val="tx1"/>
-                </a:solidFill>
-                <a:cs typeface="Arial" pitchFamily="34" charset="0"/>
-              </a:rPr>
-              <a:t>Delimitado  por  una superficie curva que equidista  de un punto central  </a:t>
+              <a:rPr lang="es-CO" sz="900" dirty="0">
+                <a:solidFill>
+                  <a:schemeClr val="tx1"/>
+                </a:solidFill>
+                <a:cs typeface="Arial" pitchFamily="34" charset="0"/>
+              </a:rPr>
+              <a:t>d</a:t>
+            </a:r>
+            <a:r>
+              <a:rPr lang="es-CO" sz="900" dirty="0" smtClean="0">
+                <a:solidFill>
+                  <a:schemeClr val="tx1"/>
+                </a:solidFill>
+                <a:cs typeface="Arial" pitchFamily="34" charset="0"/>
+              </a:rPr>
+              <a:t>elimitado  </a:t>
+            </a:r>
+            <a:r>
+              <a:rPr lang="es-CO" sz="900" dirty="0" smtClean="0">
+                <a:solidFill>
+                  <a:schemeClr val="tx1"/>
+                </a:solidFill>
+                <a:cs typeface="Arial" pitchFamily="34" charset="0"/>
+              </a:rPr>
+              <a:t>por  una superficie curva que equidista </a:t>
+            </a:r>
+            <a:r>
+              <a:rPr lang="es-CO" sz="900" dirty="0" smtClean="0">
+                <a:solidFill>
+                  <a:schemeClr val="tx1"/>
+                </a:solidFill>
+                <a:cs typeface="Arial" pitchFamily="34" charset="0"/>
+              </a:rPr>
+              <a:t>de </a:t>
+            </a:r>
+            <a:r>
+              <a:rPr lang="es-CO" sz="900" dirty="0" smtClean="0">
+                <a:solidFill>
+                  <a:schemeClr val="tx1"/>
+                </a:solidFill>
+                <a:cs typeface="Arial" pitchFamily="34" charset="0"/>
+              </a:rPr>
+              <a:t>un punto central  </a:t>
             </a:r>
           </a:p>
         </p:txBody>
@@ -5037,339 +5140,6 @@
           </a:fontRef>
         </p:style>
       </p:cxnSp>
-      <p:sp>
-        <p:nvSpPr>
-          <p:cNvPr id="377" name="Rectángulo 35"/>
-          <p:cNvSpPr/>
-          <p:nvPr/>
-        </p:nvSpPr>
-        <p:spPr>
-          <a:xfrm>
-            <a:off x="1347492" y="8103885"/>
-            <a:ext cx="881358" cy="229218"/>
-          </a:xfrm>
-          <a:prstGeom prst="rect">
-            <a:avLst/>
-          </a:prstGeom>
-          <a:ln>
-            <a:noFill/>
-          </a:ln>
-        </p:spPr>
-        <p:style>
-          <a:lnRef idx="2">
-            <a:schemeClr val="dk1"/>
-          </a:lnRef>
-          <a:fillRef idx="1">
-            <a:schemeClr val="lt1"/>
-          </a:fillRef>
-          <a:effectRef idx="0">
-            <a:schemeClr val="dk1"/>
-          </a:effectRef>
-          <a:fontRef idx="minor">
-            <a:schemeClr val="dk1"/>
-          </a:fontRef>
-        </p:style>
-        <p:txBody>
-          <a:bodyPr lIns="105683" tIns="52841" rIns="105683" bIns="52841" rtlCol="0" anchor="ctr"/>
-          <a:lstStyle/>
-          <a:p>
-            <a:pPr algn="ctr"/>
-            <a:r>
-              <a:rPr lang="es-CO" sz="900" dirty="0" smtClean="0">
-                <a:solidFill>
-                  <a:schemeClr val="tx1"/>
-                </a:solidFill>
-                <a:cs typeface="Arial" pitchFamily="34" charset="0"/>
-              </a:rPr>
-              <a:t>ejemplo     </a:t>
-            </a:r>
-            <a:endParaRPr lang="es-CO" sz="900" dirty="0">
-              <a:solidFill>
-                <a:schemeClr val="tx1"/>
-              </a:solidFill>
-              <a:cs typeface="Arial" pitchFamily="34" charset="0"/>
-            </a:endParaRPr>
-          </a:p>
-        </p:txBody>
-      </p:sp>
-      <p:cxnSp>
-        <p:nvCxnSpPr>
-          <p:cNvPr id="379" name="378 Conector recto"/>
-          <p:cNvCxnSpPr>
-            <a:stCxn id="353" idx="2"/>
-            <a:endCxn id="377" idx="0"/>
-          </p:cNvCxnSpPr>
-          <p:nvPr/>
-        </p:nvCxnSpPr>
-        <p:spPr>
-          <a:xfrm flipH="1">
-            <a:off x="1788171" y="7956542"/>
-            <a:ext cx="4590" cy="147343"/>
-          </a:xfrm>
-          <a:prstGeom prst="line">
-            <a:avLst/>
-          </a:prstGeom>
-          <a:ln w="12700">
-            <a:solidFill>
-              <a:schemeClr val="tx1"/>
-            </a:solidFill>
-          </a:ln>
-        </p:spPr>
-        <p:style>
-          <a:lnRef idx="1">
-            <a:schemeClr val="accent1"/>
-          </a:lnRef>
-          <a:fillRef idx="0">
-            <a:schemeClr val="accent1"/>
-          </a:fillRef>
-          <a:effectRef idx="0">
-            <a:schemeClr val="accent1"/>
-          </a:effectRef>
-          <a:fontRef idx="minor">
-            <a:schemeClr val="tx1"/>
-          </a:fontRef>
-        </p:style>
-      </p:cxnSp>
-      <p:sp>
-        <p:nvSpPr>
-          <p:cNvPr id="384" name="Rectángulo 33"/>
-          <p:cNvSpPr/>
-          <p:nvPr/>
-        </p:nvSpPr>
-        <p:spPr>
-          <a:xfrm>
-            <a:off x="47625" y="8459795"/>
-            <a:ext cx="1118885" cy="1174823"/>
-          </a:xfrm>
-          <a:prstGeom prst="rect">
-            <a:avLst/>
-          </a:prstGeom>
-          <a:solidFill>
-            <a:schemeClr val="bg1"/>
-          </a:solidFill>
-        </p:spPr>
-        <p:style>
-          <a:lnRef idx="2">
-            <a:schemeClr val="dk1"/>
-          </a:lnRef>
-          <a:fillRef idx="1">
-            <a:schemeClr val="lt1"/>
-          </a:fillRef>
-          <a:effectRef idx="0">
-            <a:schemeClr val="dk1"/>
-          </a:effectRef>
-          <a:fontRef idx="minor">
-            <a:schemeClr val="dk1"/>
-          </a:fontRef>
-        </p:style>
-        <p:txBody>
-          <a:bodyPr lIns="105683" tIns="52841" rIns="105683" bIns="52841" rtlCol="0" anchor="ctr"/>
-          <a:lstStyle/>
-          <a:p>
-            <a:pPr algn="ctr"/>
-            <a:endParaRPr lang="es-CO" sz="900" baseline="-25000" dirty="0" smtClean="0">
-              <a:solidFill>
-                <a:schemeClr val="tx1"/>
-              </a:solidFill>
-              <a:cs typeface="Arial" pitchFamily="34" charset="0"/>
-            </a:endParaRPr>
-          </a:p>
-          <a:p>
-            <a:pPr algn="ctr"/>
-            <a:endParaRPr lang="es-CO" sz="900" baseline="-25000" dirty="0">
-              <a:solidFill>
-                <a:schemeClr val="tx1"/>
-              </a:solidFill>
-              <a:cs typeface="Arial" pitchFamily="34" charset="0"/>
-            </a:endParaRPr>
-          </a:p>
-          <a:p>
-            <a:pPr algn="ctr"/>
-            <a:endParaRPr lang="es-CO" sz="900" baseline="-25000" dirty="0" smtClean="0">
-              <a:solidFill>
-                <a:schemeClr val="tx1"/>
-              </a:solidFill>
-              <a:cs typeface="Arial" pitchFamily="34" charset="0"/>
-            </a:endParaRPr>
-          </a:p>
-          <a:p>
-            <a:pPr algn="ctr"/>
-            <a:endParaRPr lang="es-CO" sz="900" baseline="-25000" dirty="0">
-              <a:solidFill>
-                <a:schemeClr val="tx1"/>
-              </a:solidFill>
-              <a:cs typeface="Arial" pitchFamily="34" charset="0"/>
-            </a:endParaRPr>
-          </a:p>
-          <a:p>
-            <a:pPr algn="ctr"/>
-            <a:endParaRPr lang="es-CO" sz="900" baseline="-25000" dirty="0" smtClean="0">
-              <a:solidFill>
-                <a:schemeClr val="tx1"/>
-              </a:solidFill>
-              <a:cs typeface="Arial" pitchFamily="34" charset="0"/>
-            </a:endParaRPr>
-          </a:p>
-          <a:p>
-            <a:pPr algn="ctr"/>
-            <a:endParaRPr lang="es-CO" sz="900" baseline="-25000" dirty="0">
-              <a:solidFill>
-                <a:schemeClr val="tx1"/>
-              </a:solidFill>
-              <a:cs typeface="Arial" pitchFamily="34" charset="0"/>
-            </a:endParaRPr>
-          </a:p>
-          <a:p>
-            <a:pPr algn="ctr"/>
-            <a:r>
-              <a:rPr lang="es-CO" sz="4000" baseline="-25000" dirty="0" smtClean="0">
-                <a:solidFill>
-                  <a:srgbClr val="FF0000"/>
-                </a:solidFill>
-                <a:cs typeface="Arial" pitchFamily="34" charset="0"/>
-              </a:rPr>
-              <a:t>1</a:t>
-            </a:r>
-            <a:endParaRPr lang="es-CO" sz="4000" baseline="-25000" dirty="0">
-              <a:solidFill>
-                <a:srgbClr val="FF0000"/>
-              </a:solidFill>
-              <a:cs typeface="Arial" pitchFamily="34" charset="0"/>
-            </a:endParaRPr>
-          </a:p>
-        </p:txBody>
-      </p:sp>
-      <p:cxnSp>
-        <p:nvCxnSpPr>
-          <p:cNvPr id="386" name="385 Conector recto"/>
-          <p:cNvCxnSpPr>
-            <a:stCxn id="387" idx="2"/>
-            <a:endCxn id="399" idx="0"/>
-          </p:cNvCxnSpPr>
-          <p:nvPr/>
-        </p:nvCxnSpPr>
-        <p:spPr>
-          <a:xfrm flipH="1">
-            <a:off x="2997843" y="8352153"/>
-            <a:ext cx="3" cy="117167"/>
-          </a:xfrm>
-          <a:prstGeom prst="line">
-            <a:avLst/>
-          </a:prstGeom>
-          <a:ln w="12700">
-            <a:solidFill>
-              <a:schemeClr val="tx1"/>
-            </a:solidFill>
-          </a:ln>
-        </p:spPr>
-        <p:style>
-          <a:lnRef idx="1">
-            <a:schemeClr val="accent1"/>
-          </a:lnRef>
-          <a:fillRef idx="0">
-            <a:schemeClr val="accent1"/>
-          </a:fillRef>
-          <a:effectRef idx="0">
-            <a:schemeClr val="accent1"/>
-          </a:effectRef>
-          <a:fontRef idx="minor">
-            <a:schemeClr val="tx1"/>
-          </a:fontRef>
-        </p:style>
-      </p:cxnSp>
-      <p:sp>
-        <p:nvSpPr>
-          <p:cNvPr id="387" name="Rectángulo 35"/>
-          <p:cNvSpPr/>
-          <p:nvPr/>
-        </p:nvSpPr>
-        <p:spPr>
-          <a:xfrm>
-            <a:off x="2557167" y="8122935"/>
-            <a:ext cx="881358" cy="229218"/>
-          </a:xfrm>
-          <a:prstGeom prst="rect">
-            <a:avLst/>
-          </a:prstGeom>
-          <a:ln>
-            <a:noFill/>
-          </a:ln>
-        </p:spPr>
-        <p:style>
-          <a:lnRef idx="2">
-            <a:schemeClr val="dk1"/>
-          </a:lnRef>
-          <a:fillRef idx="1">
-            <a:schemeClr val="lt1"/>
-          </a:fillRef>
-          <a:effectRef idx="0">
-            <a:schemeClr val="dk1"/>
-          </a:effectRef>
-          <a:fontRef idx="minor">
-            <a:schemeClr val="dk1"/>
-          </a:fontRef>
-        </p:style>
-        <p:txBody>
-          <a:bodyPr lIns="105683" tIns="52841" rIns="105683" bIns="52841" rtlCol="0" anchor="ctr"/>
-          <a:lstStyle/>
-          <a:p>
-            <a:pPr algn="ctr"/>
-            <a:r>
-              <a:rPr lang="es-CO" sz="900" dirty="0" smtClean="0">
-                <a:solidFill>
-                  <a:schemeClr val="tx1"/>
-                </a:solidFill>
-                <a:cs typeface="Arial" pitchFamily="34" charset="0"/>
-              </a:rPr>
-              <a:t>ejemplo    </a:t>
-            </a:r>
-            <a:endParaRPr lang="es-CO" sz="900" dirty="0">
-              <a:solidFill>
-                <a:schemeClr val="tx1"/>
-              </a:solidFill>
-              <a:cs typeface="Arial" pitchFamily="34" charset="0"/>
-            </a:endParaRPr>
-          </a:p>
-        </p:txBody>
-      </p:sp>
-      <p:cxnSp>
-        <p:nvCxnSpPr>
-          <p:cNvPr id="388" name="387 Conector recto"/>
-          <p:cNvCxnSpPr>
-            <a:stCxn id="358" idx="2"/>
-            <a:endCxn id="387" idx="0"/>
-          </p:cNvCxnSpPr>
-          <p:nvPr/>
-        </p:nvCxnSpPr>
-        <p:spPr>
-          <a:xfrm>
-            <a:off x="2991410" y="7942632"/>
-            <a:ext cx="6436" cy="180303"/>
-          </a:xfrm>
-          <a:prstGeom prst="line">
-            <a:avLst/>
-          </a:prstGeom>
-          <a:ln w="12700">
-            <a:solidFill>
-              <a:schemeClr val="tx1"/>
-            </a:solidFill>
-          </a:ln>
-        </p:spPr>
-        <p:style>
-          <a:lnRef idx="1">
-            <a:schemeClr val="accent1"/>
-          </a:lnRef>
-          <a:fillRef idx="0">
-            <a:schemeClr val="accent1"/>
-          </a:fillRef>
-          <a:effectRef idx="0">
-            <a:schemeClr val="accent1"/>
-          </a:effectRef>
-          <a:fontRef idx="minor">
-            <a:schemeClr val="tx1"/>
-          </a:fontRef>
-        </p:style>
-      </p:cxnSp>
       <p:cxnSp>
         <p:nvCxnSpPr>
           <p:cNvPr id="390" name="389 Conector recto"/>
@@ -5458,14 +5228,29 @@
           <a:p>
             <a:pPr algn="ctr"/>
             <a:r>
-              <a:rPr lang="es-CO" sz="900" dirty="0" smtClean="0">
-                <a:solidFill>
-                  <a:schemeClr val="tx1"/>
-                </a:solidFill>
-                <a:cs typeface="Arial" pitchFamily="34" charset="0"/>
-              </a:rPr>
-              <a:t>Poliedro    </a:t>
-            </a:r>
+              <a:rPr lang="es-CO" sz="900" dirty="0">
+                <a:solidFill>
+                  <a:schemeClr val="tx1"/>
+                </a:solidFill>
+                <a:cs typeface="Arial" pitchFamily="34" charset="0"/>
+              </a:rPr>
+              <a:t>p</a:t>
+            </a:r>
+            <a:r>
+              <a:rPr lang="es-CO" sz="900" dirty="0" smtClean="0">
+                <a:solidFill>
+                  <a:schemeClr val="tx1"/>
+                </a:solidFill>
+                <a:cs typeface="Arial" pitchFamily="34" charset="0"/>
+              </a:rPr>
+              <a:t>oliedro    </a:t>
+            </a:r>
+            <a:endParaRPr lang="es-CO" sz="900" dirty="0" smtClean="0">
+              <a:solidFill>
+                <a:schemeClr val="tx1"/>
+              </a:solidFill>
+              <a:cs typeface="Arial" pitchFamily="34" charset="0"/>
+            </a:endParaRPr>
           </a:p>
         </p:txBody>
       </p:sp>
@@ -5507,31 +5292,49 @@
           <a:p>
             <a:pPr algn="ctr"/>
             <a:r>
-              <a:rPr lang="es-CO" sz="900" dirty="0" smtClean="0">
-                <a:solidFill>
-                  <a:schemeClr val="tx1"/>
-                </a:solidFill>
-                <a:cs typeface="Arial" pitchFamily="34" charset="0"/>
-              </a:rPr>
-              <a:t>Delimitado  por   dos polígonos congruentes paralelos y  n </a:t>
-            </a:r>
-            <a:r>
-              <a:rPr lang="es-CO" sz="900" dirty="0" err="1" smtClean="0">
-                <a:solidFill>
-                  <a:schemeClr val="tx1"/>
-                </a:solidFill>
-                <a:cs typeface="Arial" pitchFamily="34" charset="0"/>
-              </a:rPr>
-              <a:t>paralegramos</a:t>
-            </a:r>
-            <a:r>
-              <a:rPr lang="es-CO" sz="900" dirty="0" smtClean="0">
-                <a:solidFill>
-                  <a:schemeClr val="tx1"/>
-                </a:solidFill>
-                <a:cs typeface="Arial" pitchFamily="34" charset="0"/>
-              </a:rPr>
-              <a:t> congruentes    </a:t>
+              <a:rPr lang="es-CO" sz="900" dirty="0">
+                <a:solidFill>
+                  <a:schemeClr val="tx1"/>
+                </a:solidFill>
+                <a:cs typeface="Arial" pitchFamily="34" charset="0"/>
+              </a:rPr>
+              <a:t>d</a:t>
+            </a:r>
+            <a:r>
+              <a:rPr lang="es-CO" sz="900" dirty="0" smtClean="0">
+                <a:solidFill>
+                  <a:schemeClr val="tx1"/>
+                </a:solidFill>
+                <a:cs typeface="Arial" pitchFamily="34" charset="0"/>
+              </a:rPr>
+              <a:t>elimitado  </a:t>
+            </a:r>
+            <a:r>
+              <a:rPr lang="es-CO" sz="900" dirty="0" smtClean="0">
+                <a:solidFill>
+                  <a:schemeClr val="tx1"/>
+                </a:solidFill>
+                <a:cs typeface="Arial" pitchFamily="34" charset="0"/>
+              </a:rPr>
+              <a:t>por   dos polígonos congruentes paralelos y  </a:t>
+            </a:r>
+            <a:r>
+              <a:rPr lang="es-CO" sz="900" i="1" dirty="0" smtClean="0">
+                <a:solidFill>
+                  <a:schemeClr val="tx1"/>
+                </a:solidFill>
+                <a:cs typeface="Arial" pitchFamily="34" charset="0"/>
+              </a:rPr>
+              <a:t>n</a:t>
+            </a:r>
+            <a:r>
+              <a:rPr lang="es-CO" sz="900" dirty="0" smtClean="0">
+                <a:solidFill>
+                  <a:schemeClr val="tx1"/>
+                </a:solidFill>
+                <a:cs typeface="Arial" pitchFamily="34" charset="0"/>
+              </a:rPr>
+              <a:t> paralegramos congruentes    </a:t>
             </a:r>
           </a:p>
         </p:txBody>
@@ -5574,54 +5377,16 @@
           </a:fontRef>
         </p:style>
       </p:cxnSp>
-      <p:cxnSp>
-        <p:nvCxnSpPr>
-          <p:cNvPr id="394" name="393 Conector recto"/>
-          <p:cNvCxnSpPr>
-            <a:stCxn id="395" idx="2"/>
-            <a:endCxn id="400" idx="0"/>
-          </p:cNvCxnSpPr>
-          <p:nvPr/>
-        </p:nvCxnSpPr>
-        <p:spPr>
-          <a:xfrm flipH="1">
-            <a:off x="4150368" y="8361678"/>
-            <a:ext cx="3" cy="117167"/>
-          </a:xfrm>
-          <a:prstGeom prst="line">
-            <a:avLst/>
-          </a:prstGeom>
-          <a:ln w="12700">
-            <a:solidFill>
-              <a:schemeClr val="tx1"/>
-            </a:solidFill>
-          </a:ln>
-        </p:spPr>
-        <p:style>
-          <a:lnRef idx="1">
-            <a:schemeClr val="accent1"/>
-          </a:lnRef>
-          <a:fillRef idx="0">
-            <a:schemeClr val="accent1"/>
-          </a:fillRef>
-          <a:effectRef idx="0">
-            <a:schemeClr val="accent1"/>
-          </a:effectRef>
-          <a:fontRef idx="minor">
-            <a:schemeClr val="tx1"/>
-          </a:fontRef>
-        </p:style>
-      </p:cxnSp>
       <p:sp>
         <p:nvSpPr>
-          <p:cNvPr id="395" name="Rectángulo 35"/>
+          <p:cNvPr id="416" name="Rectángulo 35"/>
           <p:cNvSpPr/>
           <p:nvPr/>
         </p:nvSpPr>
         <p:spPr>
           <a:xfrm>
-            <a:off x="3709692" y="8132460"/>
-            <a:ext cx="881358" cy="229218"/>
+            <a:off x="4914900" y="6765794"/>
+            <a:ext cx="895350" cy="282707"/>
           </a:xfrm>
           <a:prstGeom prst="rect">
             <a:avLst/>
@@ -5650,1095 +5415,41 @@
           <a:p>
             <a:pPr algn="ctr"/>
             <a:r>
+              <a:rPr lang="es-CO" sz="900" dirty="0" smtClean="0">
+                <a:solidFill>
+                  <a:schemeClr val="tx1"/>
+                </a:solidFill>
+                <a:cs typeface="Arial" pitchFamily="34" charset="0"/>
+              </a:rPr>
+              <a:t>es un </a:t>
+            </a:r>
+          </a:p>
+          <a:p>
+            <a:pPr algn="ctr"/>
+            <a:r>
               <a:rPr lang="es-CO" sz="900" dirty="0">
                 <a:solidFill>
                   <a:schemeClr val="tx1"/>
                 </a:solidFill>
                 <a:cs typeface="Arial" pitchFamily="34" charset="0"/>
               </a:rPr>
-              <a:t>e</a:t>
-            </a:r>
-            <a:r>
-              <a:rPr lang="es-CO" sz="900" dirty="0" smtClean="0">
-                <a:solidFill>
-                  <a:schemeClr val="tx1"/>
-                </a:solidFill>
-                <a:cs typeface="Arial" pitchFamily="34" charset="0"/>
-              </a:rPr>
-              <a:t>jemplo    </a:t>
-            </a:r>
-            <a:endParaRPr lang="es-CO" sz="900" dirty="0">
+              <a:t>p</a:t>
+            </a:r>
+            <a:r>
+              <a:rPr lang="es-CO" sz="900" dirty="0" smtClean="0">
+                <a:solidFill>
+                  <a:schemeClr val="tx1"/>
+                </a:solidFill>
+                <a:cs typeface="Arial" pitchFamily="34" charset="0"/>
+              </a:rPr>
+              <a:t>oliedro    </a:t>
+            </a:r>
+            <a:endParaRPr lang="es-CO" sz="900" dirty="0" smtClean="0">
               <a:solidFill>
                 <a:schemeClr val="tx1"/>
               </a:solidFill>
               <a:cs typeface="Arial" pitchFamily="34" charset="0"/>
             </a:endParaRPr>
-          </a:p>
-        </p:txBody>
-      </p:sp>
-      <p:cxnSp>
-        <p:nvCxnSpPr>
-          <p:cNvPr id="396" name="395 Conector recto"/>
-          <p:cNvCxnSpPr>
-            <a:stCxn id="392" idx="2"/>
-            <a:endCxn id="395" idx="0"/>
-          </p:cNvCxnSpPr>
-          <p:nvPr/>
-        </p:nvCxnSpPr>
-        <p:spPr>
-          <a:xfrm flipH="1">
-            <a:off x="4150371" y="7952157"/>
-            <a:ext cx="3089" cy="180303"/>
-          </a:xfrm>
-          <a:prstGeom prst="line">
-            <a:avLst/>
-          </a:prstGeom>
-          <a:ln w="12700">
-            <a:solidFill>
-              <a:schemeClr val="tx1"/>
-            </a:solidFill>
-          </a:ln>
-        </p:spPr>
-        <p:style>
-          <a:lnRef idx="1">
-            <a:schemeClr val="accent1"/>
-          </a:lnRef>
-          <a:fillRef idx="0">
-            <a:schemeClr val="accent1"/>
-          </a:fillRef>
-          <a:effectRef idx="0">
-            <a:schemeClr val="accent1"/>
-          </a:effectRef>
-          <a:fontRef idx="minor">
-            <a:schemeClr val="tx1"/>
-          </a:fontRef>
-        </p:style>
-      </p:cxnSp>
-      <p:pic>
-        <p:nvPicPr>
-          <p:cNvPr id="193" name="Picture 2" descr="E:\guion 11\imagenes mapa 11\1.gif"/>
-          <p:cNvPicPr>
-            <a:picLocks noChangeAspect="1" noChangeArrowheads="1"/>
-          </p:cNvPicPr>
-          <p:nvPr/>
-        </p:nvPicPr>
-        <p:blipFill>
-          <a:blip r:embed="rId3" cstate="print">
-            <a:extLst>
-              <a:ext uri="{28A0092B-C50C-407E-A947-70E740481C1C}">
-                <a14:useLocalDpi xmlns:a14="http://schemas.microsoft.com/office/drawing/2010/main" val="0"/>
-              </a:ext>
-            </a:extLst>
-          </a:blip>
-          <a:srcRect/>
-          <a:stretch>
-            <a:fillRect/>
-          </a:stretch>
-        </p:blipFill>
-        <p:spPr bwMode="auto">
-          <a:xfrm>
-            <a:off x="130712" y="8564186"/>
-            <a:ext cx="963145" cy="752783"/>
-          </a:xfrm>
-          <a:prstGeom prst="rect">
-            <a:avLst/>
-          </a:prstGeom>
-          <a:noFill/>
-          <a:extLst>
-            <a:ext uri="{909E8E84-426E-40DD-AFC4-6F175D3DCCD1}">
-              <a14:hiddenFill xmlns:a14="http://schemas.microsoft.com/office/drawing/2010/main">
-                <a:solidFill>
-                  <a:srgbClr val="FFFFFF"/>
-                </a:solidFill>
-              </a14:hiddenFill>
-            </a:ext>
-          </a:extLst>
-        </p:spPr>
-      </p:pic>
-      <p:sp>
-        <p:nvSpPr>
-          <p:cNvPr id="398" name="Rectángulo 33"/>
-          <p:cNvSpPr/>
-          <p:nvPr/>
-        </p:nvSpPr>
-        <p:spPr>
-          <a:xfrm>
-            <a:off x="1228725" y="8459795"/>
-            <a:ext cx="1118885" cy="1174823"/>
-          </a:xfrm>
-          <a:prstGeom prst="rect">
-            <a:avLst/>
-          </a:prstGeom>
-          <a:solidFill>
-            <a:schemeClr val="bg1"/>
-          </a:solidFill>
-        </p:spPr>
-        <p:style>
-          <a:lnRef idx="2">
-            <a:schemeClr val="dk1"/>
-          </a:lnRef>
-          <a:fillRef idx="1">
-            <a:schemeClr val="lt1"/>
-          </a:fillRef>
-          <a:effectRef idx="0">
-            <a:schemeClr val="dk1"/>
-          </a:effectRef>
-          <a:fontRef idx="minor">
-            <a:schemeClr val="dk1"/>
-          </a:fontRef>
-        </p:style>
-        <p:txBody>
-          <a:bodyPr lIns="105683" tIns="52841" rIns="105683" bIns="52841" rtlCol="0" anchor="ctr"/>
-          <a:lstStyle/>
-          <a:p>
-            <a:pPr algn="ctr"/>
-            <a:endParaRPr lang="es-CO" sz="900" baseline="-25000" dirty="0" smtClean="0">
-              <a:solidFill>
-                <a:schemeClr val="tx1"/>
-              </a:solidFill>
-              <a:cs typeface="Arial" pitchFamily="34" charset="0"/>
-            </a:endParaRPr>
-          </a:p>
-          <a:p>
-            <a:pPr algn="ctr"/>
-            <a:endParaRPr lang="es-CO" sz="900" baseline="-25000" dirty="0">
-              <a:solidFill>
-                <a:schemeClr val="tx1"/>
-              </a:solidFill>
-              <a:cs typeface="Arial" pitchFamily="34" charset="0"/>
-            </a:endParaRPr>
-          </a:p>
-          <a:p>
-            <a:pPr algn="ctr"/>
-            <a:endParaRPr lang="es-CO" sz="900" baseline="-25000" dirty="0" smtClean="0">
-              <a:solidFill>
-                <a:schemeClr val="tx1"/>
-              </a:solidFill>
-              <a:cs typeface="Arial" pitchFamily="34" charset="0"/>
-            </a:endParaRPr>
-          </a:p>
-          <a:p>
-            <a:pPr algn="ctr"/>
-            <a:endParaRPr lang="es-CO" sz="900" baseline="-25000" dirty="0">
-              <a:solidFill>
-                <a:schemeClr val="tx1"/>
-              </a:solidFill>
-              <a:cs typeface="Arial" pitchFamily="34" charset="0"/>
-            </a:endParaRPr>
-          </a:p>
-          <a:p>
-            <a:pPr algn="ctr"/>
-            <a:endParaRPr lang="es-CO" sz="900" baseline="-25000" dirty="0" smtClean="0">
-              <a:solidFill>
-                <a:schemeClr val="tx1"/>
-              </a:solidFill>
-              <a:cs typeface="Arial" pitchFamily="34" charset="0"/>
-            </a:endParaRPr>
-          </a:p>
-          <a:p>
-            <a:pPr algn="ctr"/>
-            <a:endParaRPr lang="es-CO" sz="900" baseline="-25000" dirty="0">
-              <a:solidFill>
-                <a:schemeClr val="tx1"/>
-              </a:solidFill>
-              <a:cs typeface="Arial" pitchFamily="34" charset="0"/>
-            </a:endParaRPr>
-          </a:p>
-          <a:p>
-            <a:pPr algn="ctr"/>
-            <a:r>
-              <a:rPr lang="es-CO" sz="4000" baseline="-25000" dirty="0" smtClean="0">
-                <a:solidFill>
-                  <a:srgbClr val="FF0000"/>
-                </a:solidFill>
-                <a:cs typeface="Arial" pitchFamily="34" charset="0"/>
-              </a:rPr>
-              <a:t>2</a:t>
-            </a:r>
-            <a:endParaRPr lang="es-CO" sz="4000" baseline="-25000" dirty="0">
-              <a:solidFill>
-                <a:srgbClr val="FF0000"/>
-              </a:solidFill>
-              <a:cs typeface="Arial" pitchFamily="34" charset="0"/>
-            </a:endParaRPr>
-          </a:p>
-        </p:txBody>
-      </p:sp>
-      <p:pic>
-        <p:nvPicPr>
-          <p:cNvPr id="215" name="Picture 4" descr="E:\guion 11\imagenes mapa 11\2.gif"/>
-          <p:cNvPicPr>
-            <a:picLocks noChangeAspect="1" noChangeArrowheads="1"/>
-          </p:cNvPicPr>
-          <p:nvPr/>
-        </p:nvPicPr>
-        <p:blipFill>
-          <a:blip r:embed="rId4" cstate="print">
-            <a:extLst>
-              <a:ext uri="{28A0092B-C50C-407E-A947-70E740481C1C}">
-                <a14:useLocalDpi xmlns:a14="http://schemas.microsoft.com/office/drawing/2010/main" val="0"/>
-              </a:ext>
-            </a:extLst>
-          </a:blip>
-          <a:srcRect/>
-          <a:stretch>
-            <a:fillRect/>
-          </a:stretch>
-        </p:blipFill>
-        <p:spPr bwMode="auto">
-          <a:xfrm>
-            <a:off x="1275751" y="8526727"/>
-            <a:ext cx="1007230" cy="770549"/>
-          </a:xfrm>
-          <a:prstGeom prst="rect">
-            <a:avLst/>
-          </a:prstGeom>
-          <a:noFill/>
-          <a:extLst>
-            <a:ext uri="{909E8E84-426E-40DD-AFC4-6F175D3DCCD1}">
-              <a14:hiddenFill xmlns:a14="http://schemas.microsoft.com/office/drawing/2010/main">
-                <a:solidFill>
-                  <a:srgbClr val="FFFFFF"/>
-                </a:solidFill>
-              </a14:hiddenFill>
-            </a:ext>
-          </a:extLst>
-        </p:spPr>
-      </p:pic>
-      <p:sp>
-        <p:nvSpPr>
-          <p:cNvPr id="399" name="Rectángulo 33"/>
-          <p:cNvSpPr/>
-          <p:nvPr/>
-        </p:nvSpPr>
-        <p:spPr>
-          <a:xfrm>
-            <a:off x="2438400" y="8469320"/>
-            <a:ext cx="1118885" cy="1174823"/>
-          </a:xfrm>
-          <a:prstGeom prst="rect">
-            <a:avLst/>
-          </a:prstGeom>
-          <a:solidFill>
-            <a:schemeClr val="bg1"/>
-          </a:solidFill>
-        </p:spPr>
-        <p:style>
-          <a:lnRef idx="2">
-            <a:schemeClr val="dk1"/>
-          </a:lnRef>
-          <a:fillRef idx="1">
-            <a:schemeClr val="lt1"/>
-          </a:fillRef>
-          <a:effectRef idx="0">
-            <a:schemeClr val="dk1"/>
-          </a:effectRef>
-          <a:fontRef idx="minor">
-            <a:schemeClr val="dk1"/>
-          </a:fontRef>
-        </p:style>
-        <p:txBody>
-          <a:bodyPr lIns="105683" tIns="52841" rIns="105683" bIns="52841" rtlCol="0" anchor="ctr"/>
-          <a:lstStyle/>
-          <a:p>
-            <a:pPr algn="ctr"/>
-            <a:endParaRPr lang="es-CO" sz="900" baseline="-25000" dirty="0" smtClean="0">
-              <a:solidFill>
-                <a:schemeClr val="tx1"/>
-              </a:solidFill>
-              <a:cs typeface="Arial" pitchFamily="34" charset="0"/>
-            </a:endParaRPr>
-          </a:p>
-          <a:p>
-            <a:pPr algn="ctr"/>
-            <a:endParaRPr lang="es-CO" sz="900" baseline="-25000" dirty="0">
-              <a:solidFill>
-                <a:schemeClr val="tx1"/>
-              </a:solidFill>
-              <a:cs typeface="Arial" pitchFamily="34" charset="0"/>
-            </a:endParaRPr>
-          </a:p>
-          <a:p>
-            <a:pPr algn="ctr"/>
-            <a:endParaRPr lang="es-CO" sz="900" baseline="-25000" dirty="0" smtClean="0">
-              <a:solidFill>
-                <a:schemeClr val="tx1"/>
-              </a:solidFill>
-              <a:cs typeface="Arial" pitchFamily="34" charset="0"/>
-            </a:endParaRPr>
-          </a:p>
-          <a:p>
-            <a:pPr algn="ctr"/>
-            <a:endParaRPr lang="es-CO" sz="900" baseline="-25000" dirty="0">
-              <a:solidFill>
-                <a:schemeClr val="tx1"/>
-              </a:solidFill>
-              <a:cs typeface="Arial" pitchFamily="34" charset="0"/>
-            </a:endParaRPr>
-          </a:p>
-          <a:p>
-            <a:pPr algn="ctr"/>
-            <a:endParaRPr lang="es-CO" sz="900" baseline="-25000" dirty="0" smtClean="0">
-              <a:solidFill>
-                <a:schemeClr val="tx1"/>
-              </a:solidFill>
-              <a:cs typeface="Arial" pitchFamily="34" charset="0"/>
-            </a:endParaRPr>
-          </a:p>
-          <a:p>
-            <a:pPr algn="ctr"/>
-            <a:endParaRPr lang="es-CO" sz="900" baseline="-25000" dirty="0">
-              <a:solidFill>
-                <a:schemeClr val="tx1"/>
-              </a:solidFill>
-              <a:cs typeface="Arial" pitchFamily="34" charset="0"/>
-            </a:endParaRPr>
-          </a:p>
-          <a:p>
-            <a:pPr algn="ctr"/>
-            <a:r>
-              <a:rPr lang="es-CO" sz="4000" baseline="-25000" dirty="0" smtClean="0">
-                <a:solidFill>
-                  <a:srgbClr val="FF0000"/>
-                </a:solidFill>
-                <a:cs typeface="Arial" pitchFamily="34" charset="0"/>
-              </a:rPr>
-              <a:t>3</a:t>
-            </a:r>
-            <a:endParaRPr lang="es-CO" sz="4000" baseline="-25000" dirty="0">
-              <a:solidFill>
-                <a:srgbClr val="FF0000"/>
-              </a:solidFill>
-              <a:cs typeface="Arial" pitchFamily="34" charset="0"/>
-            </a:endParaRPr>
-          </a:p>
-        </p:txBody>
-      </p:sp>
-      <p:pic>
-        <p:nvPicPr>
-          <p:cNvPr id="217" name="Picture 6" descr="E:\guion 11\imagenes mapa 11\3.gif"/>
-          <p:cNvPicPr>
-            <a:picLocks noChangeAspect="1" noChangeArrowheads="1"/>
-          </p:cNvPicPr>
-          <p:nvPr/>
-        </p:nvPicPr>
-        <p:blipFill>
-          <a:blip r:embed="rId5" cstate="print">
-            <a:extLst>
-              <a:ext uri="{28A0092B-C50C-407E-A947-70E740481C1C}">
-                <a14:useLocalDpi xmlns:a14="http://schemas.microsoft.com/office/drawing/2010/main" val="0"/>
-              </a:ext>
-            </a:extLst>
-          </a:blip>
-          <a:srcRect/>
-          <a:stretch>
-            <a:fillRect/>
-          </a:stretch>
-        </p:blipFill>
-        <p:spPr bwMode="auto">
-          <a:xfrm>
-            <a:off x="2493695" y="8502029"/>
-            <a:ext cx="1040080" cy="827492"/>
-          </a:xfrm>
-          <a:prstGeom prst="rect">
-            <a:avLst/>
-          </a:prstGeom>
-          <a:noFill/>
-          <a:extLst>
-            <a:ext uri="{909E8E84-426E-40DD-AFC4-6F175D3DCCD1}">
-              <a14:hiddenFill xmlns:a14="http://schemas.microsoft.com/office/drawing/2010/main">
-                <a:solidFill>
-                  <a:srgbClr val="FFFFFF"/>
-                </a:solidFill>
-              </a14:hiddenFill>
-            </a:ext>
-          </a:extLst>
-        </p:spPr>
-      </p:pic>
-      <p:sp>
-        <p:nvSpPr>
-          <p:cNvPr id="400" name="Rectángulo 33"/>
-          <p:cNvSpPr/>
-          <p:nvPr/>
-        </p:nvSpPr>
-        <p:spPr>
-          <a:xfrm>
-            <a:off x="3590925" y="8478845"/>
-            <a:ext cx="1118885" cy="1174823"/>
-          </a:xfrm>
-          <a:prstGeom prst="rect">
-            <a:avLst/>
-          </a:prstGeom>
-          <a:solidFill>
-            <a:schemeClr val="bg1"/>
-          </a:solidFill>
-        </p:spPr>
-        <p:style>
-          <a:lnRef idx="2">
-            <a:schemeClr val="dk1"/>
-          </a:lnRef>
-          <a:fillRef idx="1">
-            <a:schemeClr val="lt1"/>
-          </a:fillRef>
-          <a:effectRef idx="0">
-            <a:schemeClr val="dk1"/>
-          </a:effectRef>
-          <a:fontRef idx="minor">
-            <a:schemeClr val="dk1"/>
-          </a:fontRef>
-        </p:style>
-        <p:txBody>
-          <a:bodyPr lIns="105683" tIns="52841" rIns="105683" bIns="52841" rtlCol="0" anchor="ctr"/>
-          <a:lstStyle/>
-          <a:p>
-            <a:pPr algn="ctr"/>
-            <a:endParaRPr lang="es-CO" sz="900" baseline="-25000" dirty="0" smtClean="0">
-              <a:solidFill>
-                <a:schemeClr val="tx1"/>
-              </a:solidFill>
-              <a:cs typeface="Arial" pitchFamily="34" charset="0"/>
-            </a:endParaRPr>
-          </a:p>
-          <a:p>
-            <a:pPr algn="ctr"/>
-            <a:endParaRPr lang="es-CO" sz="900" baseline="-25000" dirty="0">
-              <a:solidFill>
-                <a:schemeClr val="tx1"/>
-              </a:solidFill>
-              <a:cs typeface="Arial" pitchFamily="34" charset="0"/>
-            </a:endParaRPr>
-          </a:p>
-          <a:p>
-            <a:pPr algn="ctr"/>
-            <a:endParaRPr lang="es-CO" sz="900" baseline="-25000" dirty="0" smtClean="0">
-              <a:solidFill>
-                <a:schemeClr val="tx1"/>
-              </a:solidFill>
-              <a:cs typeface="Arial" pitchFamily="34" charset="0"/>
-            </a:endParaRPr>
-          </a:p>
-          <a:p>
-            <a:pPr algn="ctr"/>
-            <a:endParaRPr lang="es-CO" sz="900" baseline="-25000" dirty="0">
-              <a:solidFill>
-                <a:schemeClr val="tx1"/>
-              </a:solidFill>
-              <a:cs typeface="Arial" pitchFamily="34" charset="0"/>
-            </a:endParaRPr>
-          </a:p>
-          <a:p>
-            <a:pPr algn="ctr"/>
-            <a:endParaRPr lang="es-CO" sz="900" baseline="-25000" dirty="0" smtClean="0">
-              <a:solidFill>
-                <a:schemeClr val="tx1"/>
-              </a:solidFill>
-              <a:cs typeface="Arial" pitchFamily="34" charset="0"/>
-            </a:endParaRPr>
-          </a:p>
-          <a:p>
-            <a:pPr algn="ctr"/>
-            <a:endParaRPr lang="es-CO" sz="900" baseline="-25000" dirty="0">
-              <a:solidFill>
-                <a:schemeClr val="tx1"/>
-              </a:solidFill>
-              <a:cs typeface="Arial" pitchFamily="34" charset="0"/>
-            </a:endParaRPr>
-          </a:p>
-          <a:p>
-            <a:pPr algn="ctr"/>
-            <a:r>
-              <a:rPr lang="es-CO" sz="4000" baseline="-25000" dirty="0">
-                <a:solidFill>
-                  <a:srgbClr val="FF0000"/>
-                </a:solidFill>
-                <a:cs typeface="Arial" pitchFamily="34" charset="0"/>
-              </a:rPr>
-              <a:t>4</a:t>
-            </a:r>
-          </a:p>
-        </p:txBody>
-      </p:sp>
-      <p:sp>
-        <p:nvSpPr>
-          <p:cNvPr id="402" name="Rectángulo 33"/>
-          <p:cNvSpPr/>
-          <p:nvPr/>
-        </p:nvSpPr>
-        <p:spPr>
-          <a:xfrm>
-            <a:off x="4810125" y="8497895"/>
-            <a:ext cx="1118885" cy="1174823"/>
-          </a:xfrm>
-          <a:prstGeom prst="rect">
-            <a:avLst/>
-          </a:prstGeom>
-          <a:solidFill>
-            <a:schemeClr val="bg1"/>
-          </a:solidFill>
-        </p:spPr>
-        <p:style>
-          <a:lnRef idx="2">
-            <a:schemeClr val="dk1"/>
-          </a:lnRef>
-          <a:fillRef idx="1">
-            <a:schemeClr val="lt1"/>
-          </a:fillRef>
-          <a:effectRef idx="0">
-            <a:schemeClr val="dk1"/>
-          </a:effectRef>
-          <a:fontRef idx="minor">
-            <a:schemeClr val="dk1"/>
-          </a:fontRef>
-        </p:style>
-        <p:txBody>
-          <a:bodyPr lIns="105683" tIns="52841" rIns="105683" bIns="52841" rtlCol="0" anchor="ctr"/>
-          <a:lstStyle/>
-          <a:p>
-            <a:pPr algn="ctr"/>
-            <a:endParaRPr lang="es-CO" sz="900" baseline="-25000" dirty="0" smtClean="0">
-              <a:solidFill>
-                <a:schemeClr val="tx1"/>
-              </a:solidFill>
-              <a:cs typeface="Arial" pitchFamily="34" charset="0"/>
-            </a:endParaRPr>
-          </a:p>
-          <a:p>
-            <a:pPr algn="ctr"/>
-            <a:endParaRPr lang="es-CO" sz="900" baseline="-25000" dirty="0">
-              <a:solidFill>
-                <a:schemeClr val="tx1"/>
-              </a:solidFill>
-              <a:cs typeface="Arial" pitchFamily="34" charset="0"/>
-            </a:endParaRPr>
-          </a:p>
-          <a:p>
-            <a:pPr algn="ctr"/>
-            <a:endParaRPr lang="es-CO" sz="900" baseline="-25000" dirty="0" smtClean="0">
-              <a:solidFill>
-                <a:schemeClr val="tx1"/>
-              </a:solidFill>
-              <a:cs typeface="Arial" pitchFamily="34" charset="0"/>
-            </a:endParaRPr>
-          </a:p>
-          <a:p>
-            <a:pPr algn="ctr"/>
-            <a:endParaRPr lang="es-CO" sz="900" baseline="-25000" dirty="0">
-              <a:solidFill>
-                <a:schemeClr val="tx1"/>
-              </a:solidFill>
-              <a:cs typeface="Arial" pitchFamily="34" charset="0"/>
-            </a:endParaRPr>
-          </a:p>
-          <a:p>
-            <a:pPr algn="ctr"/>
-            <a:endParaRPr lang="es-CO" sz="900" baseline="-25000" dirty="0" smtClean="0">
-              <a:solidFill>
-                <a:schemeClr val="tx1"/>
-              </a:solidFill>
-              <a:cs typeface="Arial" pitchFamily="34" charset="0"/>
-            </a:endParaRPr>
-          </a:p>
-          <a:p>
-            <a:pPr algn="ctr"/>
-            <a:endParaRPr lang="es-CO" sz="900" baseline="-25000" dirty="0">
-              <a:solidFill>
-                <a:schemeClr val="tx1"/>
-              </a:solidFill>
-              <a:cs typeface="Arial" pitchFamily="34" charset="0"/>
-            </a:endParaRPr>
-          </a:p>
-          <a:p>
-            <a:pPr algn="ctr"/>
-            <a:r>
-              <a:rPr lang="es-CO" sz="4000" baseline="-25000" dirty="0" smtClean="0">
-                <a:solidFill>
-                  <a:srgbClr val="FF0000"/>
-                </a:solidFill>
-                <a:cs typeface="Arial" pitchFamily="34" charset="0"/>
-              </a:rPr>
-              <a:t>5</a:t>
-            </a:r>
-            <a:endParaRPr lang="es-CO" sz="4000" baseline="-25000" dirty="0">
-              <a:solidFill>
-                <a:srgbClr val="FF0000"/>
-              </a:solidFill>
-              <a:cs typeface="Arial" pitchFamily="34" charset="0"/>
-            </a:endParaRPr>
-          </a:p>
-        </p:txBody>
-      </p:sp>
-      <p:pic>
-        <p:nvPicPr>
-          <p:cNvPr id="404" name="Picture 11" descr="E:\guion 11\imagenes mapa 11\5.gif"/>
-          <p:cNvPicPr>
-            <a:picLocks noChangeAspect="1" noChangeArrowheads="1"/>
-          </p:cNvPicPr>
-          <p:nvPr/>
-        </p:nvPicPr>
-        <p:blipFill>
-          <a:blip r:embed="rId6" cstate="print">
-            <a:extLst>
-              <a:ext uri="{28A0092B-C50C-407E-A947-70E740481C1C}">
-                <a14:useLocalDpi xmlns:a14="http://schemas.microsoft.com/office/drawing/2010/main" val="0"/>
-              </a:ext>
-            </a:extLst>
-          </a:blip>
-          <a:srcRect/>
-          <a:stretch>
-            <a:fillRect/>
-          </a:stretch>
-        </p:blipFill>
-        <p:spPr bwMode="auto">
-          <a:xfrm>
-            <a:off x="3697029" y="8522215"/>
-            <a:ext cx="880328" cy="803929"/>
-          </a:xfrm>
-          <a:prstGeom prst="rect">
-            <a:avLst/>
-          </a:prstGeom>
-          <a:noFill/>
-          <a:extLst>
-            <a:ext uri="{909E8E84-426E-40DD-AFC4-6F175D3DCCD1}">
-              <a14:hiddenFill xmlns:a14="http://schemas.microsoft.com/office/drawing/2010/main">
-                <a:solidFill>
-                  <a:srgbClr val="FFFFFF"/>
-                </a:solidFill>
-              </a14:hiddenFill>
-            </a:ext>
-          </a:extLst>
-        </p:spPr>
-      </p:pic>
-      <p:sp>
-        <p:nvSpPr>
-          <p:cNvPr id="405" name="Rectángulo 33"/>
-          <p:cNvSpPr/>
-          <p:nvPr/>
-        </p:nvSpPr>
-        <p:spPr>
-          <a:xfrm>
-            <a:off x="6029797" y="8488370"/>
-            <a:ext cx="1118885" cy="1174823"/>
-          </a:xfrm>
-          <a:prstGeom prst="rect">
-            <a:avLst/>
-          </a:prstGeom>
-          <a:solidFill>
-            <a:schemeClr val="bg1"/>
-          </a:solidFill>
-        </p:spPr>
-        <p:style>
-          <a:lnRef idx="2">
-            <a:schemeClr val="dk1"/>
-          </a:lnRef>
-          <a:fillRef idx="1">
-            <a:schemeClr val="lt1"/>
-          </a:fillRef>
-          <a:effectRef idx="0">
-            <a:schemeClr val="dk1"/>
-          </a:effectRef>
-          <a:fontRef idx="minor">
-            <a:schemeClr val="dk1"/>
-          </a:fontRef>
-        </p:style>
-        <p:txBody>
-          <a:bodyPr lIns="105683" tIns="52841" rIns="105683" bIns="52841" rtlCol="0" anchor="ctr"/>
-          <a:lstStyle/>
-          <a:p>
-            <a:pPr algn="ctr"/>
-            <a:endParaRPr lang="es-CO" sz="900" baseline="-25000" dirty="0" smtClean="0">
-              <a:solidFill>
-                <a:schemeClr val="tx1"/>
-              </a:solidFill>
-              <a:cs typeface="Arial" pitchFamily="34" charset="0"/>
-            </a:endParaRPr>
-          </a:p>
-          <a:p>
-            <a:pPr algn="ctr"/>
-            <a:endParaRPr lang="es-CO" sz="900" baseline="-25000" dirty="0">
-              <a:solidFill>
-                <a:schemeClr val="tx1"/>
-              </a:solidFill>
-              <a:cs typeface="Arial" pitchFamily="34" charset="0"/>
-            </a:endParaRPr>
-          </a:p>
-          <a:p>
-            <a:pPr algn="ctr"/>
-            <a:endParaRPr lang="es-CO" sz="900" baseline="-25000" dirty="0" smtClean="0">
-              <a:solidFill>
-                <a:schemeClr val="tx1"/>
-              </a:solidFill>
-              <a:cs typeface="Arial" pitchFamily="34" charset="0"/>
-            </a:endParaRPr>
-          </a:p>
-          <a:p>
-            <a:pPr algn="ctr"/>
-            <a:endParaRPr lang="es-CO" sz="900" baseline="-25000" dirty="0">
-              <a:solidFill>
-                <a:schemeClr val="tx1"/>
-              </a:solidFill>
-              <a:cs typeface="Arial" pitchFamily="34" charset="0"/>
-            </a:endParaRPr>
-          </a:p>
-          <a:p>
-            <a:pPr algn="ctr"/>
-            <a:endParaRPr lang="es-CO" sz="900" baseline="-25000" dirty="0" smtClean="0">
-              <a:solidFill>
-                <a:schemeClr val="tx1"/>
-              </a:solidFill>
-              <a:cs typeface="Arial" pitchFamily="34" charset="0"/>
-            </a:endParaRPr>
-          </a:p>
-          <a:p>
-            <a:pPr algn="ctr"/>
-            <a:endParaRPr lang="es-CO" sz="900" baseline="-25000" dirty="0">
-              <a:solidFill>
-                <a:schemeClr val="tx1"/>
-              </a:solidFill>
-              <a:cs typeface="Arial" pitchFamily="34" charset="0"/>
-            </a:endParaRPr>
-          </a:p>
-          <a:p>
-            <a:pPr algn="ctr"/>
-            <a:r>
-              <a:rPr lang="es-CO" sz="4000" baseline="-25000" dirty="0">
-                <a:solidFill>
-                  <a:srgbClr val="FF0000"/>
-                </a:solidFill>
-                <a:cs typeface="Arial" pitchFamily="34" charset="0"/>
-              </a:rPr>
-              <a:t>6</a:t>
-            </a:r>
-          </a:p>
-        </p:txBody>
-      </p:sp>
-      <p:pic>
-        <p:nvPicPr>
-          <p:cNvPr id="406" name="Picture 13" descr="E:\guion 11\imagenes mapa 11\6.gif"/>
-          <p:cNvPicPr>
-            <a:picLocks noChangeAspect="1" noChangeArrowheads="1"/>
-          </p:cNvPicPr>
-          <p:nvPr/>
-        </p:nvPicPr>
-        <p:blipFill>
-          <a:blip r:embed="rId7" cstate="print">
-            <a:extLst>
-              <a:ext uri="{28A0092B-C50C-407E-A947-70E740481C1C}">
-                <a14:useLocalDpi xmlns:a14="http://schemas.microsoft.com/office/drawing/2010/main" val="0"/>
-              </a:ext>
-            </a:extLst>
-          </a:blip>
-          <a:srcRect/>
-          <a:stretch>
-            <a:fillRect/>
-          </a:stretch>
-        </p:blipFill>
-        <p:spPr bwMode="auto">
-          <a:xfrm>
-            <a:off x="6104581" y="8534825"/>
-            <a:ext cx="999315" cy="793107"/>
-          </a:xfrm>
-          <a:prstGeom prst="rect">
-            <a:avLst/>
-          </a:prstGeom>
-          <a:noFill/>
-          <a:extLst>
-            <a:ext uri="{909E8E84-426E-40DD-AFC4-6F175D3DCCD1}">
-              <a14:hiddenFill xmlns:a14="http://schemas.microsoft.com/office/drawing/2010/main">
-                <a:solidFill>
-                  <a:srgbClr val="FFFFFF"/>
-                </a:solidFill>
-              </a14:hiddenFill>
-            </a:ext>
-          </a:extLst>
-        </p:spPr>
-      </p:pic>
-      <p:sp>
-        <p:nvSpPr>
-          <p:cNvPr id="407" name="Rectángulo 33"/>
-          <p:cNvSpPr/>
-          <p:nvPr/>
-        </p:nvSpPr>
-        <p:spPr>
-          <a:xfrm>
-            <a:off x="7278044" y="8507420"/>
-            <a:ext cx="1118885" cy="1174823"/>
-          </a:xfrm>
-          <a:prstGeom prst="rect">
-            <a:avLst/>
-          </a:prstGeom>
-          <a:solidFill>
-            <a:schemeClr val="bg1"/>
-          </a:solidFill>
-        </p:spPr>
-        <p:style>
-          <a:lnRef idx="2">
-            <a:schemeClr val="dk1"/>
-          </a:lnRef>
-          <a:fillRef idx="1">
-            <a:schemeClr val="lt1"/>
-          </a:fillRef>
-          <a:effectRef idx="0">
-            <a:schemeClr val="dk1"/>
-          </a:effectRef>
-          <a:fontRef idx="minor">
-            <a:schemeClr val="dk1"/>
-          </a:fontRef>
-        </p:style>
-        <p:txBody>
-          <a:bodyPr lIns="105683" tIns="52841" rIns="105683" bIns="52841" rtlCol="0" anchor="ctr"/>
-          <a:lstStyle/>
-          <a:p>
-            <a:pPr algn="ctr"/>
-            <a:endParaRPr lang="es-CO" sz="900" baseline="-25000" dirty="0" smtClean="0">
-              <a:solidFill>
-                <a:schemeClr val="tx1"/>
-              </a:solidFill>
-              <a:cs typeface="Arial" pitchFamily="34" charset="0"/>
-            </a:endParaRPr>
-          </a:p>
-          <a:p>
-            <a:pPr algn="ctr"/>
-            <a:endParaRPr lang="es-CO" sz="900" baseline="-25000" dirty="0">
-              <a:solidFill>
-                <a:schemeClr val="tx1"/>
-              </a:solidFill>
-              <a:cs typeface="Arial" pitchFamily="34" charset="0"/>
-            </a:endParaRPr>
-          </a:p>
-          <a:p>
-            <a:pPr algn="ctr"/>
-            <a:endParaRPr lang="es-CO" sz="900" baseline="-25000" dirty="0" smtClean="0">
-              <a:solidFill>
-                <a:schemeClr val="tx1"/>
-              </a:solidFill>
-              <a:cs typeface="Arial" pitchFamily="34" charset="0"/>
-            </a:endParaRPr>
-          </a:p>
-          <a:p>
-            <a:pPr algn="ctr"/>
-            <a:endParaRPr lang="es-CO" sz="900" baseline="-25000" dirty="0">
-              <a:solidFill>
-                <a:schemeClr val="tx1"/>
-              </a:solidFill>
-              <a:cs typeface="Arial" pitchFamily="34" charset="0"/>
-            </a:endParaRPr>
-          </a:p>
-          <a:p>
-            <a:pPr algn="ctr"/>
-            <a:endParaRPr lang="es-CO" sz="900" baseline="-25000" dirty="0" smtClean="0">
-              <a:solidFill>
-                <a:schemeClr val="tx1"/>
-              </a:solidFill>
-              <a:cs typeface="Arial" pitchFamily="34" charset="0"/>
-            </a:endParaRPr>
-          </a:p>
-          <a:p>
-            <a:pPr algn="ctr"/>
-            <a:endParaRPr lang="es-CO" sz="900" baseline="-25000" dirty="0">
-              <a:solidFill>
-                <a:schemeClr val="tx1"/>
-              </a:solidFill>
-              <a:cs typeface="Arial" pitchFamily="34" charset="0"/>
-            </a:endParaRPr>
-          </a:p>
-          <a:p>
-            <a:pPr algn="ctr"/>
-            <a:r>
-              <a:rPr lang="es-CO" sz="4000" baseline="-25000" dirty="0" smtClean="0">
-                <a:solidFill>
-                  <a:srgbClr val="FF0000"/>
-                </a:solidFill>
-                <a:cs typeface="Arial" pitchFamily="34" charset="0"/>
-              </a:rPr>
-              <a:t>7</a:t>
-            </a:r>
-            <a:endParaRPr lang="es-CO" sz="4000" baseline="-25000" dirty="0">
-              <a:solidFill>
-                <a:srgbClr val="FF0000"/>
-              </a:solidFill>
-              <a:cs typeface="Arial" pitchFamily="34" charset="0"/>
-            </a:endParaRPr>
-          </a:p>
-        </p:txBody>
-      </p:sp>
-      <p:pic>
-        <p:nvPicPr>
-          <p:cNvPr id="408" name="Picture 15" descr="E:\guion 11\imagenes mapa 11\5.gif"/>
-          <p:cNvPicPr>
-            <a:picLocks noChangeAspect="1" noChangeArrowheads="1"/>
-          </p:cNvPicPr>
-          <p:nvPr/>
-        </p:nvPicPr>
-        <p:blipFill>
-          <a:blip r:embed="rId8" cstate="print">
-            <a:extLst>
-              <a:ext uri="{28A0092B-C50C-407E-A947-70E740481C1C}">
-                <a14:useLocalDpi xmlns:a14="http://schemas.microsoft.com/office/drawing/2010/main" val="0"/>
-              </a:ext>
-            </a:extLst>
-          </a:blip>
-          <a:srcRect/>
-          <a:stretch>
-            <a:fillRect/>
-          </a:stretch>
-        </p:blipFill>
-        <p:spPr bwMode="auto">
-          <a:xfrm>
-            <a:off x="4888351" y="8585173"/>
-            <a:ext cx="1014775" cy="747556"/>
-          </a:xfrm>
-          <a:prstGeom prst="rect">
-            <a:avLst/>
-          </a:prstGeom>
-          <a:noFill/>
-          <a:extLst>
-            <a:ext uri="{909E8E84-426E-40DD-AFC4-6F175D3DCCD1}">
-              <a14:hiddenFill xmlns:a14="http://schemas.microsoft.com/office/drawing/2010/main">
-                <a:solidFill>
-                  <a:srgbClr val="FFFFFF"/>
-                </a:solidFill>
-              </a14:hiddenFill>
-            </a:ext>
-          </a:extLst>
-        </p:spPr>
-      </p:pic>
-      <p:pic>
-        <p:nvPicPr>
-          <p:cNvPr id="409" name="Picture 17" descr="E:\guion 11\imagenes mapa 11\7.gif"/>
-          <p:cNvPicPr>
-            <a:picLocks noChangeAspect="1" noChangeArrowheads="1"/>
-          </p:cNvPicPr>
-          <p:nvPr/>
-        </p:nvPicPr>
-        <p:blipFill>
-          <a:blip r:embed="rId9" cstate="print">
-            <a:extLst>
-              <a:ext uri="{28A0092B-C50C-407E-A947-70E740481C1C}">
-                <a14:useLocalDpi xmlns:a14="http://schemas.microsoft.com/office/drawing/2010/main" val="0"/>
-              </a:ext>
-            </a:extLst>
-          </a:blip>
-          <a:srcRect/>
-          <a:stretch>
-            <a:fillRect/>
-          </a:stretch>
-        </p:blipFill>
-        <p:spPr bwMode="auto">
-          <a:xfrm>
-            <a:off x="7335370" y="8594698"/>
-            <a:ext cx="1045704" cy="743901"/>
-          </a:xfrm>
-          <a:prstGeom prst="rect">
-            <a:avLst/>
-          </a:prstGeom>
-          <a:noFill/>
-          <a:extLst>
-            <a:ext uri="{909E8E84-426E-40DD-AFC4-6F175D3DCCD1}">
-              <a14:hiddenFill xmlns:a14="http://schemas.microsoft.com/office/drawing/2010/main">
-                <a:solidFill>
-                  <a:srgbClr val="FFFFFF"/>
-                </a:solidFill>
-              </a14:hiddenFill>
-            </a:ext>
-          </a:extLst>
-        </p:spPr>
-      </p:pic>
-      <p:cxnSp>
-        <p:nvCxnSpPr>
-          <p:cNvPr id="414" name="413 Conector recto"/>
-          <p:cNvCxnSpPr>
-            <a:stCxn id="377" idx="2"/>
-            <a:endCxn id="398" idx="0"/>
-          </p:cNvCxnSpPr>
-          <p:nvPr/>
-        </p:nvCxnSpPr>
-        <p:spPr>
-          <a:xfrm flipH="1">
-            <a:off x="1788168" y="8333103"/>
-            <a:ext cx="3" cy="126692"/>
-          </a:xfrm>
-          <a:prstGeom prst="line">
-            <a:avLst/>
-          </a:prstGeom>
-          <a:ln w="12700">
-            <a:solidFill>
-              <a:schemeClr val="tx1"/>
-            </a:solidFill>
-          </a:ln>
-        </p:spPr>
-        <p:style>
-          <a:lnRef idx="1">
-            <a:schemeClr val="accent1"/>
-          </a:lnRef>
-          <a:fillRef idx="0">
-            <a:schemeClr val="accent1"/>
-          </a:fillRef>
-          <a:effectRef idx="0">
-            <a:schemeClr val="accent1"/>
-          </a:effectRef>
-          <a:fontRef idx="minor">
-            <a:schemeClr val="tx1"/>
-          </a:fontRef>
-        </p:style>
-      </p:cxnSp>
-      <p:sp>
-        <p:nvSpPr>
-          <p:cNvPr id="416" name="Rectángulo 35"/>
-          <p:cNvSpPr/>
-          <p:nvPr/>
-        </p:nvSpPr>
-        <p:spPr>
-          <a:xfrm>
-            <a:off x="4914900" y="6765794"/>
-            <a:ext cx="895350" cy="282707"/>
-          </a:xfrm>
-          <a:prstGeom prst="rect">
-            <a:avLst/>
-          </a:prstGeom>
-          <a:ln>
-            <a:noFill/>
-          </a:ln>
-        </p:spPr>
-        <p:style>
-          <a:lnRef idx="2">
-            <a:schemeClr val="dk1"/>
-          </a:lnRef>
-          <a:fillRef idx="1">
-            <a:schemeClr val="lt1"/>
-          </a:fillRef>
-          <a:effectRef idx="0">
-            <a:schemeClr val="dk1"/>
-          </a:effectRef>
-          <a:fontRef idx="minor">
-            <a:schemeClr val="dk1"/>
-          </a:fontRef>
-        </p:style>
-        <p:txBody>
-          <a:bodyPr lIns="105683" tIns="52841" rIns="105683" bIns="52841" rtlCol="0" anchor="ctr"/>
-          <a:lstStyle/>
-          <a:p>
-            <a:pPr algn="ctr"/>
-            <a:r>
-              <a:rPr lang="es-CO" sz="900" dirty="0" smtClean="0">
-                <a:solidFill>
-                  <a:schemeClr val="tx1"/>
-                </a:solidFill>
-                <a:cs typeface="Arial" pitchFamily="34" charset="0"/>
-              </a:rPr>
-              <a:t>es un </a:t>
-            </a:r>
-          </a:p>
-          <a:p>
-            <a:pPr algn="ctr"/>
-            <a:r>
-              <a:rPr lang="es-CO" sz="900" dirty="0" smtClean="0">
-                <a:solidFill>
-                  <a:schemeClr val="tx1"/>
-                </a:solidFill>
-                <a:cs typeface="Arial" pitchFamily="34" charset="0"/>
-              </a:rPr>
-              <a:t>Poliedro    </a:t>
-            </a:r>
           </a:p>
         </p:txBody>
       </p:sp>
@@ -6824,151 +5535,20 @@
                 </a:solidFill>
                 <a:cs typeface="Arial" pitchFamily="34" charset="0"/>
               </a:rPr>
-              <a:t>Delimitado  por   un polígono, caras triangulares y un punto.    </a:t>
+              <a:t>delimitado  </a:t>
+            </a:r>
+            <a:r>
+              <a:rPr lang="es-CO" sz="900" dirty="0" smtClean="0">
+                <a:solidFill>
+                  <a:schemeClr val="tx1"/>
+                </a:solidFill>
+                <a:cs typeface="Arial" pitchFamily="34" charset="0"/>
+              </a:rPr>
+              <a:t>por   un polígono, caras triangulares y un punto.    </a:t>
             </a:r>
           </a:p>
         </p:txBody>
       </p:sp>
-      <p:sp>
-        <p:nvSpPr>
-          <p:cNvPr id="419" name="Rectángulo 35"/>
-          <p:cNvSpPr/>
-          <p:nvPr/>
-        </p:nvSpPr>
-        <p:spPr>
-          <a:xfrm>
-            <a:off x="4928892" y="8120620"/>
-            <a:ext cx="881358" cy="229218"/>
-          </a:xfrm>
-          <a:prstGeom prst="rect">
-            <a:avLst/>
-          </a:prstGeom>
-          <a:ln>
-            <a:noFill/>
-          </a:ln>
-        </p:spPr>
-        <p:style>
-          <a:lnRef idx="2">
-            <a:schemeClr val="dk1"/>
-          </a:lnRef>
-          <a:fillRef idx="1">
-            <a:schemeClr val="lt1"/>
-          </a:fillRef>
-          <a:effectRef idx="0">
-            <a:schemeClr val="dk1"/>
-          </a:effectRef>
-          <a:fontRef idx="minor">
-            <a:schemeClr val="dk1"/>
-          </a:fontRef>
-        </p:style>
-        <p:txBody>
-          <a:bodyPr lIns="105683" tIns="52841" rIns="105683" bIns="52841" rtlCol="0" anchor="ctr"/>
-          <a:lstStyle/>
-          <a:p>
-            <a:pPr algn="ctr"/>
-            <a:r>
-              <a:rPr lang="es-CO" sz="900" dirty="0">
-                <a:solidFill>
-                  <a:schemeClr val="tx1"/>
-                </a:solidFill>
-                <a:cs typeface="Arial" pitchFamily="34" charset="0"/>
-              </a:rPr>
-              <a:t>e</a:t>
-            </a:r>
-            <a:r>
-              <a:rPr lang="es-CO" sz="900" dirty="0" smtClean="0">
-                <a:solidFill>
-                  <a:schemeClr val="tx1"/>
-                </a:solidFill>
-                <a:cs typeface="Arial" pitchFamily="34" charset="0"/>
-              </a:rPr>
-              <a:t>jemplo    </a:t>
-            </a:r>
-            <a:endParaRPr lang="es-CO" sz="900" dirty="0">
-              <a:solidFill>
-                <a:schemeClr val="tx1"/>
-              </a:solidFill>
-              <a:cs typeface="Arial" pitchFamily="34" charset="0"/>
-            </a:endParaRPr>
-          </a:p>
-        </p:txBody>
-      </p:sp>
-      <p:cxnSp>
-        <p:nvCxnSpPr>
-          <p:cNvPr id="420" name="419 Conector recto"/>
-          <p:cNvCxnSpPr>
-            <a:stCxn id="418" idx="2"/>
-            <a:endCxn id="419" idx="0"/>
-          </p:cNvCxnSpPr>
-          <p:nvPr/>
-        </p:nvCxnSpPr>
-        <p:spPr>
-          <a:xfrm>
-            <a:off x="5363135" y="7990257"/>
-            <a:ext cx="6436" cy="130363"/>
-          </a:xfrm>
-          <a:prstGeom prst="line">
-            <a:avLst/>
-          </a:prstGeom>
-          <a:ln w="12700">
-            <a:solidFill>
-              <a:schemeClr val="tx1"/>
-            </a:solidFill>
-          </a:ln>
-        </p:spPr>
-        <p:style>
-          <a:lnRef idx="1">
-            <a:schemeClr val="accent1"/>
-          </a:lnRef>
-          <a:fillRef idx="0">
-            <a:schemeClr val="accent1"/>
-          </a:fillRef>
-          <a:effectRef idx="0">
-            <a:schemeClr val="accent1"/>
-          </a:effectRef>
-          <a:fontRef idx="minor">
-            <a:schemeClr val="tx1"/>
-          </a:fontRef>
-        </p:style>
-      </p:cxnSp>
-      <p:cxnSp>
-        <p:nvCxnSpPr>
-          <p:cNvPr id="421" name="420 Conector recto"/>
-          <p:cNvCxnSpPr>
-            <a:stCxn id="419" idx="2"/>
-            <a:endCxn id="402" idx="0"/>
-          </p:cNvCxnSpPr>
-          <p:nvPr/>
-        </p:nvCxnSpPr>
-        <p:spPr>
-          <a:xfrm flipH="1">
-            <a:off x="5369568" y="8349838"/>
-            <a:ext cx="3" cy="148057"/>
-          </a:xfrm>
-          <a:prstGeom prst="line">
-            <a:avLst/>
-          </a:prstGeom>
-          <a:ln w="12700">
-            <a:solidFill>
-              <a:schemeClr val="tx1"/>
-            </a:solidFill>
-          </a:ln>
-        </p:spPr>
-        <p:style>
-          <a:lnRef idx="1">
-            <a:schemeClr val="accent1"/>
-          </a:lnRef>
-          <a:fillRef idx="0">
-            <a:schemeClr val="accent1"/>
-          </a:fillRef>
-          <a:effectRef idx="0">
-            <a:schemeClr val="accent1"/>
-          </a:effectRef>
-          <a:fontRef idx="minor">
-            <a:schemeClr val="tx1"/>
-          </a:fontRef>
-        </p:style>
-      </p:cxnSp>
       <p:cxnSp>
         <p:nvCxnSpPr>
           <p:cNvPr id="422" name="421 Conector recto"/>
@@ -7063,8 +5643,14 @@
                 </a:solidFill>
                 <a:cs typeface="Arial" pitchFamily="34" charset="0"/>
               </a:rPr>
-              <a:t>figura    </a:t>
-            </a:r>
+              <a:t>sólido   </a:t>
+            </a:r>
+            <a:endParaRPr lang="es-CO" sz="900" dirty="0" smtClean="0">
+              <a:solidFill>
+                <a:schemeClr val="tx1"/>
+              </a:solidFill>
+              <a:cs typeface="Arial" pitchFamily="34" charset="0"/>
+            </a:endParaRPr>
           </a:p>
         </p:txBody>
       </p:sp>
@@ -7144,13 +5730,49 @@
           <a:p>
             <a:pPr algn="ctr"/>
             <a:r>
-              <a:rPr lang="es-CO" sz="900" dirty="0" smtClean="0">
-                <a:solidFill>
-                  <a:schemeClr val="tx1"/>
-                </a:solidFill>
-                <a:cs typeface="Arial" pitchFamily="34" charset="0"/>
-              </a:rPr>
-              <a:t>Delimitado  por 2 circunferencias de diferente tamaño y una superficie curva     </a:t>
+              <a:rPr lang="es-CO" sz="900" dirty="0">
+                <a:solidFill>
+                  <a:schemeClr val="tx1"/>
+                </a:solidFill>
+                <a:cs typeface="Arial" pitchFamily="34" charset="0"/>
+              </a:rPr>
+              <a:t>d</a:t>
+            </a:r>
+            <a:r>
+              <a:rPr lang="es-CO" sz="900" dirty="0" smtClean="0">
+                <a:solidFill>
+                  <a:schemeClr val="tx1"/>
+                </a:solidFill>
+                <a:cs typeface="Arial" pitchFamily="34" charset="0"/>
+              </a:rPr>
+              <a:t>elimitado  </a:t>
+            </a:r>
+            <a:r>
+              <a:rPr lang="es-CO" sz="900" dirty="0" smtClean="0">
+                <a:solidFill>
+                  <a:schemeClr val="tx1"/>
+                </a:solidFill>
+                <a:cs typeface="Arial" pitchFamily="34" charset="0"/>
+              </a:rPr>
+              <a:t>por 2 </a:t>
+            </a:r>
+            <a:r>
+              <a:rPr lang="es-CO" sz="900" dirty="0" smtClean="0">
+                <a:solidFill>
+                  <a:schemeClr val="tx1"/>
+                </a:solidFill>
+                <a:cs typeface="Arial" pitchFamily="34" charset="0"/>
+              </a:rPr>
+              <a:t>circunferencias paralelas </a:t>
+            </a:r>
+            <a:r>
+              <a:rPr lang="es-CO" sz="900" dirty="0" smtClean="0">
+                <a:solidFill>
+                  <a:schemeClr val="tx1"/>
+                </a:solidFill>
+                <a:cs typeface="Arial" pitchFamily="34" charset="0"/>
+              </a:rPr>
+              <a:t>de diferente tamaño y una superficie curva     </a:t>
             </a:r>
           </a:p>
         </p:txBody>
@@ -7195,14 +5817,14 @@
       </p:cxnSp>
       <p:sp>
         <p:nvSpPr>
-          <p:cNvPr id="427" name="Rectángulo 35"/>
+          <p:cNvPr id="433" name="Rectángulo 35"/>
           <p:cNvSpPr/>
           <p:nvPr/>
         </p:nvSpPr>
         <p:spPr>
           <a:xfrm>
-            <a:off x="6139039" y="8120620"/>
-            <a:ext cx="881358" cy="229218"/>
+            <a:off x="7372350" y="6794369"/>
+            <a:ext cx="895350" cy="282707"/>
           </a:xfrm>
           <a:prstGeom prst="rect">
             <a:avLst/>
@@ -7231,166 +5853,41 @@
           <a:p>
             <a:pPr algn="ctr"/>
             <a:r>
-              <a:rPr lang="es-CO" sz="900" dirty="0">
-                <a:solidFill>
-                  <a:schemeClr val="tx1"/>
-                </a:solidFill>
-                <a:cs typeface="Arial" pitchFamily="34" charset="0"/>
-              </a:rPr>
-              <a:t>e</a:t>
-            </a:r>
-            <a:r>
-              <a:rPr lang="es-CO" sz="900" dirty="0" smtClean="0">
-                <a:solidFill>
-                  <a:schemeClr val="tx1"/>
-                </a:solidFill>
-                <a:cs typeface="Arial" pitchFamily="34" charset="0"/>
-              </a:rPr>
-              <a:t>jemplo    </a:t>
-            </a:r>
-            <a:endParaRPr lang="es-CO" sz="900" dirty="0">
+              <a:rPr lang="es-CO" sz="900" dirty="0" smtClean="0">
+                <a:solidFill>
+                  <a:schemeClr val="tx1"/>
+                </a:solidFill>
+                <a:cs typeface="Arial" pitchFamily="34" charset="0"/>
+              </a:rPr>
+              <a:t>es un </a:t>
+            </a:r>
+          </a:p>
+          <a:p>
+            <a:pPr algn="ctr"/>
+            <a:r>
+              <a:rPr lang="es-CO" sz="900" dirty="0" smtClean="0">
+                <a:solidFill>
+                  <a:schemeClr val="tx1"/>
+                </a:solidFill>
+                <a:cs typeface="Arial" pitchFamily="34" charset="0"/>
+              </a:rPr>
+              <a:t>sólido</a:t>
+            </a:r>
+            <a:r>
+              <a:rPr lang="es-CO" sz="900" dirty="0" smtClean="0">
+                <a:solidFill>
+                  <a:schemeClr val="tx1"/>
+                </a:solidFill>
+                <a:cs typeface="Arial" pitchFamily="34" charset="0"/>
+              </a:rPr>
+              <a:t>   </a:t>
+            </a:r>
+            <a:endParaRPr lang="es-CO" sz="900" dirty="0" smtClean="0">
               <a:solidFill>
                 <a:schemeClr val="tx1"/>
               </a:solidFill>
               <a:cs typeface="Arial" pitchFamily="34" charset="0"/>
             </a:endParaRPr>
-          </a:p>
-        </p:txBody>
-      </p:sp>
-      <p:cxnSp>
-        <p:nvCxnSpPr>
-          <p:cNvPr id="428" name="427 Conector recto"/>
-          <p:cNvCxnSpPr>
-            <a:stCxn id="425" idx="2"/>
-            <a:endCxn id="427" idx="0"/>
-          </p:cNvCxnSpPr>
-          <p:nvPr/>
-        </p:nvCxnSpPr>
-        <p:spPr>
-          <a:xfrm>
-            <a:off x="6573282" y="7980732"/>
-            <a:ext cx="6436" cy="139888"/>
-          </a:xfrm>
-          <a:prstGeom prst="line">
-            <a:avLst/>
-          </a:prstGeom>
-          <a:ln w="12700">
-            <a:solidFill>
-              <a:schemeClr val="tx1"/>
-            </a:solidFill>
-          </a:ln>
-        </p:spPr>
-        <p:style>
-          <a:lnRef idx="1">
-            <a:schemeClr val="accent1"/>
-          </a:lnRef>
-          <a:fillRef idx="0">
-            <a:schemeClr val="accent1"/>
-          </a:fillRef>
-          <a:effectRef idx="0">
-            <a:schemeClr val="accent1"/>
-          </a:effectRef>
-          <a:fontRef idx="minor">
-            <a:schemeClr val="tx1"/>
-          </a:fontRef>
-        </p:style>
-      </p:cxnSp>
-      <p:cxnSp>
-        <p:nvCxnSpPr>
-          <p:cNvPr id="429" name="428 Conector recto"/>
-          <p:cNvCxnSpPr>
-            <a:stCxn id="427" idx="2"/>
-            <a:endCxn id="405" idx="0"/>
-          </p:cNvCxnSpPr>
-          <p:nvPr/>
-        </p:nvCxnSpPr>
-        <p:spPr>
-          <a:xfrm>
-            <a:off x="6579718" y="8349838"/>
-            <a:ext cx="9522" cy="138532"/>
-          </a:xfrm>
-          <a:prstGeom prst="line">
-            <a:avLst/>
-          </a:prstGeom>
-          <a:ln w="12700">
-            <a:solidFill>
-              <a:schemeClr val="tx1"/>
-            </a:solidFill>
-          </a:ln>
-        </p:spPr>
-        <p:style>
-          <a:lnRef idx="1">
-            <a:schemeClr val="accent1"/>
-          </a:lnRef>
-          <a:fillRef idx="0">
-            <a:schemeClr val="accent1"/>
-          </a:fillRef>
-          <a:effectRef idx="0">
-            <a:schemeClr val="accent1"/>
-          </a:effectRef>
-          <a:fontRef idx="minor">
-            <a:schemeClr val="tx1"/>
-          </a:fontRef>
-        </p:style>
-      </p:cxnSp>
-      <p:sp>
-        <p:nvSpPr>
-          <p:cNvPr id="433" name="Rectángulo 35"/>
-          <p:cNvSpPr/>
-          <p:nvPr/>
-        </p:nvSpPr>
-        <p:spPr>
-          <a:xfrm>
-            <a:off x="7372350" y="6794369"/>
-            <a:ext cx="895350" cy="282707"/>
-          </a:xfrm>
-          <a:prstGeom prst="rect">
-            <a:avLst/>
-          </a:prstGeom>
-          <a:ln>
-            <a:noFill/>
-          </a:ln>
-        </p:spPr>
-        <p:style>
-          <a:lnRef idx="2">
-            <a:schemeClr val="dk1"/>
-          </a:lnRef>
-          <a:fillRef idx="1">
-            <a:schemeClr val="lt1"/>
-          </a:fillRef>
-          <a:effectRef idx="0">
-            <a:schemeClr val="dk1"/>
-          </a:effectRef>
-          <a:fontRef idx="minor">
-            <a:schemeClr val="dk1"/>
-          </a:fontRef>
-        </p:style>
-        <p:txBody>
-          <a:bodyPr lIns="105683" tIns="52841" rIns="105683" bIns="52841" rtlCol="0" anchor="ctr"/>
-          <a:lstStyle/>
-          <a:p>
-            <a:pPr algn="ctr"/>
-            <a:r>
-              <a:rPr lang="es-CO" sz="900" dirty="0" smtClean="0">
-                <a:solidFill>
-                  <a:schemeClr val="tx1"/>
-                </a:solidFill>
-                <a:cs typeface="Arial" pitchFamily="34" charset="0"/>
-              </a:rPr>
-              <a:t>es un </a:t>
-            </a:r>
-          </a:p>
-          <a:p>
-            <a:pPr algn="ctr"/>
-            <a:r>
-              <a:rPr lang="es-CO" sz="900" dirty="0" smtClean="0">
-                <a:solidFill>
-                  <a:schemeClr val="tx1"/>
-                </a:solidFill>
-                <a:cs typeface="Arial" pitchFamily="34" charset="0"/>
-              </a:rPr>
-              <a:t>figura    </a:t>
-            </a:r>
           </a:p>
         </p:txBody>
       </p:sp>
@@ -7476,26 +5973,32 @@
                 </a:solidFill>
                 <a:cs typeface="Arial" pitchFamily="34" charset="0"/>
               </a:rPr>
-              <a:t>Delimitado  por dos polígonos semejantes  paralelos  y n paralelogramos </a:t>
-            </a:r>
-            <a:r>
-              <a:rPr lang="es-CO" sz="900" dirty="0" err="1" smtClean="0">
-                <a:solidFill>
-                  <a:schemeClr val="tx1"/>
-                </a:solidFill>
-                <a:cs typeface="Arial" pitchFamily="34" charset="0"/>
-              </a:rPr>
-              <a:t>cingrunetes</a:t>
-            </a:r>
-            <a:r>
-              <a:rPr lang="es-CO" sz="900" dirty="0" smtClean="0">
-                <a:solidFill>
-                  <a:schemeClr val="tx1"/>
-                </a:solidFill>
-                <a:cs typeface="Arial" pitchFamily="34" charset="0"/>
-              </a:rPr>
-              <a:t>    </a:t>
-            </a:r>
+              <a:t>delimitado  </a:t>
+            </a:r>
+            <a:r>
+              <a:rPr lang="es-CO" sz="900" dirty="0" smtClean="0">
+                <a:solidFill>
+                  <a:schemeClr val="tx1"/>
+                </a:solidFill>
+                <a:cs typeface="Arial" pitchFamily="34" charset="0"/>
+              </a:rPr>
+              <a:t>por dos polígonos semejantes  paralelos  y n paralelogramos </a:t>
+            </a:r>
+            <a:r>
+              <a:rPr lang="es-CO" sz="900" dirty="0" smtClean="0">
+                <a:solidFill>
+                  <a:schemeClr val="tx1"/>
+                </a:solidFill>
+                <a:cs typeface="Arial" pitchFamily="34" charset="0"/>
+              </a:rPr>
+              <a:t>congruentes    </a:t>
+            </a:r>
+            <a:endParaRPr lang="es-CO" sz="900" dirty="0" smtClean="0">
+              <a:solidFill>
+                <a:schemeClr val="tx1"/>
+              </a:solidFill>
+              <a:cs typeface="Arial" pitchFamily="34" charset="0"/>
+            </a:endParaRPr>
           </a:p>
         </p:txBody>
       </p:sp>
@@ -7539,146 +6042,6 @@
       </p:cxnSp>
       <p:sp>
         <p:nvSpPr>
-          <p:cNvPr id="442" name="Rectángulo 35"/>
-          <p:cNvSpPr/>
-          <p:nvPr/>
-        </p:nvSpPr>
-        <p:spPr>
-          <a:xfrm>
-            <a:off x="7387286" y="8149195"/>
-            <a:ext cx="881358" cy="229218"/>
-          </a:xfrm>
-          <a:prstGeom prst="rect">
-            <a:avLst/>
-          </a:prstGeom>
-          <a:ln>
-            <a:noFill/>
-          </a:ln>
-        </p:spPr>
-        <p:style>
-          <a:lnRef idx="2">
-            <a:schemeClr val="dk1"/>
-          </a:lnRef>
-          <a:fillRef idx="1">
-            <a:schemeClr val="lt1"/>
-          </a:fillRef>
-          <a:effectRef idx="0">
-            <a:schemeClr val="dk1"/>
-          </a:effectRef>
-          <a:fontRef idx="minor">
-            <a:schemeClr val="dk1"/>
-          </a:fontRef>
-        </p:style>
-        <p:txBody>
-          <a:bodyPr lIns="105683" tIns="52841" rIns="105683" bIns="52841" rtlCol="0" anchor="ctr"/>
-          <a:lstStyle/>
-          <a:p>
-            <a:pPr algn="ctr"/>
-            <a:r>
-              <a:rPr lang="es-CO" sz="900" dirty="0">
-                <a:solidFill>
-                  <a:schemeClr val="tx1"/>
-                </a:solidFill>
-                <a:cs typeface="Arial" pitchFamily="34" charset="0"/>
-              </a:rPr>
-              <a:t>e</a:t>
-            </a:r>
-            <a:r>
-              <a:rPr lang="es-CO" sz="900" dirty="0" smtClean="0">
-                <a:solidFill>
-                  <a:schemeClr val="tx1"/>
-                </a:solidFill>
-                <a:cs typeface="Arial" pitchFamily="34" charset="0"/>
-              </a:rPr>
-              <a:t>jemplo    </a:t>
-            </a:r>
-            <a:endParaRPr lang="es-CO" sz="900" dirty="0">
-              <a:solidFill>
-                <a:schemeClr val="tx1"/>
-              </a:solidFill>
-              <a:cs typeface="Arial" pitchFamily="34" charset="0"/>
-            </a:endParaRPr>
-          </a:p>
-        </p:txBody>
-      </p:sp>
-      <p:cxnSp>
-        <p:nvCxnSpPr>
-          <p:cNvPr id="443" name="442 Conector recto"/>
-          <p:cNvCxnSpPr>
-            <a:stCxn id="442" idx="2"/>
-            <a:endCxn id="407" idx="0"/>
-          </p:cNvCxnSpPr>
-          <p:nvPr/>
-        </p:nvCxnSpPr>
-        <p:spPr>
-          <a:xfrm>
-            <a:off x="7827965" y="8378413"/>
-            <a:ext cx="9522" cy="129007"/>
-          </a:xfrm>
-          <a:prstGeom prst="line">
-            <a:avLst/>
-          </a:prstGeom>
-          <a:ln w="12700">
-            <a:solidFill>
-              <a:schemeClr val="tx1"/>
-            </a:solidFill>
-          </a:ln>
-        </p:spPr>
-        <p:style>
-          <a:lnRef idx="1">
-            <a:schemeClr val="accent1"/>
-          </a:lnRef>
-          <a:fillRef idx="0">
-            <a:schemeClr val="accent1"/>
-          </a:fillRef>
-          <a:effectRef idx="0">
-            <a:schemeClr val="accent1"/>
-          </a:effectRef>
-          <a:fontRef idx="minor">
-            <a:schemeClr val="tx1"/>
-          </a:fontRef>
-        </p:style>
-      </p:cxnSp>
-      <p:cxnSp>
-        <p:nvCxnSpPr>
-          <p:cNvPr id="444" name="443 Conector recto"/>
-          <p:cNvCxnSpPr>
-            <a:stCxn id="437" idx="2"/>
-            <a:endCxn id="442" idx="0"/>
-          </p:cNvCxnSpPr>
-          <p:nvPr/>
-        </p:nvCxnSpPr>
-        <p:spPr>
-          <a:xfrm>
-            <a:off x="7821529" y="7992308"/>
-            <a:ext cx="6436" cy="156887"/>
-          </a:xfrm>
-          <a:prstGeom prst="line">
-            <a:avLst/>
-          </a:prstGeom>
-          <a:ln w="12700">
-            <a:solidFill>
-              <a:schemeClr val="tx1"/>
-            </a:solidFill>
-          </a:ln>
-        </p:spPr>
-        <p:style>
-          <a:lnRef idx="1">
-            <a:schemeClr val="accent1"/>
-          </a:lnRef>
-          <a:fillRef idx="0">
-            <a:schemeClr val="accent1"/>
-          </a:fillRef>
-          <a:effectRef idx="0">
-            <a:schemeClr val="accent1"/>
-          </a:effectRef>
-          <a:fontRef idx="minor">
-            <a:schemeClr val="tx1"/>
-          </a:fontRef>
-        </p:style>
-      </p:cxnSp>
-      <p:sp>
-        <p:nvSpPr>
           <p:cNvPr id="450" name="Rectángulo 35"/>
           <p:cNvSpPr/>
           <p:nvPr/>
@@ -7993,16 +6356,7 @@
                 </a:solidFill>
                 <a:cs typeface="Arial" pitchFamily="34" charset="0"/>
               </a:rPr>
-              <a:t>e forman </a:t>
-            </a:r>
-            <a:r>
-              <a:rPr lang="es-CO" sz="900" dirty="0" smtClean="0">
-                <a:solidFill>
-                  <a:schemeClr val="tx1"/>
-                </a:solidFill>
-                <a:cs typeface="Arial" pitchFamily="34" charset="0"/>
-              </a:rPr>
-              <a:t>    </a:t>
+              <a:t>e forman     </a:t>
             </a:r>
             <a:endParaRPr lang="es-CO" sz="900" dirty="0">
               <a:solidFill>
@@ -8104,16 +6458,7 @@
                 </a:solidFill>
                 <a:cs typeface="Arial" pitchFamily="34" charset="0"/>
               </a:rPr>
-              <a:t>l resultado es </a:t>
-            </a:r>
-            <a:r>
-              <a:rPr lang="es-CO" sz="900" dirty="0" smtClean="0">
-                <a:solidFill>
-                  <a:schemeClr val="tx1"/>
-                </a:solidFill>
-                <a:cs typeface="Arial" pitchFamily="34" charset="0"/>
-              </a:rPr>
-              <a:t>     </a:t>
+              <a:t>l resultado es      </a:t>
             </a:r>
             <a:endParaRPr lang="es-CO" sz="900" dirty="0">
               <a:solidFill>
@@ -8253,16 +6598,25 @@
                 </a:solidFill>
                 <a:cs typeface="Arial" pitchFamily="34" charset="0"/>
               </a:rPr>
-              <a:t>apa que representa todo la tierra</a:t>
-            </a:r>
-            <a:r>
-              <a:rPr lang="es-CO" sz="900" dirty="0" smtClean="0">
-                <a:solidFill>
-                  <a:schemeClr val="tx1"/>
-                </a:solidFill>
-                <a:cs typeface="Arial" pitchFamily="34" charset="0"/>
-              </a:rPr>
-              <a:t> </a:t>
+              <a:t>apa que representa </a:t>
+            </a:r>
+            <a:r>
+              <a:rPr lang="es-CO" sz="900" dirty="0" smtClean="0">
+                <a:solidFill>
+                  <a:schemeClr val="tx1"/>
+                </a:solidFill>
+                <a:cs typeface="Arial" pitchFamily="34" charset="0"/>
+              </a:rPr>
+              <a:t>toda </a:t>
+            </a:r>
+            <a:r>
+              <a:rPr lang="es-CO" sz="900" dirty="0" smtClean="0">
+                <a:solidFill>
+                  <a:schemeClr val="tx1"/>
+                </a:solidFill>
+                <a:cs typeface="Arial" pitchFamily="34" charset="0"/>
+              </a:rPr>
+              <a:t>la tierra </a:t>
             </a:r>
             <a:endParaRPr lang="es-CO" sz="900" dirty="0">
               <a:solidFill>
@@ -8419,16 +6773,7 @@
                 </a:solidFill>
                 <a:cs typeface="Arial" pitchFamily="34" charset="0"/>
               </a:rPr>
-              <a:t>e forman </a:t>
-            </a:r>
-            <a:r>
-              <a:rPr lang="es-CO" sz="900" dirty="0" smtClean="0">
-                <a:solidFill>
-                  <a:schemeClr val="tx1"/>
-                </a:solidFill>
-                <a:cs typeface="Arial" pitchFamily="34" charset="0"/>
-              </a:rPr>
-              <a:t>    </a:t>
+              <a:t>e forman     </a:t>
             </a:r>
             <a:endParaRPr lang="es-CO" sz="900" dirty="0">
               <a:solidFill>
@@ -8530,16 +6875,7 @@
                 </a:solidFill>
                 <a:cs typeface="Arial" pitchFamily="34" charset="0"/>
               </a:rPr>
-              <a:t>l resultado es </a:t>
-            </a:r>
-            <a:r>
-              <a:rPr lang="es-CO" sz="900" dirty="0" smtClean="0">
-                <a:solidFill>
-                  <a:schemeClr val="tx1"/>
-                </a:solidFill>
-                <a:cs typeface="Arial" pitchFamily="34" charset="0"/>
-              </a:rPr>
-              <a:t>     </a:t>
+              <a:t>l resultado es      </a:t>
             </a:r>
             <a:endParaRPr lang="es-CO" sz="900" dirty="0">
               <a:solidFill>
@@ -8679,16 +7015,7 @@
                 </a:solidFill>
                 <a:cs typeface="Arial" pitchFamily="34" charset="0"/>
               </a:rPr>
-              <a:t>apa que representa una  parte de la tierra</a:t>
-            </a:r>
-            <a:r>
-              <a:rPr lang="es-CO" sz="900" dirty="0" smtClean="0">
-                <a:solidFill>
-                  <a:schemeClr val="tx1"/>
-                </a:solidFill>
-                <a:cs typeface="Arial" pitchFamily="34" charset="0"/>
-              </a:rPr>
-              <a:t> </a:t>
+              <a:t>apa que representa una  parte de la tierra </a:t>
             </a:r>
             <a:endParaRPr lang="es-CO" sz="900" dirty="0">
               <a:solidFill>
@@ -8845,16 +7172,7 @@
                 </a:solidFill>
                 <a:cs typeface="Arial" pitchFamily="34" charset="0"/>
               </a:rPr>
-              <a:t>e forman </a:t>
-            </a:r>
-            <a:r>
-              <a:rPr lang="es-CO" sz="900" dirty="0" smtClean="0">
-                <a:solidFill>
-                  <a:schemeClr val="tx1"/>
-                </a:solidFill>
-                <a:cs typeface="Arial" pitchFamily="34" charset="0"/>
-              </a:rPr>
-              <a:t>    </a:t>
+              <a:t>e forman     </a:t>
             </a:r>
             <a:endParaRPr lang="es-CO" sz="900" dirty="0">
               <a:solidFill>
@@ -8955,16 +7273,7 @@
                 </a:solidFill>
                 <a:cs typeface="Arial" pitchFamily="34" charset="0"/>
               </a:rPr>
-              <a:t>l resultado es </a:t>
-            </a:r>
-            <a:r>
-              <a:rPr lang="es-CO" sz="900" dirty="0" smtClean="0">
-                <a:solidFill>
-                  <a:schemeClr val="tx1"/>
-                </a:solidFill>
-                <a:cs typeface="Arial" pitchFamily="34" charset="0"/>
-              </a:rPr>
-              <a:t>     </a:t>
+              <a:t>l resultado es      </a:t>
             </a:r>
             <a:endParaRPr lang="es-CO" sz="900" dirty="0">
               <a:solidFill>
@@ -9104,16 +7413,7 @@
                 </a:solidFill>
                 <a:cs typeface="Arial" pitchFamily="34" charset="0"/>
               </a:rPr>
-              <a:t>apa que representa una parte de la tierra</a:t>
-            </a:r>
-            <a:r>
-              <a:rPr lang="es-CO" sz="900" dirty="0" smtClean="0">
-                <a:solidFill>
-                  <a:schemeClr val="tx1"/>
-                </a:solidFill>
-                <a:cs typeface="Arial" pitchFamily="34" charset="0"/>
-              </a:rPr>
-              <a:t> </a:t>
+              <a:t>apa que representa una parte de la tierra </a:t>
             </a:r>
             <a:endParaRPr lang="es-CO" sz="900" dirty="0">
               <a:solidFill>

--- a/fuentes/contenidos/grado09/guion11/mapa tema 11.pptx
+++ b/fuentes/contenidos/grado09/guion11/mapa tema 11.pptx
@@ -406,7 +406,7 @@
             <a:fld id="{5001C876-01F7-4317-94B9-1AE222133113}" type="datetimeFigureOut">
               <a:rPr lang="es-ES" smtClean="0"/>
               <a:pPr/>
-              <a:t>30/03/2016</a:t>
+              <a:t>12/04/2016</a:t>
             </a:fld>
             <a:endParaRPr lang="es-ES"/>
           </a:p>
@@ -590,16 +590,12 @@
           <a:p>
             <a:pPr algn="ctr"/>
             <a:r>
-              <a:rPr lang="es-ES" sz="1400" dirty="0" smtClean="0">
+              <a:rPr lang="es-ES" sz="1400" dirty="0">
                 <a:latin typeface="Arial" panose="020B0604020202020204" pitchFamily="34" charset="0"/>
                 <a:cs typeface="Arial" panose="020B0604020202020204" pitchFamily="34" charset="0"/>
               </a:rPr>
-              <a:t>© Editorial Planeta Colombiana S.A., 2015.</a:t>
-            </a:r>
-            <a:endParaRPr lang="es-ES" sz="1400" dirty="0">
-              <a:latin typeface="Arial" panose="020B0604020202020204" pitchFamily="34" charset="0"/>
-              <a:cs typeface="Arial" panose="020B0604020202020204" pitchFamily="34" charset="0"/>
-            </a:endParaRPr>
+              <a:t>© Editorial Planeta Colombiana S.A., 2016.</a:t>
+            </a:r>
           </a:p>
         </p:txBody>
       </p:sp>
@@ -962,7 +958,7 @@
         </p:nvSpPr>
         <p:spPr>
           <a:xfrm>
-            <a:off x="4716774" y="76935"/>
+            <a:off x="5561728" y="76935"/>
             <a:ext cx="4216725" cy="1117956"/>
           </a:xfrm>
           <a:prstGeom prst="rect">
@@ -989,29 +985,14 @@
           <a:p>
             <a:pPr algn="ctr"/>
             <a:r>
-              <a:rPr lang="es-CO" sz="1900" b="1" dirty="0" smtClean="0">
+              <a:rPr lang="es-CO" sz="1900" b="1" dirty="0">
                 <a:solidFill>
                   <a:schemeClr val="tx1"/>
                 </a:solidFill>
                 <a:cs typeface="Arial" pitchFamily="34" charset="0"/>
               </a:rPr>
-              <a:t>Los cuerpos </a:t>
-            </a:r>
-            <a:r>
-              <a:rPr lang="es-CO" sz="1900" b="1" dirty="0" smtClean="0">
-                <a:solidFill>
-                  <a:schemeClr val="tx1"/>
-                </a:solidFill>
-                <a:cs typeface="Arial" pitchFamily="34" charset="0"/>
-              </a:rPr>
-              <a:t>geométricos   </a:t>
-            </a:r>
-            <a:endParaRPr lang="es-CO" sz="1900" b="1" dirty="0">
-              <a:solidFill>
-                <a:schemeClr val="tx1"/>
-              </a:solidFill>
-              <a:cs typeface="Arial" pitchFamily="34" charset="0"/>
-            </a:endParaRPr>
+              <a:t>Los cuerpos geométricos   </a:t>
+            </a:r>
           </a:p>
         </p:txBody>
       </p:sp>
@@ -1023,7 +1004,7 @@
         </p:nvSpPr>
         <p:spPr>
           <a:xfrm>
-            <a:off x="2928941" y="1706998"/>
+            <a:off x="4033841" y="1695423"/>
             <a:ext cx="1473211" cy="1046160"/>
           </a:xfrm>
           <a:prstGeom prst="rect">
@@ -1059,23 +1040,8 @@
                 </a:solidFill>
                 <a:cs typeface="Arial" pitchFamily="34" charset="0"/>
               </a:rPr>
-              <a:t>T</a:t>
-            </a:r>
-            <a:r>
-              <a:rPr lang="es-CO" sz="1400" b="1" dirty="0" smtClean="0">
-                <a:solidFill>
-                  <a:schemeClr val="tx1"/>
-                </a:solidFill>
-                <a:cs typeface="Arial" pitchFamily="34" charset="0"/>
-              </a:rPr>
-              <a:t>ridimensionales</a:t>
-            </a:r>
-            <a:endParaRPr lang="es-CO" sz="1400" b="1" dirty="0">
-              <a:solidFill>
-                <a:schemeClr val="tx1"/>
-              </a:solidFill>
-              <a:cs typeface="Arial" pitchFamily="34" charset="0"/>
-            </a:endParaRPr>
+              <a:t>Tridimensionales</a:t>
+            </a:r>
           </a:p>
         </p:txBody>
       </p:sp>
@@ -1087,7 +1053,7 @@
         </p:nvSpPr>
         <p:spPr>
           <a:xfrm>
-            <a:off x="3110308" y="1414697"/>
+            <a:off x="4222828" y="1403122"/>
             <a:ext cx="1095738" cy="156962"/>
           </a:xfrm>
           <a:prstGeom prst="rect">
@@ -1123,23 +1089,8 @@
                 </a:solidFill>
                 <a:cs typeface="Arial" pitchFamily="34" charset="0"/>
               </a:rPr>
-              <a:t>s</a:t>
-            </a:r>
-            <a:r>
-              <a:rPr lang="es-CO" sz="900" dirty="0" smtClean="0">
-                <a:solidFill>
-                  <a:schemeClr val="tx1"/>
-                </a:solidFill>
-                <a:cs typeface="Arial" pitchFamily="34" charset="0"/>
-              </a:rPr>
-              <a:t>on    </a:t>
-            </a:r>
-            <a:endParaRPr lang="es-CO" sz="900" dirty="0">
-              <a:solidFill>
-                <a:schemeClr val="tx1"/>
-              </a:solidFill>
-              <a:cs typeface="Arial" pitchFamily="34" charset="0"/>
-            </a:endParaRPr>
+              <a:t>son    </a:t>
+            </a:r>
           </a:p>
         </p:txBody>
       </p:sp>
@@ -1151,7 +1102,7 @@
         </p:nvSpPr>
         <p:spPr>
           <a:xfrm>
-            <a:off x="1223937" y="3401416"/>
+            <a:off x="1178217" y="3389841"/>
             <a:ext cx="1220990" cy="740032"/>
           </a:xfrm>
           <a:prstGeom prst="rect">
@@ -1183,20 +1134,12 @@
           <a:p>
             <a:pPr algn="ctr"/>
             <a:r>
-              <a:rPr lang="es-ES_tradnl" sz="1050" dirty="0" smtClean="0">
+              <a:rPr lang="es-ES_tradnl" sz="1050" dirty="0">
                 <a:solidFill>
                   <a:schemeClr val="bg1"/>
                 </a:solidFill>
               </a:rPr>
-              <a:t>Cuerpos </a:t>
-            </a:r>
-            <a:r>
-              <a:rPr lang="es-ES_tradnl" sz="1050" dirty="0" smtClean="0">
-                <a:solidFill>
-                  <a:schemeClr val="bg1"/>
-                </a:solidFill>
-              </a:rPr>
-              <a:t>redondos </a:t>
+              <a:t>cuerpos redondos </a:t>
             </a:r>
             <a:endParaRPr lang="es-CO" sz="1050" i="1" dirty="0">
               <a:solidFill>
@@ -1218,8 +1161,8 @@
         </p:nvCxnSpPr>
         <p:spPr>
           <a:xfrm rot="5400000">
-            <a:off x="5131754" y="-278686"/>
-            <a:ext cx="219806" cy="3166960"/>
+            <a:off x="6116279" y="-150691"/>
+            <a:ext cx="208231" cy="2899394"/>
           </a:xfrm>
           <a:prstGeom prst="bentConnector3">
             <a:avLst>
@@ -1258,8 +1201,8 @@
         </p:nvCxnSpPr>
         <p:spPr>
           <a:xfrm rot="16200000" flipH="1">
-            <a:off x="8298635" y="-278608"/>
-            <a:ext cx="201743" cy="3148739"/>
+            <a:off x="9045206" y="-180224"/>
+            <a:ext cx="201743" cy="2951972"/>
           </a:xfrm>
           <a:prstGeom prst="bentConnector3">
             <a:avLst>
@@ -1295,7 +1238,7 @@
         </p:nvSpPr>
         <p:spPr>
           <a:xfrm>
-            <a:off x="5477747" y="4833897"/>
+            <a:off x="6597887" y="4833897"/>
             <a:ext cx="1197786" cy="695156"/>
           </a:xfrm>
           <a:prstGeom prst="rect">
@@ -1327,7 +1270,7 @@
           <a:p>
             <a:pPr algn="ctr"/>
             <a:r>
-              <a:rPr lang="es-CO" sz="900" dirty="0" smtClean="0">
+              <a:rPr lang="es-CO" sz="900" dirty="0">
                 <a:solidFill>
                   <a:schemeClr val="tx1"/>
                 </a:solidFill>
@@ -1352,7 +1295,7 @@
         </p:nvSpPr>
         <p:spPr>
           <a:xfrm>
-            <a:off x="9434010" y="3011147"/>
+            <a:off x="10082197" y="3011147"/>
             <a:ext cx="1095738" cy="248687"/>
           </a:xfrm>
           <a:prstGeom prst="rect">
@@ -1382,7 +1325,7 @@
           <a:p>
             <a:pPr algn="ctr"/>
             <a:r>
-              <a:rPr lang="es-CO" sz="900" dirty="0" smtClean="0">
+              <a:rPr lang="es-CO" sz="900" dirty="0">
                 <a:solidFill>
                   <a:schemeClr val="tx1"/>
                 </a:solidFill>
@@ -1390,12 +1333,6 @@
               </a:rPr>
               <a:t>se define como</a:t>
             </a:r>
-            <a:endParaRPr lang="es-CO" sz="900" dirty="0">
-              <a:solidFill>
-                <a:schemeClr val="tx1"/>
-              </a:solidFill>
-              <a:cs typeface="Arial" pitchFamily="34" charset="0"/>
-            </a:endParaRPr>
           </a:p>
         </p:txBody>
       </p:sp>
@@ -1410,7 +1347,7 @@
         </p:nvCxnSpPr>
         <p:spPr>
           <a:xfrm>
-            <a:off x="9977656" y="2887127"/>
+            <a:off x="10625843" y="2887127"/>
             <a:ext cx="4223" cy="124020"/>
           </a:xfrm>
           <a:prstGeom prst="line">
@@ -1448,7 +1385,7 @@
         </p:nvCxnSpPr>
         <p:spPr>
           <a:xfrm>
-            <a:off x="9991981" y="4668852"/>
+            <a:off x="10640168" y="4668852"/>
             <a:ext cx="4367" cy="191533"/>
           </a:xfrm>
           <a:prstGeom prst="line">
@@ -1483,7 +1420,7 @@
         </p:nvSpPr>
         <p:spPr>
           <a:xfrm>
-            <a:off x="1242291" y="4767977"/>
+            <a:off x="1196571" y="4767977"/>
             <a:ext cx="1197786" cy="695156"/>
           </a:xfrm>
           <a:prstGeom prst="rect">
@@ -1515,22 +1452,13 @@
           <a:p>
             <a:pPr algn="ctr"/>
             <a:r>
-              <a:rPr lang="es-CO" sz="900" dirty="0" smtClean="0">
+              <a:rPr lang="es-CO" sz="900" dirty="0">
                 <a:solidFill>
                   <a:schemeClr val="tx1"/>
                 </a:solidFill>
                 <a:cs typeface="Arial" pitchFamily="34" charset="0"/>
               </a:rPr>
-              <a:t>Al menos </a:t>
-            </a:r>
-            <a:r>
-              <a:rPr lang="es-CO" sz="900" dirty="0" smtClean="0">
-                <a:solidFill>
-                  <a:schemeClr val="tx1"/>
-                </a:solidFill>
-                <a:cs typeface="Arial" pitchFamily="34" charset="0"/>
-              </a:rPr>
-              <a:t>una de sus caras es de forma curva  </a:t>
+              <a:t>al menos una de sus caras es de forma curva  </a:t>
             </a:r>
             <a:endParaRPr lang="es-CO" sz="900" b="1" dirty="0">
               <a:solidFill>
@@ -1588,7 +1516,7 @@
         </p:nvSpPr>
         <p:spPr bwMode="auto">
           <a:xfrm>
-            <a:off x="6748172" y="815425"/>
+            <a:off x="7593126" y="815425"/>
             <a:ext cx="184731" cy="369332"/>
           </a:xfrm>
           <a:prstGeom prst="rect">
@@ -1630,7 +1558,7 @@
                 <a:tab pos="5395913" algn="r"/>
               </a:tabLst>
             </a:pPr>
-            <a:endParaRPr kumimoji="0" lang="es-ES" sz="1800" b="0" i="0" u="none" strike="noStrike" cap="none" normalizeH="0" baseline="0" dirty="0" smtClean="0">
+            <a:endParaRPr kumimoji="0" lang="es-ES" sz="1800" b="0" i="0" u="none" strike="noStrike" cap="none" normalizeH="0" baseline="0" dirty="0">
               <a:ln>
                 <a:noFill/>
               </a:ln>
@@ -1651,7 +1579,7 @@
         </p:nvSpPr>
         <p:spPr>
           <a:xfrm>
-            <a:off x="1290335" y="5569770"/>
+            <a:off x="1244615" y="5569770"/>
             <a:ext cx="1095738" cy="370617"/>
           </a:xfrm>
           <a:prstGeom prst="rect">
@@ -1681,29 +1609,14 @@
           <a:p>
             <a:pPr algn="ctr"/>
             <a:r>
-              <a:rPr lang="es-CO" sz="900" dirty="0" smtClean="0">
+              <a:rPr lang="es-CO" sz="900" dirty="0">
                 <a:solidFill>
                   <a:schemeClr val="tx1"/>
                 </a:solidFill>
                 <a:cs typeface="Arial" pitchFamily="34" charset="0"/>
               </a:rPr>
-              <a:t> </a:t>
-            </a:r>
-            <a:r>
-              <a:rPr lang="es-CO" sz="900" dirty="0" smtClean="0">
-                <a:solidFill>
-                  <a:schemeClr val="tx1"/>
-                </a:solidFill>
-                <a:cs typeface="Arial" pitchFamily="34" charset="0"/>
-              </a:rPr>
-              <a:t>se destacan   </a:t>
-            </a:r>
-            <a:endParaRPr lang="es-CO" sz="900" dirty="0">
-              <a:solidFill>
-                <a:schemeClr val="tx1"/>
-              </a:solidFill>
-              <a:cs typeface="Arial" pitchFamily="34" charset="0"/>
-            </a:endParaRPr>
+              <a:t> se destacan   </a:t>
+            </a:r>
           </a:p>
         </p:txBody>
       </p:sp>
@@ -1718,7 +1631,7 @@
         </p:nvCxnSpPr>
         <p:spPr>
           <a:xfrm flipH="1">
-            <a:off x="1838204" y="5463133"/>
+            <a:off x="1792484" y="5463133"/>
             <a:ext cx="2980" cy="106637"/>
           </a:xfrm>
           <a:prstGeom prst="line">
@@ -1782,7 +1695,7 @@
           <a:lstStyle/>
           <a:p>
             <a:r>
-              <a:rPr lang="es-ES" sz="900" dirty="0" smtClean="0">
+              <a:rPr lang="es-ES" sz="900" dirty="0">
                 <a:solidFill>
                   <a:schemeClr val="tx1"/>
                 </a:solidFill>
@@ -1793,12 +1706,12 @@
           <a:p>
             <a:pPr algn="ctr"/>
             <a:r>
-              <a:rPr lang="es-ES" sz="900" dirty="0" smtClean="0">
-                <a:solidFill>
-                  <a:schemeClr val="tx1"/>
-                </a:solidFill>
-              </a:rPr>
-              <a:t>Cilindro  </a:t>
+              <a:rPr lang="es-ES" sz="900" dirty="0">
+                <a:solidFill>
+                  <a:schemeClr val="tx1"/>
+                </a:solidFill>
+              </a:rPr>
+              <a:t>cilindro  </a:t>
             </a:r>
           </a:p>
           <a:p>
@@ -1856,25 +1769,7 @@
                 </a:solidFill>
                 <a:cs typeface="Arial" pitchFamily="34" charset="0"/>
               </a:rPr>
-              <a:t>d</a:t>
-            </a:r>
-            <a:r>
-              <a:rPr lang="es-CO" sz="900" dirty="0" smtClean="0">
-                <a:solidFill>
-                  <a:schemeClr val="tx1"/>
-                </a:solidFill>
-                <a:cs typeface="Arial" pitchFamily="34" charset="0"/>
-              </a:rPr>
-              <a:t>elimitado </a:t>
-            </a:r>
-            <a:r>
-              <a:rPr lang="es-CO" sz="900" dirty="0" smtClean="0">
-                <a:solidFill>
-                  <a:schemeClr val="tx1"/>
-                </a:solidFill>
-                <a:cs typeface="Arial" pitchFamily="34" charset="0"/>
-              </a:rPr>
-              <a:t>por  2 circunferencias congruentes y una superficie curva  cerrada  </a:t>
+              <a:t>delimitado por  2 circunferencias congruentes y una superficie curva  cerrada  </a:t>
             </a:r>
           </a:p>
         </p:txBody>
@@ -1925,7 +1820,7 @@
         </p:nvSpPr>
         <p:spPr>
           <a:xfrm>
-            <a:off x="3552638" y="4821704"/>
+            <a:off x="4169858" y="4821704"/>
             <a:ext cx="1197786" cy="695156"/>
           </a:xfrm>
           <a:prstGeom prst="rect">
@@ -1963,16 +1858,7 @@
                 </a:solidFill>
                 <a:cs typeface="Arial" pitchFamily="34" charset="0"/>
               </a:rPr>
-              <a:t>t</a:t>
-            </a:r>
-            <a:r>
-              <a:rPr lang="es-CO" sz="900" dirty="0" smtClean="0">
-                <a:solidFill>
-                  <a:schemeClr val="tx1"/>
-                </a:solidFill>
-                <a:cs typeface="Arial" pitchFamily="34" charset="0"/>
-              </a:rPr>
-              <a:t>odas sus caras son polígonos  </a:t>
+              <a:t>todas sus caras son polígonos  </a:t>
             </a:r>
             <a:endParaRPr lang="es-CO" sz="900" b="1" dirty="0">
               <a:solidFill>
@@ -1991,7 +1877,7 @@
         </p:nvSpPr>
         <p:spPr>
           <a:xfrm>
-            <a:off x="9444112" y="4412750"/>
+            <a:off x="10092299" y="4412750"/>
             <a:ext cx="1095738" cy="256102"/>
           </a:xfrm>
           <a:prstGeom prst="rect">
@@ -2027,32 +1913,8 @@
                 </a:solidFill>
                 <a:cs typeface="Arial" pitchFamily="34" charset="0"/>
               </a:rPr>
-              <a:t>p</a:t>
-            </a:r>
-            <a:r>
-              <a:rPr lang="es-CO" sz="900" dirty="0" smtClean="0">
-                <a:solidFill>
-                  <a:schemeClr val="tx1"/>
-                </a:solidFill>
-                <a:cs typeface="Arial" pitchFamily="34" charset="0"/>
-              </a:rPr>
-              <a:t>or </a:t>
-            </a:r>
-            <a:r>
-              <a:rPr lang="es-CO" sz="900" dirty="0" smtClean="0">
-                <a:solidFill>
-                  <a:schemeClr val="tx1"/>
-                </a:solidFill>
-                <a:cs typeface="Arial" pitchFamily="34" charset="0"/>
-              </a:rPr>
-              <a:t>medio de las  </a:t>
-            </a:r>
-            <a:endParaRPr lang="es-CO" sz="900" dirty="0">
-              <a:solidFill>
-                <a:schemeClr val="tx1"/>
-              </a:solidFill>
-              <a:cs typeface="Arial" pitchFamily="34" charset="0"/>
-            </a:endParaRPr>
+              <a:t>por medio de las  </a:t>
+            </a:r>
           </a:p>
         </p:txBody>
       </p:sp>
@@ -2067,7 +1929,7 @@
         </p:nvCxnSpPr>
         <p:spPr>
           <a:xfrm flipH="1" flipV="1">
-            <a:off x="9982649" y="4203168"/>
+            <a:off x="10630836" y="4203168"/>
             <a:ext cx="9332" cy="209582"/>
           </a:xfrm>
           <a:prstGeom prst="line">
@@ -2102,7 +1964,7 @@
         </p:nvSpPr>
         <p:spPr>
           <a:xfrm>
-            <a:off x="9397455" y="4860385"/>
+            <a:off x="10045642" y="4860385"/>
             <a:ext cx="1197786" cy="695156"/>
           </a:xfrm>
           <a:prstGeom prst="rect">
@@ -2134,13 +1996,13 @@
           <a:p>
             <a:pPr algn="ctr"/>
             <a:r>
-              <a:rPr lang="es-CO" sz="900" dirty="0" smtClean="0">
+              <a:rPr lang="es-CO" sz="900" dirty="0">
                 <a:solidFill>
                   <a:schemeClr val="tx1"/>
                 </a:solidFill>
                 <a:cs typeface="Arial" pitchFamily="34" charset="0"/>
               </a:rPr>
-              <a:t>Proyecciones cartográficas </a:t>
+              <a:t>proyecciones cartográficas </a:t>
             </a:r>
             <a:endParaRPr lang="es-CO" sz="900" b="1" dirty="0">
               <a:solidFill>
@@ -2159,7 +2021,7 @@
         </p:nvSpPr>
         <p:spPr>
           <a:xfrm>
-            <a:off x="9453165" y="5747074"/>
+            <a:off x="10101352" y="5747074"/>
             <a:ext cx="1095738" cy="256102"/>
           </a:xfrm>
           <a:prstGeom prst="rect">
@@ -2195,23 +2057,8 @@
                 </a:solidFill>
                 <a:cs typeface="Arial" pitchFamily="34" charset="0"/>
               </a:rPr>
-              <a:t>e</a:t>
-            </a:r>
-            <a:r>
-              <a:rPr lang="es-CO" sz="900" dirty="0" smtClean="0">
-                <a:solidFill>
-                  <a:schemeClr val="tx1"/>
-                </a:solidFill>
-                <a:cs typeface="Arial" pitchFamily="34" charset="0"/>
-              </a:rPr>
-              <a:t>ntendidas como     </a:t>
-            </a:r>
-            <a:endParaRPr lang="es-CO" sz="900" dirty="0">
-              <a:solidFill>
-                <a:schemeClr val="tx1"/>
-              </a:solidFill>
-              <a:cs typeface="Arial" pitchFamily="34" charset="0"/>
-            </a:endParaRPr>
+              <a:t>entendidas como     </a:t>
+            </a:r>
           </a:p>
         </p:txBody>
       </p:sp>
@@ -2223,7 +2070,7 @@
         </p:nvSpPr>
         <p:spPr>
           <a:xfrm>
-            <a:off x="9368691" y="6164105"/>
+            <a:off x="10016878" y="6164105"/>
             <a:ext cx="1260000" cy="825594"/>
           </a:xfrm>
           <a:prstGeom prst="rect">
@@ -2251,33 +2098,10 @@
           <a:bodyPr lIns="105683" tIns="52841" rIns="105683" bIns="52841" rtlCol="0" anchor="ctr"/>
           <a:lstStyle/>
           <a:p>
-            <a:r>
-              <a:rPr lang="es-ES_tradnl" sz="900" dirty="0" smtClean="0"/>
-              <a:t> </a:t>
-            </a:r>
+            <a:pPr algn="ctr"/>
             <a:r>
               <a:rPr lang="es-ES_tradnl" sz="900" dirty="0"/>
-              <a:t>técnicas que </a:t>
-            </a:r>
-            <a:r>
-              <a:rPr lang="es-ES_tradnl" sz="900" dirty="0" smtClean="0"/>
-              <a:t>permiten </a:t>
-            </a:r>
-            <a:r>
-              <a:rPr lang="es-ES_tradnl" sz="900" dirty="0"/>
-              <a:t>representar la superficie </a:t>
-            </a:r>
-            <a:r>
-              <a:rPr lang="es-ES_tradnl" sz="900" dirty="0" smtClean="0"/>
-              <a:t>de </a:t>
-            </a:r>
-            <a:r>
-              <a:rPr lang="es-ES_tradnl" sz="900" dirty="0"/>
-              <a:t>la </a:t>
-            </a:r>
-            <a:r>
-              <a:rPr lang="es-ES_tradnl" sz="900" dirty="0" smtClean="0"/>
-              <a:t>tierra o parte de ella en  mapas .</a:t>
+              <a:t> técnicas que permiten representar la superficie de la tierra o parte de ella en  mapas</a:t>
             </a:r>
             <a:endParaRPr lang="es-CO" sz="900" dirty="0">
               <a:solidFill>
@@ -2299,7 +2123,7 @@
         </p:nvCxnSpPr>
         <p:spPr>
           <a:xfrm>
-            <a:off x="9996348" y="5555541"/>
+            <a:off x="10644535" y="5555541"/>
             <a:ext cx="4686" cy="191533"/>
           </a:xfrm>
           <a:prstGeom prst="line">
@@ -2337,7 +2161,7 @@
         </p:nvCxnSpPr>
         <p:spPr>
           <a:xfrm flipH="1">
-            <a:off x="9998691" y="6003176"/>
+            <a:off x="10646878" y="6003176"/>
             <a:ext cx="2343" cy="160929"/>
           </a:xfrm>
           <a:prstGeom prst="line">
@@ -2372,7 +2196,7 @@
         </p:nvSpPr>
         <p:spPr>
           <a:xfrm>
-            <a:off x="8497126" y="7818800"/>
+            <a:off x="8647601" y="7818800"/>
             <a:ext cx="895445" cy="583387"/>
           </a:xfrm>
           <a:prstGeom prst="rect">
@@ -2402,7 +2226,7 @@
           <a:p>
             <a:pPr algn="ctr"/>
             <a:r>
-              <a:rPr lang="es-CO" sz="900" dirty="0" smtClean="0">
+              <a:rPr lang="es-CO" sz="900" dirty="0">
                 <a:solidFill>
                   <a:schemeClr val="tx1"/>
                 </a:solidFill>
@@ -2410,12 +2234,6 @@
               </a:rPr>
               <a:t> proyecciones cilíndricas  </a:t>
             </a:r>
-            <a:endParaRPr lang="es-CO" sz="900" dirty="0">
-              <a:solidFill>
-                <a:schemeClr val="tx1"/>
-              </a:solidFill>
-              <a:cs typeface="Arial" pitchFamily="34" charset="0"/>
-            </a:endParaRPr>
           </a:p>
         </p:txBody>
       </p:sp>
@@ -2463,23 +2281,8 @@
                 </a:solidFill>
                 <a:cs typeface="Arial" pitchFamily="34" charset="0"/>
               </a:rPr>
-              <a:t>p</a:t>
-            </a:r>
-            <a:r>
-              <a:rPr lang="es-CO" sz="900" dirty="0" smtClean="0">
-                <a:solidFill>
-                  <a:schemeClr val="tx1"/>
-                </a:solidFill>
-                <a:cs typeface="Arial" pitchFamily="34" charset="0"/>
-              </a:rPr>
-              <a:t>royecciones cónicas  </a:t>
-            </a:r>
-            <a:endParaRPr lang="es-CO" sz="900" dirty="0">
-              <a:solidFill>
-                <a:schemeClr val="tx1"/>
-              </a:solidFill>
-              <a:cs typeface="Arial" pitchFamily="34" charset="0"/>
-            </a:endParaRPr>
+              <a:t>proyecciones cónicas  </a:t>
+            </a:r>
           </a:p>
         </p:txBody>
       </p:sp>
@@ -2491,7 +2294,7 @@
         </p:nvSpPr>
         <p:spPr>
           <a:xfrm>
-            <a:off x="11986158" y="7820711"/>
+            <a:off x="11766233" y="7820711"/>
             <a:ext cx="895445" cy="583387"/>
           </a:xfrm>
           <a:prstGeom prst="rect">
@@ -2527,23 +2330,8 @@
                 </a:solidFill>
                 <a:cs typeface="Arial" pitchFamily="34" charset="0"/>
               </a:rPr>
-              <a:t>p</a:t>
-            </a:r>
-            <a:r>
-              <a:rPr lang="es-CO" sz="900" dirty="0" smtClean="0">
-                <a:solidFill>
-                  <a:schemeClr val="tx1"/>
-                </a:solidFill>
-                <a:cs typeface="Arial" pitchFamily="34" charset="0"/>
-              </a:rPr>
-              <a:t>royecciones  acimutales   </a:t>
-            </a:r>
-            <a:endParaRPr lang="es-CO" sz="900" dirty="0">
-              <a:solidFill>
-                <a:schemeClr val="tx1"/>
-              </a:solidFill>
-              <a:cs typeface="Arial" pitchFamily="34" charset="0"/>
-            </a:endParaRPr>
+              <a:t>proyecciones  acimutales   </a:t>
+            </a:r>
           </a:p>
         </p:txBody>
       </p:sp>
@@ -2555,7 +2343,7 @@
         </p:nvSpPr>
         <p:spPr>
           <a:xfrm>
-            <a:off x="9407901" y="7189702"/>
+            <a:off x="10056088" y="7189702"/>
             <a:ext cx="1191057" cy="326776"/>
           </a:xfrm>
           <a:prstGeom prst="rect">
@@ -2585,20 +2373,14 @@
           <a:p>
             <a:pPr algn="ctr"/>
             <a:r>
-              <a:rPr lang="es-CO" sz="900" dirty="0" smtClean="0">
+              <a:rPr lang="es-CO" sz="900" dirty="0">
                 <a:solidFill>
                   <a:schemeClr val="tx1"/>
                 </a:solidFill>
                 <a:cs typeface="Arial" pitchFamily="34" charset="0"/>
               </a:rPr>
-              <a:t>Estas técnicas son</a:t>
-            </a:r>
-            <a:endParaRPr lang="es-CO" sz="900" dirty="0" smtClean="0">
-              <a:solidFill>
-                <a:schemeClr val="tx1"/>
-              </a:solidFill>
-              <a:cs typeface="Arial" pitchFamily="34" charset="0"/>
-            </a:endParaRPr>
+              <a:t>estas técnicas son</a:t>
+            </a:r>
           </a:p>
         </p:txBody>
       </p:sp>
@@ -2613,7 +2395,7 @@
         </p:nvCxnSpPr>
         <p:spPr>
           <a:xfrm flipH="1" flipV="1">
-            <a:off x="9998691" y="6989699"/>
+            <a:off x="10646878" y="6989699"/>
             <a:ext cx="4739" cy="200003"/>
           </a:xfrm>
           <a:prstGeom prst="line">
@@ -2648,7 +2430,7 @@
         </p:nvSpPr>
         <p:spPr>
           <a:xfrm>
-            <a:off x="8497126" y="8954067"/>
+            <a:off x="8647601" y="8954067"/>
             <a:ext cx="895445" cy="583387"/>
           </a:xfrm>
           <a:prstGeom prst="rect">
@@ -2678,20 +2460,14 @@
           <a:p>
             <a:pPr algn="ctr"/>
             <a:r>
-              <a:rPr lang="es-CO" sz="900" dirty="0" smtClean="0">
+              <a:rPr lang="es-CO" sz="900" dirty="0">
                 <a:solidFill>
                   <a:schemeClr val="tx1"/>
                 </a:solidFill>
                 <a:cs typeface="Arial" pitchFamily="34" charset="0"/>
               </a:rPr>
-              <a:t>Utilizando un cilindro </a:t>
-            </a:r>
-            <a:endParaRPr lang="es-CO" sz="900" dirty="0">
-              <a:solidFill>
-                <a:schemeClr val="tx1"/>
-              </a:solidFill>
-              <a:cs typeface="Arial" pitchFamily="34" charset="0"/>
-            </a:endParaRPr>
+              <a:t>utilizando un cilindro </a:t>
+            </a:r>
           </a:p>
         </p:txBody>
       </p:sp>
@@ -2706,8 +2482,8 @@
         </p:nvCxnSpPr>
         <p:spPr>
           <a:xfrm rot="16200000" flipH="1">
-            <a:off x="10177896" y="7342011"/>
-            <a:ext cx="304221" cy="653153"/>
+            <a:off x="10501990" y="7666105"/>
+            <a:ext cx="304221" cy="4966"/>
           </a:xfrm>
           <a:prstGeom prst="bentConnector3">
             <a:avLst>
@@ -2746,8 +2522,8 @@
         </p:nvCxnSpPr>
         <p:spPr>
           <a:xfrm rot="16200000" flipH="1">
-            <a:off x="11066539" y="6453368"/>
-            <a:ext cx="304233" cy="2430451"/>
+            <a:off x="11280670" y="6887424"/>
+            <a:ext cx="304233" cy="1562339"/>
           </a:xfrm>
           <a:prstGeom prst="bentConnector3">
             <a:avLst>
@@ -2786,8 +2562,8 @@
         </p:nvCxnSpPr>
         <p:spPr>
           <a:xfrm rot="5400000">
-            <a:off x="9322979" y="7138349"/>
-            <a:ext cx="302322" cy="1058581"/>
+            <a:off x="9722310" y="6889493"/>
+            <a:ext cx="302322" cy="1556293"/>
           </a:xfrm>
           <a:prstGeom prst="bentConnector3">
             <a:avLst>
@@ -2825,9 +2601,9 @@
           <p:nvPr/>
         </p:nvCxnSpPr>
         <p:spPr>
-          <a:xfrm>
-            <a:off x="3658177" y="1571659"/>
-            <a:ext cx="7370" cy="135339"/>
+          <a:xfrm flipH="1">
+            <a:off x="4770447" y="1560084"/>
+            <a:ext cx="250" cy="135339"/>
           </a:xfrm>
           <a:prstGeom prst="line">
             <a:avLst/>
@@ -2861,7 +2637,7 @@
         </p:nvSpPr>
         <p:spPr>
           <a:xfrm>
-            <a:off x="3117676" y="2860864"/>
+            <a:off x="4222576" y="2860864"/>
             <a:ext cx="1095738" cy="234762"/>
           </a:xfrm>
           <a:prstGeom prst="rect">
@@ -2897,32 +2673,8 @@
                 </a:solidFill>
                 <a:cs typeface="Arial" pitchFamily="34" charset="0"/>
               </a:rPr>
-              <a:t>s</a:t>
-            </a:r>
-            <a:r>
-              <a:rPr lang="es-CO" sz="900" dirty="0" smtClean="0">
-                <a:solidFill>
-                  <a:schemeClr val="tx1"/>
-                </a:solidFill>
-                <a:cs typeface="Arial" pitchFamily="34" charset="0"/>
-              </a:rPr>
-              <a:t>e </a:t>
-            </a:r>
-            <a:r>
-              <a:rPr lang="es-CO" sz="900" dirty="0" smtClean="0">
-                <a:solidFill>
-                  <a:schemeClr val="tx1"/>
-                </a:solidFill>
-                <a:cs typeface="Arial" pitchFamily="34" charset="0"/>
-              </a:rPr>
-              <a:t>clasifican en     </a:t>
-            </a:r>
-            <a:endParaRPr lang="es-CO" sz="900" dirty="0">
-              <a:solidFill>
-                <a:schemeClr val="tx1"/>
-              </a:solidFill>
-              <a:cs typeface="Arial" pitchFamily="34" charset="0"/>
-            </a:endParaRPr>
+              <a:t>se clasifican en     </a:t>
+            </a:r>
           </a:p>
         </p:txBody>
       </p:sp>
@@ -2937,8 +2689,8 @@
         </p:nvCxnSpPr>
         <p:spPr>
           <a:xfrm flipH="1">
-            <a:off x="3665545" y="2753158"/>
-            <a:ext cx="2" cy="107706"/>
+            <a:off x="4770445" y="2741583"/>
+            <a:ext cx="2" cy="119281"/>
           </a:xfrm>
           <a:prstGeom prst="line">
             <a:avLst/>
@@ -2972,7 +2724,7 @@
         </p:nvSpPr>
         <p:spPr>
           <a:xfrm>
-            <a:off x="3528987" y="3392213"/>
+            <a:off x="4161447" y="3392213"/>
             <a:ext cx="1220990" cy="740032"/>
           </a:xfrm>
           <a:prstGeom prst="rect">
@@ -3004,12 +2756,12 @@
           <a:p>
             <a:pPr algn="ctr"/>
             <a:r>
-              <a:rPr lang="es-ES_tradnl" sz="1050" dirty="0" smtClean="0">
+              <a:rPr lang="es-ES_tradnl" sz="1050" dirty="0">
                 <a:solidFill>
                   <a:schemeClr val="bg1"/>
                 </a:solidFill>
               </a:rPr>
-              <a:t>Poliedros  </a:t>
+              <a:t>poliedros  </a:t>
             </a:r>
             <a:endParaRPr lang="es-CO" sz="1050" i="1" dirty="0">
               <a:solidFill>
@@ -3028,7 +2780,7 @@
         </p:nvSpPr>
         <p:spPr>
           <a:xfrm>
-            <a:off x="5462562" y="3392213"/>
+            <a:off x="6582702" y="3392213"/>
             <a:ext cx="1220990" cy="740032"/>
           </a:xfrm>
           <a:prstGeom prst="rect">
@@ -3065,23 +2817,7 @@
                   <a:schemeClr val="bg1"/>
                 </a:solidFill>
               </a:rPr>
-              <a:t>o</a:t>
-            </a:r>
-            <a:r>
-              <a:rPr lang="es-ES_tradnl" sz="1050" dirty="0" smtClean="0">
-                <a:solidFill>
-                  <a:schemeClr val="bg1"/>
-                </a:solidFill>
-              </a:rPr>
-              <a:t>tros </a:t>
-            </a:r>
-            <a:r>
-              <a:rPr lang="es-ES_tradnl" sz="1050" dirty="0" smtClean="0">
-                <a:solidFill>
-                  <a:schemeClr val="bg1"/>
-                </a:solidFill>
-              </a:rPr>
-              <a:t>cuerpos geométricos  </a:t>
+              <a:t>otros cuerpos geométricos  </a:t>
             </a:r>
             <a:endParaRPr lang="es-CO" sz="1050" i="1" dirty="0">
               <a:solidFill>
@@ -3103,8 +2839,8 @@
         </p:nvCxnSpPr>
         <p:spPr>
           <a:xfrm rot="5400000">
-            <a:off x="2597094" y="2332965"/>
-            <a:ext cx="305790" cy="1831113"/>
+            <a:off x="3132472" y="1751867"/>
+            <a:ext cx="294215" cy="2981733"/>
           </a:xfrm>
           <a:prstGeom prst="bentConnector3">
             <a:avLst>
@@ -3143,8 +2879,8 @@
         </p:nvCxnSpPr>
         <p:spPr>
           <a:xfrm rot="16200000" flipH="1">
-            <a:off x="4721008" y="2040163"/>
-            <a:ext cx="296587" cy="2407512"/>
+            <a:off x="5833528" y="2032543"/>
+            <a:ext cx="296587" cy="2422752"/>
           </a:xfrm>
           <a:prstGeom prst="bentConnector3">
             <a:avLst>
@@ -3180,7 +2916,7 @@
         </p:nvSpPr>
         <p:spPr>
           <a:xfrm>
-            <a:off x="1291643" y="4315394"/>
+            <a:off x="1245923" y="4315394"/>
             <a:ext cx="1095738" cy="313925"/>
           </a:xfrm>
           <a:prstGeom prst="rect">
@@ -3216,50 +2952,8 @@
                 </a:solidFill>
                 <a:cs typeface="Arial" pitchFamily="34" charset="0"/>
               </a:rPr>
-              <a:t>s</a:t>
-            </a:r>
-            <a:r>
-              <a:rPr lang="es-CO" sz="900" dirty="0" smtClean="0">
-                <a:solidFill>
-                  <a:schemeClr val="tx1"/>
-                </a:solidFill>
-                <a:cs typeface="Arial" pitchFamily="34" charset="0"/>
-              </a:rPr>
-              <a:t>on </a:t>
-            </a:r>
-            <a:r>
-              <a:rPr lang="es-CO" sz="900" dirty="0" smtClean="0">
-                <a:solidFill>
-                  <a:schemeClr val="tx1"/>
-                </a:solidFill>
-                <a:cs typeface="Arial" pitchFamily="34" charset="0"/>
-              </a:rPr>
-              <a:t>aquellos </a:t>
-            </a:r>
-            <a:r>
-              <a:rPr lang="es-CO" sz="900" dirty="0" smtClean="0">
-                <a:solidFill>
-                  <a:schemeClr val="tx1"/>
-                </a:solidFill>
-                <a:cs typeface="Arial" pitchFamily="34" charset="0"/>
-              </a:rPr>
-              <a:t>que</a:t>
-            </a:r>
-            <a:r>
-              <a:rPr lang="es-CO" sz="900" dirty="0" smtClean="0">
-                <a:solidFill>
-                  <a:schemeClr val="tx1"/>
-                </a:solidFill>
-                <a:cs typeface="Arial" pitchFamily="34" charset="0"/>
-              </a:rPr>
-              <a:t>     </a:t>
-            </a:r>
-            <a:endParaRPr lang="es-CO" sz="900" dirty="0">
-              <a:solidFill>
-                <a:schemeClr val="tx1"/>
-              </a:solidFill>
-              <a:cs typeface="Arial" pitchFamily="34" charset="0"/>
-            </a:endParaRPr>
+              <a:t>son aquellos que     </a:t>
+            </a:r>
           </a:p>
         </p:txBody>
       </p:sp>
@@ -3274,8 +2968,8 @@
         </p:nvCxnSpPr>
         <p:spPr>
           <a:xfrm>
-            <a:off x="1834432" y="4141448"/>
-            <a:ext cx="5080" cy="173946"/>
+            <a:off x="1788712" y="4129873"/>
+            <a:ext cx="5080" cy="185521"/>
           </a:xfrm>
           <a:prstGeom prst="line">
             <a:avLst/>
@@ -3309,7 +3003,7 @@
         </p:nvSpPr>
         <p:spPr>
           <a:xfrm>
-            <a:off x="5530268" y="4304404"/>
+            <a:off x="6650408" y="4304404"/>
             <a:ext cx="1095738" cy="313925"/>
           </a:xfrm>
           <a:prstGeom prst="rect">
@@ -3339,7 +3033,7 @@
           <a:p>
             <a:pPr algn="ctr"/>
             <a:r>
-              <a:rPr lang="es-CO" sz="900" dirty="0" smtClean="0">
+              <a:rPr lang="es-CO" sz="900" dirty="0">
                 <a:solidFill>
                   <a:schemeClr val="tx1"/>
                 </a:solidFill>
@@ -3347,12 +3041,6 @@
               </a:rPr>
               <a:t>son los  que se generan      </a:t>
             </a:r>
-            <a:endParaRPr lang="es-CO" sz="900" dirty="0">
-              <a:solidFill>
-                <a:schemeClr val="tx1"/>
-              </a:solidFill>
-              <a:cs typeface="Arial" pitchFamily="34" charset="0"/>
-            </a:endParaRPr>
           </a:p>
         </p:txBody>
       </p:sp>
@@ -3367,8 +3055,8 @@
         </p:nvCxnSpPr>
         <p:spPr>
           <a:xfrm>
-            <a:off x="4139482" y="4132245"/>
-            <a:ext cx="15448" cy="200625"/>
+            <a:off x="4771942" y="4132245"/>
+            <a:ext cx="208" cy="200625"/>
           </a:xfrm>
           <a:prstGeom prst="line">
             <a:avLst/>
@@ -3405,7 +3093,7 @@
         </p:nvCxnSpPr>
         <p:spPr>
           <a:xfrm>
-            <a:off x="6073057" y="4132244"/>
+            <a:off x="7193197" y="4132244"/>
             <a:ext cx="5080" cy="172160"/>
           </a:xfrm>
           <a:prstGeom prst="line">
@@ -3443,7 +3131,7 @@
         </p:nvCxnSpPr>
         <p:spPr>
           <a:xfrm>
-            <a:off x="1839512" y="4629319"/>
+            <a:off x="1793792" y="4629319"/>
             <a:ext cx="1672" cy="138658"/>
           </a:xfrm>
           <a:prstGeom prst="line">
@@ -3478,7 +3166,7 @@
         </p:nvSpPr>
         <p:spPr>
           <a:xfrm>
-            <a:off x="3607061" y="4332870"/>
+            <a:off x="4224281" y="4332870"/>
             <a:ext cx="1095738" cy="313925"/>
           </a:xfrm>
           <a:prstGeom prst="rect">
@@ -3514,50 +3202,8 @@
                 </a:solidFill>
                 <a:cs typeface="Arial" pitchFamily="34" charset="0"/>
               </a:rPr>
-              <a:t>s</a:t>
-            </a:r>
-            <a:r>
-              <a:rPr lang="es-CO" sz="900" dirty="0" smtClean="0">
-                <a:solidFill>
-                  <a:schemeClr val="tx1"/>
-                </a:solidFill>
-                <a:cs typeface="Arial" pitchFamily="34" charset="0"/>
-              </a:rPr>
-              <a:t>on </a:t>
-            </a:r>
-            <a:r>
-              <a:rPr lang="es-CO" sz="900" dirty="0" smtClean="0">
-                <a:solidFill>
-                  <a:schemeClr val="tx1"/>
-                </a:solidFill>
-                <a:cs typeface="Arial" pitchFamily="34" charset="0"/>
-              </a:rPr>
-              <a:t>aquellos </a:t>
-            </a:r>
-            <a:r>
-              <a:rPr lang="es-CO" sz="900" dirty="0" smtClean="0">
-                <a:solidFill>
-                  <a:schemeClr val="tx1"/>
-                </a:solidFill>
-                <a:cs typeface="Arial" pitchFamily="34" charset="0"/>
-              </a:rPr>
-              <a:t>que</a:t>
-            </a:r>
-            <a:r>
-              <a:rPr lang="es-CO" sz="900" dirty="0" smtClean="0">
-                <a:solidFill>
-                  <a:schemeClr val="tx1"/>
-                </a:solidFill>
-                <a:cs typeface="Arial" pitchFamily="34" charset="0"/>
-              </a:rPr>
-              <a:t>      </a:t>
-            </a:r>
-            <a:endParaRPr lang="es-CO" sz="900" dirty="0">
-              <a:solidFill>
-                <a:schemeClr val="tx1"/>
-              </a:solidFill>
-              <a:cs typeface="Arial" pitchFamily="34" charset="0"/>
-            </a:endParaRPr>
+              <a:t>son aquellos que      </a:t>
+            </a:r>
           </a:p>
         </p:txBody>
       </p:sp>
@@ -3572,7 +3218,7 @@
         </p:nvCxnSpPr>
         <p:spPr>
           <a:xfrm flipH="1">
-            <a:off x="4151531" y="4646795"/>
+            <a:off x="4768751" y="4646795"/>
             <a:ext cx="3399" cy="174909"/>
           </a:xfrm>
           <a:prstGeom prst="line">
@@ -3610,7 +3256,7 @@
         </p:nvCxnSpPr>
         <p:spPr>
           <a:xfrm flipH="1">
-            <a:off x="6076641" y="4618330"/>
+            <a:off x="7196781" y="4618330"/>
             <a:ext cx="1497" cy="215567"/>
           </a:xfrm>
           <a:prstGeom prst="line">
@@ -3648,8 +3294,8 @@
         </p:nvCxnSpPr>
         <p:spPr>
           <a:xfrm rot="5400000">
-            <a:off x="1079550" y="5471557"/>
-            <a:ext cx="289825" cy="1227484"/>
+            <a:off x="1056690" y="5494417"/>
+            <a:ext cx="289825" cy="1181764"/>
           </a:xfrm>
           <a:prstGeom prst="bentConnector3">
             <a:avLst>
@@ -3688,8 +3334,8 @@
         </p:nvCxnSpPr>
         <p:spPr>
           <a:xfrm rot="16200000" flipH="1">
-            <a:off x="3754220" y="3006950"/>
-            <a:ext cx="296587" cy="473937"/>
+            <a:off x="4622900" y="3243170"/>
+            <a:ext cx="296587" cy="1497"/>
           </a:xfrm>
           <a:prstGeom prst="bentConnector3">
             <a:avLst>
@@ -3754,7 +3400,7 @@
           <a:lstStyle/>
           <a:p>
             <a:r>
-              <a:rPr lang="es-ES" sz="900" dirty="0" smtClean="0">
+              <a:rPr lang="es-ES" sz="900" dirty="0">
                 <a:solidFill>
                   <a:schemeClr val="tx1"/>
                 </a:solidFill>
@@ -3765,12 +3411,12 @@
           <a:p>
             <a:pPr algn="ctr"/>
             <a:r>
-              <a:rPr lang="es-ES" sz="900" dirty="0" smtClean="0">
-                <a:solidFill>
-                  <a:schemeClr val="tx1"/>
-                </a:solidFill>
-              </a:rPr>
-              <a:t>Cono  </a:t>
+              <a:rPr lang="es-ES" sz="900" dirty="0">
+                <a:solidFill>
+                  <a:schemeClr val="tx1"/>
+                </a:solidFill>
+              </a:rPr>
+              <a:t>cono  </a:t>
             </a:r>
           </a:p>
           <a:p>
@@ -3821,7 +3467,7 @@
           <a:lstStyle/>
           <a:p>
             <a:r>
-              <a:rPr lang="es-ES" sz="900" dirty="0" smtClean="0">
+              <a:rPr lang="es-ES" sz="900" dirty="0">
                 <a:solidFill>
                   <a:schemeClr val="tx1"/>
                 </a:solidFill>
@@ -3837,21 +3483,8 @@
                   <a:schemeClr val="tx1"/>
                 </a:solidFill>
               </a:rPr>
-              <a:t>E</a:t>
-            </a:r>
-            <a:r>
-              <a:rPr lang="es-ES" sz="900" dirty="0" smtClean="0">
-                <a:solidFill>
-                  <a:schemeClr val="tx1"/>
-                </a:solidFill>
-              </a:rPr>
-              <a:t>sfera   </a:t>
-            </a:r>
-            <a:endParaRPr lang="es-ES" sz="900" dirty="0" smtClean="0">
-              <a:solidFill>
-                <a:schemeClr val="tx1"/>
-              </a:solidFill>
-            </a:endParaRPr>
+              <a:t>esfera   </a:t>
+            </a:r>
           </a:p>
           <a:p>
             <a:pPr algn="ctr"/>
@@ -3875,8 +3508,8 @@
         </p:nvCxnSpPr>
         <p:spPr>
           <a:xfrm rot="5400000">
-            <a:off x="1670100" y="6062107"/>
-            <a:ext cx="289825" cy="46384"/>
+            <a:off x="1647240" y="6084967"/>
+            <a:ext cx="289825" cy="664"/>
           </a:xfrm>
           <a:prstGeom prst="bentConnector3">
             <a:avLst>
@@ -3915,8 +3548,8 @@
         </p:nvCxnSpPr>
         <p:spPr>
           <a:xfrm rot="16200000" flipH="1">
-            <a:off x="2270175" y="5508416"/>
-            <a:ext cx="289825" cy="1153766"/>
+            <a:off x="2247315" y="5485556"/>
+            <a:ext cx="289825" cy="1199486"/>
           </a:xfrm>
           <a:prstGeom prst="bentConnector3">
             <a:avLst>
@@ -3981,7 +3614,7 @@
           <a:lstStyle/>
           <a:p>
             <a:r>
-              <a:rPr lang="es-ES" sz="900" dirty="0" smtClean="0">
+              <a:rPr lang="es-ES" sz="900" dirty="0">
                 <a:solidFill>
                   <a:schemeClr val="tx1"/>
                 </a:solidFill>
@@ -3992,18 +3625,13 @@
           <a:p>
             <a:pPr algn="ctr"/>
             <a:r>
-              <a:rPr lang="es-ES" sz="900" dirty="0" smtClean="0">
-                <a:solidFill>
-                  <a:schemeClr val="tx1"/>
-                </a:solidFill>
-              </a:rPr>
-              <a:t>Prisma   </a:t>
-            </a:r>
-            <a:endParaRPr lang="es-ES" sz="900" dirty="0" smtClean="0">
-              <a:solidFill>
-                <a:schemeClr val="tx1"/>
-              </a:solidFill>
-            </a:endParaRPr>
+              <a:rPr lang="es-ES" sz="900" dirty="0">
+                <a:solidFill>
+                  <a:schemeClr val="tx1"/>
+                </a:solidFill>
+              </a:rPr>
+              <a:t>prisma   </a:t>
+            </a:r>
           </a:p>
           <a:p>
             <a:pPr algn="ctr"/>
@@ -4053,7 +3681,7 @@
           <a:lstStyle/>
           <a:p>
             <a:r>
-              <a:rPr lang="es-ES" sz="900" dirty="0" smtClean="0">
+              <a:rPr lang="es-ES" sz="900" dirty="0">
                 <a:solidFill>
                   <a:schemeClr val="tx1"/>
                 </a:solidFill>
@@ -4064,12 +3692,12 @@
           <a:p>
             <a:pPr algn="ctr"/>
             <a:r>
-              <a:rPr lang="es-ES" sz="900" dirty="0" smtClean="0">
-                <a:solidFill>
-                  <a:schemeClr val="tx1"/>
-                </a:solidFill>
-              </a:rPr>
-              <a:t>Pirámide    </a:t>
+              <a:rPr lang="es-ES" sz="900" dirty="0">
+                <a:solidFill>
+                  <a:schemeClr val="tx1"/>
+                </a:solidFill>
+              </a:rPr>
+              <a:t>pirámide    </a:t>
             </a:r>
           </a:p>
           <a:p>
@@ -4094,8 +3722,8 @@
         </p:nvCxnSpPr>
         <p:spPr>
           <a:xfrm rot="5400000">
-            <a:off x="4013000" y="6086026"/>
-            <a:ext cx="285206" cy="3166"/>
+            <a:off x="4321610" y="5777416"/>
+            <a:ext cx="285206" cy="620386"/>
           </a:xfrm>
           <a:prstGeom prst="bentConnector3">
             <a:avLst>
@@ -4131,7 +3759,7 @@
         </p:nvSpPr>
         <p:spPr>
           <a:xfrm>
-            <a:off x="3609317" y="5689015"/>
+            <a:off x="4226537" y="5689015"/>
             <a:ext cx="1095738" cy="255991"/>
           </a:xfrm>
           <a:prstGeom prst="rect">
@@ -4161,29 +3789,14 @@
           <a:p>
             <a:pPr algn="ctr"/>
             <a:r>
-              <a:rPr lang="es-CO" sz="900" dirty="0" smtClean="0">
+              <a:rPr lang="es-CO" sz="900" dirty="0">
                 <a:solidFill>
                   <a:schemeClr val="tx1"/>
                 </a:solidFill>
                 <a:cs typeface="Arial" pitchFamily="34" charset="0"/>
               </a:rPr>
-              <a:t> </a:t>
-            </a:r>
-            <a:r>
-              <a:rPr lang="es-CO" sz="900" dirty="0" smtClean="0">
-                <a:solidFill>
-                  <a:schemeClr val="tx1"/>
-                </a:solidFill>
-                <a:cs typeface="Arial" pitchFamily="34" charset="0"/>
-              </a:rPr>
-              <a:t>se destacan</a:t>
-            </a:r>
-            <a:endParaRPr lang="es-CO" sz="900" dirty="0">
-              <a:solidFill>
-                <a:schemeClr val="tx1"/>
-              </a:solidFill>
-              <a:cs typeface="Arial" pitchFamily="34" charset="0"/>
-            </a:endParaRPr>
+              <a:t> se destacan</a:t>
+            </a:r>
           </a:p>
         </p:txBody>
       </p:sp>
@@ -4198,7 +3811,7 @@
         </p:nvCxnSpPr>
         <p:spPr>
           <a:xfrm>
-            <a:off x="4151531" y="5516860"/>
+            <a:off x="4768751" y="5516860"/>
             <a:ext cx="5655" cy="172155"/>
           </a:xfrm>
           <a:prstGeom prst="line">
@@ -4236,8 +3849,8 @@
         </p:nvCxnSpPr>
         <p:spPr>
           <a:xfrm rot="16200000" flipH="1">
-            <a:off x="4615526" y="5486665"/>
-            <a:ext cx="289828" cy="1206509"/>
+            <a:off x="4924136" y="5795275"/>
+            <a:ext cx="289828" cy="589289"/>
           </a:xfrm>
           <a:prstGeom prst="bentConnector3">
             <a:avLst>
@@ -4273,7 +3886,7 @@
         </p:nvSpPr>
         <p:spPr>
           <a:xfrm>
-            <a:off x="5533367" y="5732975"/>
+            <a:off x="6653507" y="5732975"/>
             <a:ext cx="1095738" cy="255991"/>
           </a:xfrm>
           <a:prstGeom prst="rect">
@@ -4303,29 +3916,14 @@
           <a:p>
             <a:pPr algn="ctr"/>
             <a:r>
-              <a:rPr lang="es-CO" sz="900" dirty="0" smtClean="0">
+              <a:rPr lang="es-CO" sz="900" dirty="0">
                 <a:solidFill>
                   <a:schemeClr val="tx1"/>
                 </a:solidFill>
                 <a:cs typeface="Arial" pitchFamily="34" charset="0"/>
               </a:rPr>
-              <a:t> </a:t>
-            </a:r>
-            <a:r>
-              <a:rPr lang="es-CO" sz="900" dirty="0" smtClean="0">
-                <a:solidFill>
-                  <a:schemeClr val="tx1"/>
-                </a:solidFill>
-                <a:cs typeface="Arial" pitchFamily="34" charset="0"/>
-              </a:rPr>
-              <a:t>se destacan</a:t>
-            </a:r>
-            <a:endParaRPr lang="es-CO" sz="900" dirty="0">
-              <a:solidFill>
-                <a:schemeClr val="tx1"/>
-              </a:solidFill>
-              <a:cs typeface="Arial" pitchFamily="34" charset="0"/>
-            </a:endParaRPr>
+              <a:t> se destacan</a:t>
+            </a:r>
           </a:p>
         </p:txBody>
       </p:sp>
@@ -4340,7 +3938,7 @@
         </p:nvCxnSpPr>
         <p:spPr>
           <a:xfrm>
-            <a:off x="6076640" y="5529053"/>
+            <a:off x="7196780" y="5529053"/>
             <a:ext cx="4596" cy="203923"/>
           </a:xfrm>
           <a:prstGeom prst="line">
@@ -4375,7 +3973,7 @@
         </p:nvSpPr>
         <p:spPr>
           <a:xfrm>
-            <a:off x="6107764" y="6263930"/>
+            <a:off x="6191584" y="6263930"/>
             <a:ext cx="912162" cy="401388"/>
           </a:xfrm>
           <a:prstGeom prst="rect">
@@ -4404,7 +4002,7 @@
           <a:lstStyle/>
           <a:p>
             <a:r>
-              <a:rPr lang="es-ES" sz="900" dirty="0" smtClean="0">
+              <a:rPr lang="es-ES" sz="900" dirty="0">
                 <a:solidFill>
                   <a:schemeClr val="tx1"/>
                 </a:solidFill>
@@ -4420,23 +4018,7 @@
                   <a:schemeClr val="tx1"/>
                 </a:solidFill>
               </a:rPr>
-              <a:t>t</a:t>
-            </a:r>
-            <a:r>
-              <a:rPr lang="es-ES" sz="900" dirty="0" smtClean="0">
-                <a:solidFill>
-                  <a:schemeClr val="tx1"/>
-                </a:solidFill>
-              </a:rPr>
-              <a:t>ronco </a:t>
-            </a:r>
-            <a:r>
-              <a:rPr lang="es-ES" sz="900" dirty="0" smtClean="0">
-                <a:solidFill>
-                  <a:schemeClr val="tx1"/>
-                </a:solidFill>
-              </a:rPr>
-              <a:t>de cono  </a:t>
+              <a:t>tronco de cono  </a:t>
             </a:r>
           </a:p>
           <a:p>
@@ -4487,7 +4069,7 @@
           <a:lstStyle/>
           <a:p>
             <a:r>
-              <a:rPr lang="es-ES" sz="900" dirty="0" smtClean="0">
+              <a:rPr lang="es-ES" sz="900" dirty="0">
                 <a:solidFill>
                   <a:schemeClr val="tx1"/>
                 </a:solidFill>
@@ -4498,12 +4080,12 @@
           <a:p>
             <a:pPr algn="ctr"/>
             <a:r>
-              <a:rPr lang="es-ES" sz="900" dirty="0" smtClean="0">
-                <a:solidFill>
-                  <a:schemeClr val="tx1"/>
-                </a:solidFill>
-              </a:rPr>
-              <a:t>Tronco de pirámide </a:t>
+              <a:rPr lang="es-ES" sz="900" dirty="0">
+                <a:solidFill>
+                  <a:schemeClr val="tx1"/>
+                </a:solidFill>
+              </a:rPr>
+              <a:t>tronco de pirámide </a:t>
             </a:r>
           </a:p>
           <a:p>
@@ -4527,9 +4109,9 @@
           <p:nvPr/>
         </p:nvCxnSpPr>
         <p:spPr>
-          <a:xfrm rot="16200000" flipH="1">
-            <a:off x="6185058" y="5885143"/>
-            <a:ext cx="274964" cy="482609"/>
+          <a:xfrm rot="5400000">
+            <a:off x="6787039" y="5849593"/>
+            <a:ext cx="274964" cy="553711"/>
           </a:xfrm>
           <a:prstGeom prst="bentConnector3">
             <a:avLst>
@@ -4568,8 +4150,8 @@
         </p:nvCxnSpPr>
         <p:spPr>
           <a:xfrm rot="16200000" flipH="1">
-            <a:off x="6813237" y="5256965"/>
-            <a:ext cx="266383" cy="1730384"/>
+            <a:off x="7373307" y="5817035"/>
+            <a:ext cx="266383" cy="610244"/>
           </a:xfrm>
           <a:prstGeom prst="bentConnector3">
             <a:avLst>
@@ -4635,7 +4217,7 @@
           <a:p>
             <a:pPr algn="ctr"/>
             <a:r>
-              <a:rPr lang="es-CO" sz="900" dirty="0" smtClean="0">
+              <a:rPr lang="es-CO" sz="900" dirty="0">
                 <a:solidFill>
                   <a:schemeClr val="tx1"/>
                 </a:solidFill>
@@ -4647,7 +4229,7 @@
           <a:p>
             <a:pPr algn="ctr"/>
             <a:r>
-              <a:rPr lang="es-CO" sz="900" dirty="0" smtClean="0">
+              <a:rPr lang="es-CO" sz="900" dirty="0">
                 <a:solidFill>
                   <a:schemeClr val="tx1"/>
                 </a:solidFill>
@@ -4734,7 +4316,7 @@
           <a:p>
             <a:pPr algn="ctr"/>
             <a:r>
-              <a:rPr lang="es-CO" sz="900" dirty="0" smtClean="0">
+              <a:rPr lang="es-CO" sz="900" dirty="0">
                 <a:solidFill>
                   <a:schemeClr val="tx1"/>
                 </a:solidFill>
@@ -4746,7 +4328,7 @@
           <a:p>
             <a:pPr algn="ctr"/>
             <a:r>
-              <a:rPr lang="es-CO" sz="900" dirty="0" smtClean="0">
+              <a:rPr lang="es-CO" sz="900" dirty="0">
                 <a:solidFill>
                   <a:schemeClr val="tx1"/>
                 </a:solidFill>
@@ -4801,37 +4383,25 @@
                 </a:solidFill>
                 <a:cs typeface="Arial" pitchFamily="34" charset="0"/>
               </a:rPr>
-              <a:t>d</a:t>
-            </a:r>
-            <a:r>
-              <a:rPr lang="es-CO" sz="900" dirty="0" smtClean="0">
+              <a:t>delimitado</a:t>
+            </a:r>
+          </a:p>
+          <a:p>
+            <a:pPr algn="ctr"/>
+            <a:r>
+              <a:rPr lang="es-CO" sz="900" dirty="0">
                 <a:solidFill>
                   <a:schemeClr val="tx1"/>
                 </a:solidFill>
                 <a:cs typeface="Arial" pitchFamily="34" charset="0"/>
               </a:rPr>
-              <a:t>elimitado </a:t>
-            </a:r>
-            <a:r>
-              <a:rPr lang="es-CO" sz="900" dirty="0" smtClean="0">
-                <a:solidFill>
-                  <a:schemeClr val="tx1"/>
-                </a:solidFill>
-                <a:cs typeface="Arial" pitchFamily="34" charset="0"/>
-              </a:rPr>
-              <a:t>por </a:t>
-            </a:r>
-            <a:r>
-              <a:rPr lang="es-CO" sz="900" dirty="0" smtClean="0">
-                <a:solidFill>
-                  <a:schemeClr val="tx1"/>
-                </a:solidFill>
-                <a:cs typeface="Arial" pitchFamily="34" charset="0"/>
-              </a:rPr>
-              <a:t>una circunferencia, </a:t>
-            </a:r>
-            <a:r>
-              <a:rPr lang="es-CO" sz="900" dirty="0" smtClean="0">
+              <a:t>por una circunferencia,</a:t>
+            </a:r>
+          </a:p>
+          <a:p>
+            <a:pPr algn="ctr"/>
+            <a:r>
+              <a:rPr lang="es-CO" sz="900" dirty="0">
                 <a:solidFill>
                   <a:schemeClr val="tx1"/>
                 </a:solidFill>
@@ -4994,7 +4564,7 @@
           <a:p>
             <a:pPr algn="ctr"/>
             <a:r>
-              <a:rPr lang="es-CO" sz="900" dirty="0" smtClean="0">
+              <a:rPr lang="es-CO" sz="900" dirty="0">
                 <a:solidFill>
                   <a:schemeClr val="tx1"/>
                 </a:solidFill>
@@ -5006,7 +4576,7 @@
           <a:p>
             <a:pPr algn="ctr"/>
             <a:r>
-              <a:rPr lang="es-CO" sz="900" dirty="0" smtClean="0">
+              <a:rPr lang="es-CO" sz="900" dirty="0">
                 <a:solidFill>
                   <a:schemeClr val="tx1"/>
                 </a:solidFill>
@@ -5061,43 +4631,7 @@
                 </a:solidFill>
                 <a:cs typeface="Arial" pitchFamily="34" charset="0"/>
               </a:rPr>
-              <a:t>d</a:t>
-            </a:r>
-            <a:r>
-              <a:rPr lang="es-CO" sz="900" dirty="0" smtClean="0">
-                <a:solidFill>
-                  <a:schemeClr val="tx1"/>
-                </a:solidFill>
-                <a:cs typeface="Arial" pitchFamily="34" charset="0"/>
-              </a:rPr>
-              <a:t>elimitado  </a:t>
-            </a:r>
-            <a:r>
-              <a:rPr lang="es-CO" sz="900" dirty="0" smtClean="0">
-                <a:solidFill>
-                  <a:schemeClr val="tx1"/>
-                </a:solidFill>
-                <a:cs typeface="Arial" pitchFamily="34" charset="0"/>
-              </a:rPr>
-              <a:t>por  una superficie curva que equidista </a:t>
-            </a:r>
-            <a:r>
-              <a:rPr lang="es-CO" sz="900" dirty="0" smtClean="0">
-                <a:solidFill>
-                  <a:schemeClr val="tx1"/>
-                </a:solidFill>
-                <a:cs typeface="Arial" pitchFamily="34" charset="0"/>
-              </a:rPr>
-              <a:t>de </a:t>
-            </a:r>
-            <a:r>
-              <a:rPr lang="es-CO" sz="900" dirty="0" smtClean="0">
-                <a:solidFill>
-                  <a:schemeClr val="tx1"/>
-                </a:solidFill>
-                <a:cs typeface="Arial" pitchFamily="34" charset="0"/>
-              </a:rPr>
-              <a:t>un punto central  </a:t>
+              <a:t>delimitado  por  una superficie curva que equidista de un punto central  </a:t>
             </a:r>
           </a:p>
         </p:txBody>
@@ -5216,7 +4750,7 @@
           <a:p>
             <a:pPr algn="ctr"/>
             <a:r>
-              <a:rPr lang="es-CO" sz="900" dirty="0" smtClean="0">
+              <a:rPr lang="es-CO" sz="900" dirty="0">
                 <a:solidFill>
                   <a:schemeClr val="tx1"/>
                 </a:solidFill>
@@ -5234,23 +4768,8 @@
                 </a:solidFill>
                 <a:cs typeface="Arial" pitchFamily="34" charset="0"/>
               </a:rPr>
-              <a:t>p</a:t>
-            </a:r>
-            <a:r>
-              <a:rPr lang="es-CO" sz="900" dirty="0" smtClean="0">
-                <a:solidFill>
-                  <a:schemeClr val="tx1"/>
-                </a:solidFill>
-                <a:cs typeface="Arial" pitchFamily="34" charset="0"/>
-              </a:rPr>
-              <a:t>oliedro    </a:t>
-            </a:r>
-            <a:endParaRPr lang="es-CO" sz="900" dirty="0" smtClean="0">
-              <a:solidFill>
-                <a:schemeClr val="tx1"/>
-              </a:solidFill>
-              <a:cs typeface="Arial" pitchFamily="34" charset="0"/>
-            </a:endParaRPr>
+              <a:t>poliedro    </a:t>
+            </a:r>
           </a:p>
         </p:txBody>
       </p:sp>
@@ -5298,37 +4817,19 @@
                 </a:solidFill>
                 <a:cs typeface="Arial" pitchFamily="34" charset="0"/>
               </a:rPr>
-              <a:t>d</a:t>
-            </a:r>
-            <a:r>
-              <a:rPr lang="es-CO" sz="900" dirty="0" smtClean="0">
+              <a:t>delimitado  por   dos polígonos congruentes paralelos y  </a:t>
+            </a:r>
+            <a:r>
+              <a:rPr lang="es-CO" sz="900" i="1" dirty="0">
                 <a:solidFill>
                   <a:schemeClr val="tx1"/>
                 </a:solidFill>
                 <a:cs typeface="Arial" pitchFamily="34" charset="0"/>
               </a:rPr>
-              <a:t>elimitado  </a:t>
-            </a:r>
-            <a:r>
-              <a:rPr lang="es-CO" sz="900" dirty="0" smtClean="0">
-                <a:solidFill>
-                  <a:schemeClr val="tx1"/>
-                </a:solidFill>
-                <a:cs typeface="Arial" pitchFamily="34" charset="0"/>
-              </a:rPr>
-              <a:t>por   dos polígonos congruentes paralelos y  </a:t>
-            </a:r>
-            <a:r>
-              <a:rPr lang="es-CO" sz="900" i="1" dirty="0" smtClean="0">
-                <a:solidFill>
-                  <a:schemeClr val="tx1"/>
-                </a:solidFill>
-                <a:cs typeface="Arial" pitchFamily="34" charset="0"/>
-              </a:rPr>
               <a:t>n</a:t>
             </a:r>
             <a:r>
-              <a:rPr lang="es-CO" sz="900" dirty="0" smtClean="0">
+              <a:rPr lang="es-CO" sz="900" dirty="0">
                 <a:solidFill>
                   <a:schemeClr val="tx1"/>
                 </a:solidFill>
@@ -5415,7 +4916,7 @@
           <a:p>
             <a:pPr algn="ctr"/>
             <a:r>
-              <a:rPr lang="es-CO" sz="900" dirty="0" smtClean="0">
+              <a:rPr lang="es-CO" sz="900" dirty="0">
                 <a:solidFill>
                   <a:schemeClr val="tx1"/>
                 </a:solidFill>
@@ -5433,23 +4934,8 @@
                 </a:solidFill>
                 <a:cs typeface="Arial" pitchFamily="34" charset="0"/>
               </a:rPr>
-              <a:t>p</a:t>
-            </a:r>
-            <a:r>
-              <a:rPr lang="es-CO" sz="900" dirty="0" smtClean="0">
-                <a:solidFill>
-                  <a:schemeClr val="tx1"/>
-                </a:solidFill>
-                <a:cs typeface="Arial" pitchFamily="34" charset="0"/>
-              </a:rPr>
-              <a:t>oliedro    </a:t>
-            </a:r>
-            <a:endParaRPr lang="es-CO" sz="900" dirty="0" smtClean="0">
-              <a:solidFill>
-                <a:schemeClr val="tx1"/>
-              </a:solidFill>
-              <a:cs typeface="Arial" pitchFamily="34" charset="0"/>
-            </a:endParaRPr>
+              <a:t>poliedro    </a:t>
+            </a:r>
           </a:p>
         </p:txBody>
       </p:sp>
@@ -5499,7 +4985,7 @@
         </p:nvSpPr>
         <p:spPr>
           <a:xfrm>
-            <a:off x="4826156" y="7167859"/>
+            <a:off x="4826156" y="7122139"/>
             <a:ext cx="1073958" cy="822398"/>
           </a:xfrm>
           <a:prstGeom prst="rect">
@@ -5529,22 +5015,13 @@
           <a:p>
             <a:pPr algn="ctr"/>
             <a:r>
-              <a:rPr lang="es-CO" sz="900" dirty="0" smtClean="0">
+              <a:rPr lang="es-CO" sz="900" dirty="0">
                 <a:solidFill>
                   <a:schemeClr val="tx1"/>
                 </a:solidFill>
                 <a:cs typeface="Arial" pitchFamily="34" charset="0"/>
               </a:rPr>
-              <a:t>delimitado  </a:t>
-            </a:r>
-            <a:r>
-              <a:rPr lang="es-CO" sz="900" dirty="0" smtClean="0">
-                <a:solidFill>
-                  <a:schemeClr val="tx1"/>
-                </a:solidFill>
-                <a:cs typeface="Arial" pitchFamily="34" charset="0"/>
-              </a:rPr>
-              <a:t>por   un polígono, caras triangulares y un punto.    </a:t>
+              <a:t>delimitado  por   un polígono, caras triangulares y un punto.    </a:t>
             </a:r>
           </a:p>
         </p:txBody>
@@ -5561,7 +5038,7 @@
         <p:spPr>
           <a:xfrm>
             <a:off x="5362575" y="7048501"/>
-            <a:ext cx="560" cy="119358"/>
+            <a:ext cx="560" cy="73638"/>
           </a:xfrm>
           <a:prstGeom prst="line">
             <a:avLst/>
@@ -5595,7 +5072,7 @@
         </p:nvSpPr>
         <p:spPr>
           <a:xfrm>
-            <a:off x="6124575" y="6775319"/>
+            <a:off x="6200775" y="6767699"/>
             <a:ext cx="895350" cy="282707"/>
           </a:xfrm>
           <a:prstGeom prst="rect">
@@ -5625,7 +5102,7 @@
           <a:p>
             <a:pPr algn="ctr"/>
             <a:r>
-              <a:rPr lang="es-CO" sz="900" dirty="0" smtClean="0">
+              <a:rPr lang="es-CO" sz="900" dirty="0">
                 <a:solidFill>
                   <a:schemeClr val="tx1"/>
                 </a:solidFill>
@@ -5637,7 +5114,7 @@
           <a:p>
             <a:pPr algn="ctr"/>
             <a:r>
-              <a:rPr lang="es-CO" sz="900" dirty="0" smtClean="0">
+              <a:rPr lang="es-CO" sz="900" dirty="0">
                 <a:solidFill>
                   <a:schemeClr val="tx1"/>
                 </a:solidFill>
@@ -5645,12 +5122,6 @@
               </a:rPr>
               <a:t>sólido   </a:t>
             </a:r>
-            <a:endParaRPr lang="es-CO" sz="900" dirty="0" smtClean="0">
-              <a:solidFill>
-                <a:schemeClr val="tx1"/>
-              </a:solidFill>
-              <a:cs typeface="Arial" pitchFamily="34" charset="0"/>
-            </a:endParaRPr>
           </a:p>
         </p:txBody>
       </p:sp>
@@ -5665,8 +5136,8 @@
         </p:nvCxnSpPr>
         <p:spPr>
           <a:xfrm>
-            <a:off x="6563845" y="6665318"/>
-            <a:ext cx="8405" cy="110001"/>
+            <a:off x="6647665" y="6665318"/>
+            <a:ext cx="785" cy="102381"/>
           </a:xfrm>
           <a:prstGeom prst="line">
             <a:avLst/>
@@ -5700,7 +5171,7 @@
         </p:nvSpPr>
         <p:spPr>
           <a:xfrm>
-            <a:off x="6036303" y="7158334"/>
+            <a:off x="6112503" y="7127854"/>
             <a:ext cx="1073958" cy="822398"/>
           </a:xfrm>
           <a:prstGeom prst="rect">
@@ -5736,43 +5207,7 @@
                 </a:solidFill>
                 <a:cs typeface="Arial" pitchFamily="34" charset="0"/>
               </a:rPr>
-              <a:t>d</a:t>
-            </a:r>
-            <a:r>
-              <a:rPr lang="es-CO" sz="900" dirty="0" smtClean="0">
-                <a:solidFill>
-                  <a:schemeClr val="tx1"/>
-                </a:solidFill>
-                <a:cs typeface="Arial" pitchFamily="34" charset="0"/>
-              </a:rPr>
-              <a:t>elimitado  </a:t>
-            </a:r>
-            <a:r>
-              <a:rPr lang="es-CO" sz="900" dirty="0" smtClean="0">
-                <a:solidFill>
-                  <a:schemeClr val="tx1"/>
-                </a:solidFill>
-                <a:cs typeface="Arial" pitchFamily="34" charset="0"/>
-              </a:rPr>
-              <a:t>por 2 </a:t>
-            </a:r>
-            <a:r>
-              <a:rPr lang="es-CO" sz="900" dirty="0" smtClean="0">
-                <a:solidFill>
-                  <a:schemeClr val="tx1"/>
-                </a:solidFill>
-                <a:cs typeface="Arial" pitchFamily="34" charset="0"/>
-              </a:rPr>
-              <a:t>circunferencias paralelas </a:t>
-            </a:r>
-            <a:r>
-              <a:rPr lang="es-CO" sz="900" dirty="0" smtClean="0">
-                <a:solidFill>
-                  <a:schemeClr val="tx1"/>
-                </a:solidFill>
-                <a:cs typeface="Arial" pitchFamily="34" charset="0"/>
-              </a:rPr>
-              <a:t>de diferente tamaño y una superficie curva     </a:t>
+              <a:t>delimitado  por 2 circunferencias paralelas de diferente tamaño y una superficie curva     </a:t>
             </a:r>
           </a:p>
         </p:txBody>
@@ -5788,8 +5223,8 @@
         </p:nvCxnSpPr>
         <p:spPr>
           <a:xfrm>
-            <a:off x="6572250" y="7058026"/>
-            <a:ext cx="1032" cy="100308"/>
+            <a:off x="6648450" y="7050406"/>
+            <a:ext cx="1032" cy="77448"/>
           </a:xfrm>
           <a:prstGeom prst="line">
             <a:avLst/>
@@ -5823,7 +5258,7 @@
         </p:nvSpPr>
         <p:spPr>
           <a:xfrm>
-            <a:off x="7372350" y="6794369"/>
+            <a:off x="7364730" y="6763889"/>
             <a:ext cx="895350" cy="282707"/>
           </a:xfrm>
           <a:prstGeom prst="rect">
@@ -5853,7 +5288,7 @@
           <a:p>
             <a:pPr algn="ctr"/>
             <a:r>
-              <a:rPr lang="es-CO" sz="900" dirty="0" smtClean="0">
+              <a:rPr lang="es-CO" sz="900" dirty="0">
                 <a:solidFill>
                   <a:schemeClr val="tx1"/>
                 </a:solidFill>
@@ -5865,29 +5300,14 @@
           <a:p>
             <a:pPr algn="ctr"/>
             <a:r>
-              <a:rPr lang="es-CO" sz="900" dirty="0" smtClean="0">
+              <a:rPr lang="es-CO" sz="900" dirty="0">
                 <a:solidFill>
                   <a:schemeClr val="tx1"/>
                 </a:solidFill>
                 <a:cs typeface="Arial" pitchFamily="34" charset="0"/>
               </a:rPr>
-              <a:t>sólido</a:t>
-            </a:r>
-            <a:r>
-              <a:rPr lang="es-CO" sz="900" dirty="0" smtClean="0">
-                <a:solidFill>
-                  <a:schemeClr val="tx1"/>
-                </a:solidFill>
-                <a:cs typeface="Arial" pitchFamily="34" charset="0"/>
-              </a:rPr>
-              <a:t>   </a:t>
-            </a:r>
-            <a:endParaRPr lang="es-CO" sz="900" dirty="0" smtClean="0">
-              <a:solidFill>
-                <a:schemeClr val="tx1"/>
-              </a:solidFill>
-              <a:cs typeface="Arial" pitchFamily="34" charset="0"/>
-            </a:endParaRPr>
+              <a:t>sólido   </a:t>
+            </a:r>
           </a:p>
         </p:txBody>
       </p:sp>
@@ -5903,7 +5323,7 @@
         <p:spPr>
           <a:xfrm>
             <a:off x="7811620" y="6656737"/>
-            <a:ext cx="8405" cy="137632"/>
+            <a:ext cx="785" cy="107152"/>
           </a:xfrm>
           <a:prstGeom prst="line">
             <a:avLst/>
@@ -5937,7 +5357,7 @@
         </p:nvSpPr>
         <p:spPr>
           <a:xfrm>
-            <a:off x="7284550" y="7169910"/>
+            <a:off x="7276930" y="7124190"/>
             <a:ext cx="1073958" cy="822398"/>
           </a:xfrm>
           <a:prstGeom prst="rect">
@@ -5967,38 +5387,14 @@
           <a:p>
             <a:pPr algn="ctr"/>
             <a:r>
-              <a:rPr lang="es-CO" sz="900" dirty="0" smtClean="0">
+              <a:rPr lang="es-CO" sz="900" dirty="0">
                 <a:solidFill>
                   <a:schemeClr val="tx1"/>
                 </a:solidFill>
                 <a:cs typeface="Arial" pitchFamily="34" charset="0"/>
               </a:rPr>
-              <a:t>delimitado  </a:t>
-            </a:r>
-            <a:r>
-              <a:rPr lang="es-CO" sz="900" dirty="0" smtClean="0">
-                <a:solidFill>
-                  <a:schemeClr val="tx1"/>
-                </a:solidFill>
-                <a:cs typeface="Arial" pitchFamily="34" charset="0"/>
-              </a:rPr>
-              <a:t>por dos polígonos semejantes  paralelos  y n paralelogramos </a:t>
-            </a:r>
-            <a:r>
-              <a:rPr lang="es-CO" sz="900" dirty="0" smtClean="0">
-                <a:solidFill>
-                  <a:schemeClr val="tx1"/>
-                </a:solidFill>
-                <a:cs typeface="Arial" pitchFamily="34" charset="0"/>
-              </a:rPr>
-              <a:t>congruentes    </a:t>
-            </a:r>
-            <a:endParaRPr lang="es-CO" sz="900" dirty="0" smtClean="0">
-              <a:solidFill>
-                <a:schemeClr val="tx1"/>
-              </a:solidFill>
-              <a:cs typeface="Arial" pitchFamily="34" charset="0"/>
-            </a:endParaRPr>
+              <a:t>delimitado  por dos polígonos semejantes  paralelos  y n paralelogramos congruentes    </a:t>
+            </a:r>
           </a:p>
         </p:txBody>
       </p:sp>
@@ -6013,8 +5409,8 @@
         </p:nvCxnSpPr>
         <p:spPr>
           <a:xfrm>
-            <a:off x="7820025" y="7077076"/>
-            <a:ext cx="1504" cy="92834"/>
+            <a:off x="7812405" y="7046596"/>
+            <a:ext cx="1504" cy="77594"/>
           </a:xfrm>
           <a:prstGeom prst="line">
             <a:avLst/>
@@ -6048,7 +5444,7 @@
         </p:nvSpPr>
         <p:spPr>
           <a:xfrm>
-            <a:off x="9426007" y="1396634"/>
+            <a:off x="10074194" y="1396634"/>
             <a:ext cx="1095738" cy="256102"/>
           </a:xfrm>
           <a:prstGeom prst="rect">
@@ -6078,20 +5474,32 @@
           <a:p>
             <a:pPr algn="ctr"/>
             <a:r>
-              <a:rPr lang="es-CO" sz="900" dirty="0" smtClean="0">
+              <a:rPr lang="es-CO" sz="900" dirty="0">
                 <a:solidFill>
                   <a:schemeClr val="tx1"/>
                 </a:solidFill>
                 <a:cs typeface="Arial" pitchFamily="34" charset="0"/>
               </a:rPr>
-              <a:t>Una aplicaciones se da  en  </a:t>
-            </a:r>
-            <a:endParaRPr lang="es-CO" sz="900" dirty="0">
-              <a:solidFill>
-                <a:schemeClr val="tx1"/>
-              </a:solidFill>
-              <a:cs typeface="Arial" pitchFamily="34" charset="0"/>
-            </a:endParaRPr>
+              <a:t>una </a:t>
+            </a:r>
+            <a:r>
+              <a:rPr lang="es-CO" sz="900" dirty="0" err="1">
+                <a:solidFill>
+                  <a:schemeClr val="tx1"/>
+                </a:solidFill>
+                <a:cs typeface="Arial" pitchFamily="34" charset="0"/>
+              </a:rPr>
+              <a:t>aplicacion</a:t>
+            </a:r>
+            <a:r>
+              <a:rPr lang="es-CO" sz="900" dirty="0">
+                <a:solidFill>
+                  <a:schemeClr val="tx1"/>
+                </a:solidFill>
+                <a:cs typeface="Arial" pitchFamily="34" charset="0"/>
+              </a:rPr>
+              <a:t> se da  en  </a:t>
+            </a:r>
           </a:p>
         </p:txBody>
       </p:sp>
@@ -6103,7 +5511,7 @@
         </p:nvSpPr>
         <p:spPr>
           <a:xfrm>
-            <a:off x="9241050" y="1840967"/>
+            <a:off x="9889237" y="1840967"/>
             <a:ext cx="1473211" cy="1046160"/>
           </a:xfrm>
           <a:prstGeom prst="rect">
@@ -6132,7 +5540,7 @@
           <a:lstStyle/>
           <a:p>
             <a:pPr algn="ctr"/>
-            <a:endParaRPr lang="es-CO" sz="1400" b="1" dirty="0" smtClean="0">
+            <a:endParaRPr lang="es-CO" sz="1400" b="1" dirty="0">
               <a:solidFill>
                 <a:schemeClr val="tx1"/>
               </a:solidFill>
@@ -6142,22 +5550,13 @@
           <a:p>
             <a:pPr algn="ctr"/>
             <a:r>
-              <a:rPr lang="es-CO" sz="1400" b="1" dirty="0" smtClean="0">
+              <a:rPr lang="es-CO" sz="1400" b="1" dirty="0">
                 <a:solidFill>
                   <a:schemeClr val="tx1"/>
                 </a:solidFill>
                 <a:cs typeface="Arial" pitchFamily="34" charset="0"/>
               </a:rPr>
-              <a:t>La </a:t>
-            </a:r>
-            <a:r>
-              <a:rPr lang="es-CO" sz="1400" b="1" dirty="0">
-                <a:solidFill>
-                  <a:schemeClr val="tx1"/>
-                </a:solidFill>
-                <a:cs typeface="Arial" pitchFamily="34" charset="0"/>
-              </a:rPr>
-              <a:t>cartografía </a:t>
+              <a:t>La cartografía </a:t>
             </a:r>
           </a:p>
           <a:p>
@@ -6182,7 +5581,7 @@
         </p:nvCxnSpPr>
         <p:spPr>
           <a:xfrm>
-            <a:off x="9973876" y="1652736"/>
+            <a:off x="10622063" y="1652736"/>
             <a:ext cx="3780" cy="188231"/>
           </a:xfrm>
           <a:prstGeom prst="line">
@@ -6220,7 +5619,7 @@
         </p:nvCxnSpPr>
         <p:spPr>
           <a:xfrm>
-            <a:off x="9981879" y="3259834"/>
+            <a:off x="10630066" y="3259834"/>
             <a:ext cx="770" cy="203302"/>
           </a:xfrm>
           <a:prstGeom prst="line">
@@ -6255,7 +5654,7 @@
         </p:nvSpPr>
         <p:spPr>
           <a:xfrm>
-            <a:off x="9372154" y="3463136"/>
+            <a:off x="10020341" y="3463136"/>
             <a:ext cx="1220990" cy="740032"/>
           </a:xfrm>
           <a:prstGeom prst="rect">
@@ -6287,12 +5686,12 @@
           <a:p>
             <a:pPr algn="ctr"/>
             <a:r>
-              <a:rPr lang="es-ES_tradnl" sz="1050" dirty="0" smtClean="0">
+              <a:rPr lang="es-ES_tradnl" sz="1050" dirty="0">
                 <a:solidFill>
                   <a:schemeClr val="bg1"/>
                 </a:solidFill>
               </a:rPr>
-              <a:t>La ciencia  que se encarga del estudio y trazado de los mapas  </a:t>
+              <a:t>la ciencia  que se encarga del estudio y trazado de los mapas  </a:t>
             </a:r>
             <a:endParaRPr lang="es-CO" sz="1050" i="1" dirty="0">
               <a:solidFill>
@@ -6311,7 +5710,7 @@
         </p:nvSpPr>
         <p:spPr>
           <a:xfrm>
-            <a:off x="8567983" y="8534825"/>
+            <a:off x="8718458" y="8534825"/>
             <a:ext cx="756432" cy="204697"/>
           </a:xfrm>
           <a:prstGeom prst="rect">
@@ -6347,23 +5746,8 @@
                 </a:solidFill>
                 <a:cs typeface="Arial" pitchFamily="34" charset="0"/>
               </a:rPr>
-              <a:t>s</a:t>
-            </a:r>
-            <a:r>
-              <a:rPr lang="es-CO" sz="900" dirty="0" smtClean="0">
-                <a:solidFill>
-                  <a:schemeClr val="tx1"/>
-                </a:solidFill>
-                <a:cs typeface="Arial" pitchFamily="34" charset="0"/>
-              </a:rPr>
-              <a:t>e forman     </a:t>
-            </a:r>
-            <a:endParaRPr lang="es-CO" sz="900" dirty="0">
-              <a:solidFill>
-                <a:schemeClr val="tx1"/>
-              </a:solidFill>
-              <a:cs typeface="Arial" pitchFamily="34" charset="0"/>
-            </a:endParaRPr>
+              <a:t>se forman     </a:t>
+            </a:r>
           </a:p>
         </p:txBody>
       </p:sp>
@@ -6378,7 +5762,7 @@
         </p:nvCxnSpPr>
         <p:spPr>
           <a:xfrm>
-            <a:off x="8944849" y="8402187"/>
+            <a:off x="9095324" y="8402187"/>
             <a:ext cx="1350" cy="132638"/>
           </a:xfrm>
           <a:prstGeom prst="line">
@@ -6413,7 +5797,7 @@
         </p:nvSpPr>
         <p:spPr>
           <a:xfrm>
-            <a:off x="8520661" y="9681056"/>
+            <a:off x="8671136" y="9681056"/>
             <a:ext cx="851682" cy="319578"/>
           </a:xfrm>
           <a:prstGeom prst="rect">
@@ -6449,23 +5833,8 @@
                 </a:solidFill>
                 <a:cs typeface="Arial" pitchFamily="34" charset="0"/>
               </a:rPr>
-              <a:t>e</a:t>
-            </a:r>
-            <a:r>
-              <a:rPr lang="es-CO" sz="900" dirty="0" smtClean="0">
-                <a:solidFill>
-                  <a:schemeClr val="tx1"/>
-                </a:solidFill>
-                <a:cs typeface="Arial" pitchFamily="34" charset="0"/>
-              </a:rPr>
-              <a:t>l resultado es      </a:t>
-            </a:r>
-            <a:endParaRPr lang="es-CO" sz="900" dirty="0">
-              <a:solidFill>
-                <a:schemeClr val="tx1"/>
-              </a:solidFill>
-              <a:cs typeface="Arial" pitchFamily="34" charset="0"/>
-            </a:endParaRPr>
+              <a:t>el resultado es      </a:t>
+            </a:r>
           </a:p>
         </p:txBody>
       </p:sp>
@@ -6480,7 +5849,7 @@
         </p:nvCxnSpPr>
         <p:spPr>
           <a:xfrm flipH="1">
-            <a:off x="8944849" y="8739522"/>
+            <a:off x="9095324" y="8739522"/>
             <a:ext cx="1350" cy="214545"/>
           </a:xfrm>
           <a:prstGeom prst="line">
@@ -6518,7 +5887,7 @@
         </p:nvCxnSpPr>
         <p:spPr>
           <a:xfrm>
-            <a:off x="8944849" y="9537454"/>
+            <a:off x="9095324" y="9537454"/>
             <a:ext cx="1653" cy="143602"/>
           </a:xfrm>
           <a:prstGeom prst="line">
@@ -6553,7 +5922,7 @@
         </p:nvSpPr>
         <p:spPr>
           <a:xfrm>
-            <a:off x="8501360" y="10147863"/>
+            <a:off x="8651835" y="10147863"/>
             <a:ext cx="895445" cy="583387"/>
           </a:xfrm>
           <a:prstGeom prst="rect">
@@ -6589,41 +5958,8 @@
                 </a:solidFill>
                 <a:cs typeface="Arial" pitchFamily="34" charset="0"/>
               </a:rPr>
-              <a:t>m</a:t>
-            </a:r>
-            <a:r>
-              <a:rPr lang="es-CO" sz="900" dirty="0" smtClean="0">
-                <a:solidFill>
-                  <a:schemeClr val="tx1"/>
-                </a:solidFill>
-                <a:cs typeface="Arial" pitchFamily="34" charset="0"/>
-              </a:rPr>
-              <a:t>apa que representa </a:t>
-            </a:r>
-            <a:r>
-              <a:rPr lang="es-CO" sz="900" dirty="0" smtClean="0">
-                <a:solidFill>
-                  <a:schemeClr val="tx1"/>
-                </a:solidFill>
-                <a:cs typeface="Arial" pitchFamily="34" charset="0"/>
-              </a:rPr>
-              <a:t>toda </a:t>
-            </a:r>
-            <a:r>
-              <a:rPr lang="es-CO" sz="900" dirty="0" smtClean="0">
-                <a:solidFill>
-                  <a:schemeClr val="tx1"/>
-                </a:solidFill>
-                <a:cs typeface="Arial" pitchFamily="34" charset="0"/>
-              </a:rPr>
-              <a:t>la tierra </a:t>
-            </a:r>
-            <a:endParaRPr lang="es-CO" sz="900" dirty="0">
-              <a:solidFill>
-                <a:schemeClr val="tx1"/>
-              </a:solidFill>
-              <a:cs typeface="Arial" pitchFamily="34" charset="0"/>
-            </a:endParaRPr>
+              <a:t>mapa que representa toda la tierra </a:t>
+            </a:r>
           </a:p>
         </p:txBody>
       </p:sp>
@@ -6638,7 +5974,7 @@
         </p:nvCxnSpPr>
         <p:spPr>
           <a:xfrm>
-            <a:off x="8946502" y="10000634"/>
+            <a:off x="9096977" y="10000634"/>
             <a:ext cx="2581" cy="147229"/>
           </a:xfrm>
           <a:prstGeom prst="line">
@@ -6703,20 +6039,14 @@
           <a:p>
             <a:pPr algn="ctr"/>
             <a:r>
-              <a:rPr lang="es-CO" sz="900" dirty="0" smtClean="0">
+              <a:rPr lang="es-CO" sz="900" dirty="0">
                 <a:solidFill>
                   <a:schemeClr val="tx1"/>
                 </a:solidFill>
                 <a:cs typeface="Arial" pitchFamily="34" charset="0"/>
               </a:rPr>
-              <a:t>Utilizando un cono </a:t>
-            </a:r>
-            <a:endParaRPr lang="es-CO" sz="900" dirty="0">
-              <a:solidFill>
-                <a:schemeClr val="tx1"/>
-              </a:solidFill>
-              <a:cs typeface="Arial" pitchFamily="34" charset="0"/>
-            </a:endParaRPr>
+              <a:t>utilizando un cono </a:t>
+            </a:r>
           </a:p>
         </p:txBody>
       </p:sp>
@@ -6764,23 +6094,8 @@
                 </a:solidFill>
                 <a:cs typeface="Arial" pitchFamily="34" charset="0"/>
               </a:rPr>
-              <a:t>s</a:t>
-            </a:r>
-            <a:r>
-              <a:rPr lang="es-CO" sz="900" dirty="0" smtClean="0">
-                <a:solidFill>
-                  <a:schemeClr val="tx1"/>
-                </a:solidFill>
-                <a:cs typeface="Arial" pitchFamily="34" charset="0"/>
-              </a:rPr>
-              <a:t>e forman     </a:t>
-            </a:r>
-            <a:endParaRPr lang="es-CO" sz="900" dirty="0">
-              <a:solidFill>
-                <a:schemeClr val="tx1"/>
-              </a:solidFill>
-              <a:cs typeface="Arial" pitchFamily="34" charset="0"/>
-            </a:endParaRPr>
+              <a:t>se forman     </a:t>
+            </a:r>
           </a:p>
         </p:txBody>
       </p:sp>
@@ -6866,23 +6181,8 @@
                 </a:solidFill>
                 <a:cs typeface="Arial" pitchFamily="34" charset="0"/>
               </a:rPr>
-              <a:t>e</a:t>
-            </a:r>
-            <a:r>
-              <a:rPr lang="es-CO" sz="900" dirty="0" smtClean="0">
-                <a:solidFill>
-                  <a:schemeClr val="tx1"/>
-                </a:solidFill>
-                <a:cs typeface="Arial" pitchFamily="34" charset="0"/>
-              </a:rPr>
-              <a:t>l resultado es      </a:t>
-            </a:r>
-            <a:endParaRPr lang="es-CO" sz="900" dirty="0">
-              <a:solidFill>
-                <a:schemeClr val="tx1"/>
-              </a:solidFill>
-              <a:cs typeface="Arial" pitchFamily="34" charset="0"/>
-            </a:endParaRPr>
+              <a:t>el resultado es      </a:t>
+            </a:r>
           </a:p>
         </p:txBody>
       </p:sp>
@@ -7006,23 +6306,8 @@
                 </a:solidFill>
                 <a:cs typeface="Arial" pitchFamily="34" charset="0"/>
               </a:rPr>
-              <a:t>m</a:t>
-            </a:r>
-            <a:r>
-              <a:rPr lang="es-CO" sz="900" dirty="0" smtClean="0">
-                <a:solidFill>
-                  <a:schemeClr val="tx1"/>
-                </a:solidFill>
-                <a:cs typeface="Arial" pitchFamily="34" charset="0"/>
-              </a:rPr>
-              <a:t>apa que representa una  parte de la tierra </a:t>
-            </a:r>
-            <a:endParaRPr lang="es-CO" sz="900" dirty="0">
-              <a:solidFill>
-                <a:schemeClr val="tx1"/>
-              </a:solidFill>
-              <a:cs typeface="Arial" pitchFamily="34" charset="0"/>
-            </a:endParaRPr>
+              <a:t>mapa que representa una  parte de la tierra </a:t>
+            </a:r>
           </a:p>
         </p:txBody>
       </p:sp>
@@ -7072,7 +6357,7 @@
         </p:nvSpPr>
         <p:spPr>
           <a:xfrm>
-            <a:off x="11980203" y="8956533"/>
+            <a:off x="11760278" y="8956533"/>
             <a:ext cx="895445" cy="583387"/>
           </a:xfrm>
           <a:prstGeom prst="rect">
@@ -7102,20 +6387,14 @@
           <a:p>
             <a:pPr algn="ctr"/>
             <a:r>
-              <a:rPr lang="es-CO" sz="900" dirty="0" smtClean="0">
+              <a:rPr lang="es-CO" sz="900" dirty="0">
                 <a:solidFill>
                   <a:schemeClr val="tx1"/>
                 </a:solidFill>
                 <a:cs typeface="Arial" pitchFamily="34" charset="0"/>
               </a:rPr>
-              <a:t>Utilizando un plano</a:t>
-            </a:r>
-            <a:endParaRPr lang="es-CO" sz="900" dirty="0">
-              <a:solidFill>
-                <a:schemeClr val="tx1"/>
-              </a:solidFill>
-              <a:cs typeface="Arial" pitchFamily="34" charset="0"/>
-            </a:endParaRPr>
+              <a:t>utilizando un plano</a:t>
+            </a:r>
           </a:p>
         </p:txBody>
       </p:sp>
@@ -7127,7 +6406,7 @@
         </p:nvSpPr>
         <p:spPr>
           <a:xfrm>
-            <a:off x="12051060" y="8537291"/>
+            <a:off x="11831135" y="8537291"/>
             <a:ext cx="756432" cy="204697"/>
           </a:xfrm>
           <a:prstGeom prst="rect">
@@ -7163,23 +6442,8 @@
                 </a:solidFill>
                 <a:cs typeface="Arial" pitchFamily="34" charset="0"/>
               </a:rPr>
-              <a:t>s</a:t>
-            </a:r>
-            <a:r>
-              <a:rPr lang="es-CO" sz="900" dirty="0" smtClean="0">
-                <a:solidFill>
-                  <a:schemeClr val="tx1"/>
-                </a:solidFill>
-                <a:cs typeface="Arial" pitchFamily="34" charset="0"/>
-              </a:rPr>
-              <a:t>e forman     </a:t>
-            </a:r>
-            <a:endParaRPr lang="es-CO" sz="900" dirty="0">
-              <a:solidFill>
-                <a:schemeClr val="tx1"/>
-              </a:solidFill>
-              <a:cs typeface="Arial" pitchFamily="34" charset="0"/>
-            </a:endParaRPr>
+              <a:t>se forman     </a:t>
+            </a:r>
           </a:p>
         </p:txBody>
       </p:sp>
@@ -7193,7 +6457,7 @@
         </p:nvCxnSpPr>
         <p:spPr>
           <a:xfrm>
-            <a:off x="12427926" y="8404653"/>
+            <a:off x="12208001" y="8404653"/>
             <a:ext cx="1350" cy="132638"/>
           </a:xfrm>
           <a:prstGeom prst="line">
@@ -7228,7 +6492,7 @@
         </p:nvSpPr>
         <p:spPr>
           <a:xfrm>
-            <a:off x="12003738" y="9683522"/>
+            <a:off x="11783813" y="9683522"/>
             <a:ext cx="851682" cy="319578"/>
           </a:xfrm>
           <a:prstGeom prst="rect">
@@ -7264,23 +6528,8 @@
                 </a:solidFill>
                 <a:cs typeface="Arial" pitchFamily="34" charset="0"/>
               </a:rPr>
-              <a:t>e</a:t>
-            </a:r>
-            <a:r>
-              <a:rPr lang="es-CO" sz="900" dirty="0" smtClean="0">
-                <a:solidFill>
-                  <a:schemeClr val="tx1"/>
-                </a:solidFill>
-                <a:cs typeface="Arial" pitchFamily="34" charset="0"/>
-              </a:rPr>
-              <a:t>l resultado es      </a:t>
-            </a:r>
-            <a:endParaRPr lang="es-CO" sz="900" dirty="0">
-              <a:solidFill>
-                <a:schemeClr val="tx1"/>
-              </a:solidFill>
-              <a:cs typeface="Arial" pitchFamily="34" charset="0"/>
-            </a:endParaRPr>
+              <a:t>el resultado es      </a:t>
+            </a:r>
           </a:p>
         </p:txBody>
       </p:sp>
@@ -7295,7 +6544,7 @@
         </p:nvCxnSpPr>
         <p:spPr>
           <a:xfrm flipH="1">
-            <a:off x="12427926" y="8741988"/>
+            <a:off x="12208001" y="8741988"/>
             <a:ext cx="1350" cy="214545"/>
           </a:xfrm>
           <a:prstGeom prst="line">
@@ -7333,7 +6582,7 @@
         </p:nvCxnSpPr>
         <p:spPr>
           <a:xfrm>
-            <a:off x="12427926" y="9539920"/>
+            <a:off x="12208001" y="9539920"/>
             <a:ext cx="1653" cy="143602"/>
           </a:xfrm>
           <a:prstGeom prst="line">
@@ -7368,7 +6617,7 @@
         </p:nvSpPr>
         <p:spPr>
           <a:xfrm>
-            <a:off x="11984437" y="10150329"/>
+            <a:off x="11764512" y="10150329"/>
             <a:ext cx="895445" cy="583387"/>
           </a:xfrm>
           <a:prstGeom prst="rect">
@@ -7404,23 +6653,8 @@
                 </a:solidFill>
                 <a:cs typeface="Arial" pitchFamily="34" charset="0"/>
               </a:rPr>
-              <a:t>m</a:t>
-            </a:r>
-            <a:r>
-              <a:rPr lang="es-CO" sz="900" dirty="0" smtClean="0">
-                <a:solidFill>
-                  <a:schemeClr val="tx1"/>
-                </a:solidFill>
-                <a:cs typeface="Arial" pitchFamily="34" charset="0"/>
-              </a:rPr>
-              <a:t>apa que representa una parte de la tierra </a:t>
-            </a:r>
-            <a:endParaRPr lang="es-CO" sz="900" dirty="0">
-              <a:solidFill>
-                <a:schemeClr val="tx1"/>
-              </a:solidFill>
-              <a:cs typeface="Arial" pitchFamily="34" charset="0"/>
-            </a:endParaRPr>
+              <a:t>mapa que representa una parte de la tierra </a:t>
+            </a:r>
           </a:p>
         </p:txBody>
       </p:sp>
@@ -7435,7 +6669,7 @@
         </p:nvCxnSpPr>
         <p:spPr>
           <a:xfrm>
-            <a:off x="12429579" y="10003100"/>
+            <a:off x="12209654" y="10003100"/>
             <a:ext cx="2581" cy="147229"/>
           </a:xfrm>
           <a:prstGeom prst="line">
